--- a/trunk/documentation/OWASP ESAPI Overview.pptx
+++ b/trunk/documentation/OWASP ESAPI Overview.pptx
@@ -4018,6 +4018,11 @@
   </dgm:cxnLst>
   <dgm:bg/>
   <dgm:whole/>
+  <dgm:extLst>
+    <a:ext uri="http://schemas.microsoft.com/office/drawing/2008/diagram">
+      <dsp:dataModelExt xmlns:dsp="http://schemas.microsoft.com/office/drawing/2008/diagram" xmlns="" relId="rId6" minVer="http://schemas.openxmlformats.org/drawingml/2006/diagram"/>
+    </a:ext>
+  </dgm:extLst>
 </dgm:dataModel>
 </file>
 
@@ -4159,7 +4164,7 @@
           <a:pPr rtl="0"/>
           <a:r>
             <a:rPr lang="en-US" sz="1600" dirty="0" smtClean="0"/>
-            <a:t>11/07 - Release RC1</a:t>
+            <a:t>7/09 – ESAPI 2.0 rc1</a:t>
           </a:r>
           <a:endParaRPr lang="en-US" sz="1600" dirty="0"/>
         </a:p>
@@ -4467,6 +4472,11 @@
   </dgm:cxnLst>
   <dgm:bg/>
   <dgm:whole/>
+  <dgm:extLst>
+    <a:ext uri="http://schemas.microsoft.com/office/drawing/2008/diagram">
+      <dsp:dataModelExt xmlns:dsp="http://schemas.microsoft.com/office/drawing/2008/diagram" xmlns="" relId="rId6" minVer="http://schemas.openxmlformats.org/drawingml/2006/diagram"/>
+    </a:ext>
+  </dgm:extLst>
 </dgm:dataModel>
 </file>
 
@@ -6245,7 +6255,5747 @@
   </dgm:cxnLst>
   <dgm:bg/>
   <dgm:whole/>
+  <dgm:extLst>
+    <a:ext uri="http://schemas.microsoft.com/office/drawing/2008/diagram">
+      <dsp:dataModelExt xmlns:dsp="http://schemas.microsoft.com/office/drawing/2008/diagram" xmlns="" relId="rId6" minVer="http://schemas.openxmlformats.org/drawingml/2006/diagram"/>
+    </a:ext>
+  </dgm:extLst>
 </dgm:dataModel>
+</file>
+
+<file path=ppt/diagrams/drawing1.xml><?xml version="1.0" encoding="utf-8"?>
+<dsp:drawing xmlns:dgm="http://schemas.openxmlformats.org/drawingml/2006/diagram" xmlns:a="http://schemas.openxmlformats.org/drawingml/2006/main" xmlns:dsp="http://schemas.microsoft.com/office/drawing/2008/diagram">
+  <dsp:spTree>
+    <dsp:nvGrpSpPr>
+      <dsp:cNvPr id="0" name=""/>
+      <dsp:cNvGrpSpPr/>
+    </dsp:nvGrpSpPr>
+    <dsp:grpSpPr/>
+    <dsp:sp modelId="{CC5E8D77-A450-48C2-8A88-CD223B4541FB}">
+      <dsp:nvSpPr>
+        <dsp:cNvPr id="0" name=""/>
+        <dsp:cNvSpPr/>
+      </dsp:nvSpPr>
+      <dsp:spPr>
+        <a:xfrm>
+          <a:off x="0" y="433514"/>
+          <a:ext cx="8141345" cy="813483"/>
+        </a:xfrm>
+        <a:prstGeom prst="roundRect">
+          <a:avLst>
+            <a:gd name="adj" fmla="val 10000"/>
+          </a:avLst>
+        </a:prstGeom>
+        <a:solidFill>
+          <a:srgbClr val="659A2A"/>
+        </a:solidFill>
+        <a:ln>
+          <a:noFill/>
+        </a:ln>
+        <a:effectLst/>
+        <a:scene3d>
+          <a:camera prst="orthographicFront"/>
+          <a:lightRig rig="chilly" dir="t"/>
+        </a:scene3d>
+        <a:sp3d prstMaterial="translucentPowder">
+          <a:bevelT w="127000" h="25400" prst="softRound"/>
+        </a:sp3d>
+      </dsp:spPr>
+      <dsp:style>
+        <a:lnRef idx="0">
+          <a:scrgbClr r="0" g="0" b="0"/>
+        </a:lnRef>
+        <a:fillRef idx="1">
+          <a:scrgbClr r="0" g="0" b="0"/>
+        </a:fillRef>
+        <a:effectRef idx="0">
+          <a:scrgbClr r="0" g="0" b="0"/>
+        </a:effectRef>
+        <a:fontRef idx="minor">
+          <a:schemeClr val="lt1"/>
+        </a:fontRef>
+      </dsp:style>
+      <dsp:txBody>
+        <a:bodyPr spcFirstLastPara="0" vert="horz" wrap="square" lIns="91440" tIns="91440" rIns="91440" bIns="91440" numCol="1" spcCol="1270" anchor="ctr" anchorCtr="0">
+          <a:noAutofit/>
+        </a:bodyPr>
+        <a:lstStyle/>
+        <a:p>
+          <a:pPr lvl="0" algn="ctr" defTabSz="1066800">
+            <a:lnSpc>
+              <a:spcPct val="90000"/>
+            </a:lnSpc>
+            <a:spcBef>
+              <a:spcPct val="0"/>
+            </a:spcBef>
+            <a:spcAft>
+              <a:spcPct val="35000"/>
+            </a:spcAft>
+          </a:pPr>
+          <a:r>
+            <a:rPr lang="en-US" sz="2400" b="1" kern="1200" dirty="0" smtClean="0"/>
+            <a:t>Custom Enterprise Web Application</a:t>
+          </a:r>
+          <a:endParaRPr lang="en-US" sz="2400" b="1" kern="1200" dirty="0"/>
+        </a:p>
+      </dsp:txBody>
+      <dsp:txXfrm>
+        <a:off x="0" y="433514"/>
+        <a:ext cx="8141345" cy="813483"/>
+      </dsp:txXfrm>
+    </dsp:sp>
+    <dsp:sp modelId="{B2BCDAB2-FFE4-478F-8E30-EC5D46553CCE}">
+      <dsp:nvSpPr>
+        <dsp:cNvPr id="0" name=""/>
+        <dsp:cNvSpPr/>
+      </dsp:nvSpPr>
+      <dsp:spPr>
+        <a:xfrm>
+          <a:off x="0" y="1284636"/>
+          <a:ext cx="8125451" cy="757988"/>
+        </a:xfrm>
+        <a:prstGeom prst="roundRect">
+          <a:avLst>
+            <a:gd name="adj" fmla="val 10000"/>
+          </a:avLst>
+        </a:prstGeom>
+        <a:solidFill>
+          <a:schemeClr val="accent6">
+            <a:lumMod val="50000"/>
+          </a:schemeClr>
+        </a:solidFill>
+        <a:ln>
+          <a:noFill/>
+        </a:ln>
+        <a:effectLst/>
+        <a:scene3d>
+          <a:camera prst="orthographicFront"/>
+          <a:lightRig rig="chilly" dir="t"/>
+        </a:scene3d>
+        <a:sp3d prstMaterial="translucentPowder">
+          <a:bevelT w="127000" h="25400" prst="softRound"/>
+        </a:sp3d>
+      </dsp:spPr>
+      <dsp:style>
+        <a:lnRef idx="0">
+          <a:scrgbClr r="0" g="0" b="0"/>
+        </a:lnRef>
+        <a:fillRef idx="1">
+          <a:scrgbClr r="0" g="0" b="0"/>
+        </a:fillRef>
+        <a:effectRef idx="0">
+          <a:scrgbClr r="0" g="0" b="0"/>
+        </a:effectRef>
+        <a:fontRef idx="minor">
+          <a:schemeClr val="lt1"/>
+        </a:fontRef>
+      </dsp:style>
+      <dsp:txBody>
+        <a:bodyPr spcFirstLastPara="0" vert="horz" wrap="square" lIns="91440" tIns="91440" rIns="91440" bIns="91440" numCol="1" spcCol="1270" anchor="ctr" anchorCtr="0">
+          <a:noAutofit/>
+        </a:bodyPr>
+        <a:lstStyle/>
+        <a:p>
+          <a:pPr lvl="0" algn="ctr" defTabSz="1066800">
+            <a:lnSpc>
+              <a:spcPct val="90000"/>
+            </a:lnSpc>
+            <a:spcBef>
+              <a:spcPct val="0"/>
+            </a:spcBef>
+            <a:spcAft>
+              <a:spcPct val="35000"/>
+            </a:spcAft>
+          </a:pPr>
+          <a:r>
+            <a:rPr lang="en-US" sz="2400" b="1" kern="1200" smtClean="0"/>
+            <a:t>Enterprise </a:t>
+          </a:r>
+          <a:r>
+            <a:rPr lang="en-US" sz="2400" b="1" kern="1200" dirty="0" smtClean="0"/>
+            <a:t>Security API</a:t>
+          </a:r>
+          <a:endParaRPr lang="en-US" sz="2400" b="1" kern="1200" dirty="0"/>
+        </a:p>
+      </dsp:txBody>
+      <dsp:txXfrm>
+        <a:off x="0" y="1284636"/>
+        <a:ext cx="8125451" cy="757988"/>
+      </dsp:txXfrm>
+    </dsp:sp>
+    <dsp:sp modelId="{1310CA2D-92B0-429D-9BF5-B01897562CFE}">
+      <dsp:nvSpPr>
+        <dsp:cNvPr id="0" name=""/>
+        <dsp:cNvSpPr/>
+      </dsp:nvSpPr>
+      <dsp:spPr>
+        <a:xfrm>
+          <a:off x="9240" y="2078070"/>
+          <a:ext cx="558603" cy="2562070"/>
+        </a:xfrm>
+        <a:prstGeom prst="roundRect">
+          <a:avLst>
+            <a:gd name="adj" fmla="val 10000"/>
+          </a:avLst>
+        </a:prstGeom>
+        <a:solidFill>
+          <a:schemeClr val="accent2"/>
+        </a:solidFill>
+        <a:ln>
+          <a:noFill/>
+        </a:ln>
+        <a:effectLst/>
+        <a:scene3d>
+          <a:camera prst="orthographicFront"/>
+          <a:lightRig rig="chilly" dir="t"/>
+        </a:scene3d>
+        <a:sp3d prstMaterial="translucentPowder">
+          <a:bevelT w="127000" h="25400" prst="softRound"/>
+        </a:sp3d>
+      </dsp:spPr>
+      <dsp:style>
+        <a:lnRef idx="0">
+          <a:scrgbClr r="0" g="0" b="0"/>
+        </a:lnRef>
+        <a:fillRef idx="1">
+          <a:scrgbClr r="0" g="0" b="0"/>
+        </a:fillRef>
+        <a:effectRef idx="0">
+          <a:scrgbClr r="0" g="0" b="0"/>
+        </a:effectRef>
+        <a:fontRef idx="minor">
+          <a:schemeClr val="lt1"/>
+        </a:fontRef>
+      </dsp:style>
+      <dsp:txBody>
+        <a:bodyPr spcFirstLastPara="0" vert="vert270" wrap="square" lIns="64770" tIns="64770" rIns="64770" bIns="64770" numCol="1" spcCol="1270" anchor="ctr" anchorCtr="0">
+          <a:noAutofit/>
+        </a:bodyPr>
+        <a:lstStyle/>
+        <a:p>
+          <a:pPr lvl="0" algn="ctr" defTabSz="755650">
+            <a:lnSpc>
+              <a:spcPct val="90000"/>
+            </a:lnSpc>
+            <a:spcBef>
+              <a:spcPct val="0"/>
+            </a:spcBef>
+            <a:spcAft>
+              <a:spcPct val="35000"/>
+            </a:spcAft>
+          </a:pPr>
+          <a:r>
+            <a:rPr lang="en-US" sz="1700" b="1" kern="1200" dirty="0" smtClean="0"/>
+            <a:t>Authenticator</a:t>
+          </a:r>
+          <a:endParaRPr lang="en-US" sz="1700" b="1" kern="1200" dirty="0"/>
+        </a:p>
+      </dsp:txBody>
+      <dsp:txXfrm>
+        <a:off x="9240" y="2078070"/>
+        <a:ext cx="558603" cy="2562070"/>
+      </dsp:txXfrm>
+    </dsp:sp>
+    <dsp:sp modelId="{1E148C46-ACC1-4792-B37F-63750643FA1A}">
+      <dsp:nvSpPr>
+        <dsp:cNvPr id="0" name=""/>
+        <dsp:cNvSpPr/>
+      </dsp:nvSpPr>
+      <dsp:spPr>
+        <a:xfrm>
+          <a:off x="591305" y="2078070"/>
+          <a:ext cx="558603" cy="2562070"/>
+        </a:xfrm>
+        <a:prstGeom prst="roundRect">
+          <a:avLst>
+            <a:gd name="adj" fmla="val 10000"/>
+          </a:avLst>
+        </a:prstGeom>
+        <a:solidFill>
+          <a:schemeClr val="accent2"/>
+        </a:solidFill>
+        <a:ln>
+          <a:noFill/>
+        </a:ln>
+        <a:effectLst/>
+        <a:scene3d>
+          <a:camera prst="orthographicFront"/>
+          <a:lightRig rig="chilly" dir="t"/>
+        </a:scene3d>
+        <a:sp3d prstMaterial="translucentPowder">
+          <a:bevelT w="127000" h="25400" prst="softRound"/>
+        </a:sp3d>
+      </dsp:spPr>
+      <dsp:style>
+        <a:lnRef idx="0">
+          <a:scrgbClr r="0" g="0" b="0"/>
+        </a:lnRef>
+        <a:fillRef idx="1">
+          <a:scrgbClr r="0" g="0" b="0"/>
+        </a:fillRef>
+        <a:effectRef idx="0">
+          <a:scrgbClr r="0" g="0" b="0"/>
+        </a:effectRef>
+        <a:fontRef idx="minor">
+          <a:schemeClr val="lt1"/>
+        </a:fontRef>
+      </dsp:style>
+      <dsp:txBody>
+        <a:bodyPr spcFirstLastPara="0" vert="vert270" wrap="square" lIns="64770" tIns="64770" rIns="64770" bIns="64770" numCol="1" spcCol="1270" anchor="ctr" anchorCtr="0">
+          <a:noAutofit/>
+        </a:bodyPr>
+        <a:lstStyle/>
+        <a:p>
+          <a:pPr lvl="0" algn="ctr" defTabSz="755650">
+            <a:lnSpc>
+              <a:spcPct val="90000"/>
+            </a:lnSpc>
+            <a:spcBef>
+              <a:spcPct val="0"/>
+            </a:spcBef>
+            <a:spcAft>
+              <a:spcPct val="35000"/>
+            </a:spcAft>
+          </a:pPr>
+          <a:r>
+            <a:rPr lang="en-US" sz="1700" b="1" kern="1200" dirty="0" smtClean="0"/>
+            <a:t>User</a:t>
+          </a:r>
+          <a:endParaRPr lang="en-US" sz="1700" b="1" kern="1200" dirty="0"/>
+        </a:p>
+      </dsp:txBody>
+      <dsp:txXfrm>
+        <a:off x="591305" y="2078070"/>
+        <a:ext cx="558603" cy="2562070"/>
+      </dsp:txXfrm>
+    </dsp:sp>
+    <dsp:sp modelId="{B7224589-3D84-4F26-B38F-F65CF9D69FE3}">
+      <dsp:nvSpPr>
+        <dsp:cNvPr id="0" name=""/>
+        <dsp:cNvSpPr/>
+      </dsp:nvSpPr>
+      <dsp:spPr>
+        <a:xfrm>
+          <a:off x="1173370" y="2078070"/>
+          <a:ext cx="558603" cy="2562070"/>
+        </a:xfrm>
+        <a:prstGeom prst="roundRect">
+          <a:avLst>
+            <a:gd name="adj" fmla="val 10000"/>
+          </a:avLst>
+        </a:prstGeom>
+        <a:solidFill>
+          <a:schemeClr val="accent2"/>
+        </a:solidFill>
+        <a:ln>
+          <a:noFill/>
+        </a:ln>
+        <a:effectLst/>
+        <a:scene3d>
+          <a:camera prst="orthographicFront"/>
+          <a:lightRig rig="chilly" dir="t"/>
+        </a:scene3d>
+        <a:sp3d prstMaterial="translucentPowder">
+          <a:bevelT w="127000" h="25400" prst="softRound"/>
+        </a:sp3d>
+      </dsp:spPr>
+      <dsp:style>
+        <a:lnRef idx="0">
+          <a:scrgbClr r="0" g="0" b="0"/>
+        </a:lnRef>
+        <a:fillRef idx="1">
+          <a:scrgbClr r="0" g="0" b="0"/>
+        </a:fillRef>
+        <a:effectRef idx="0">
+          <a:scrgbClr r="0" g="0" b="0"/>
+        </a:effectRef>
+        <a:fontRef idx="minor">
+          <a:schemeClr val="lt1"/>
+        </a:fontRef>
+      </dsp:style>
+      <dsp:txBody>
+        <a:bodyPr spcFirstLastPara="0" vert="vert270" wrap="square" lIns="64770" tIns="64770" rIns="64770" bIns="64770" numCol="1" spcCol="1270" anchor="ctr" anchorCtr="0">
+          <a:noAutofit/>
+        </a:bodyPr>
+        <a:lstStyle/>
+        <a:p>
+          <a:pPr lvl="0" algn="ctr" defTabSz="755650">
+            <a:lnSpc>
+              <a:spcPct val="90000"/>
+            </a:lnSpc>
+            <a:spcBef>
+              <a:spcPct val="0"/>
+            </a:spcBef>
+            <a:spcAft>
+              <a:spcPct val="35000"/>
+            </a:spcAft>
+          </a:pPr>
+          <a:r>
+            <a:rPr lang="en-US" sz="1700" b="1" kern="1200" dirty="0" err="1" smtClean="0"/>
+            <a:t>AccessController</a:t>
+          </a:r>
+          <a:endParaRPr lang="en-US" sz="1700" b="1" kern="1200" dirty="0"/>
+        </a:p>
+      </dsp:txBody>
+      <dsp:txXfrm>
+        <a:off x="1173370" y="2078070"/>
+        <a:ext cx="558603" cy="2562070"/>
+      </dsp:txXfrm>
+    </dsp:sp>
+    <dsp:sp modelId="{DA047933-D13A-4FC2-82C0-447337779992}">
+      <dsp:nvSpPr>
+        <dsp:cNvPr id="0" name=""/>
+        <dsp:cNvSpPr/>
+      </dsp:nvSpPr>
+      <dsp:spPr>
+        <a:xfrm>
+          <a:off x="1755435" y="2078070"/>
+          <a:ext cx="558603" cy="2562070"/>
+        </a:xfrm>
+        <a:prstGeom prst="roundRect">
+          <a:avLst>
+            <a:gd name="adj" fmla="val 10000"/>
+          </a:avLst>
+        </a:prstGeom>
+        <a:solidFill>
+          <a:schemeClr val="accent2"/>
+        </a:solidFill>
+        <a:ln>
+          <a:noFill/>
+        </a:ln>
+        <a:effectLst/>
+        <a:scene3d>
+          <a:camera prst="orthographicFront"/>
+          <a:lightRig rig="chilly" dir="t"/>
+        </a:scene3d>
+        <a:sp3d prstMaterial="translucentPowder">
+          <a:bevelT w="127000" h="25400" prst="softRound"/>
+        </a:sp3d>
+      </dsp:spPr>
+      <dsp:style>
+        <a:lnRef idx="0">
+          <a:scrgbClr r="0" g="0" b="0"/>
+        </a:lnRef>
+        <a:fillRef idx="1">
+          <a:scrgbClr r="0" g="0" b="0"/>
+        </a:fillRef>
+        <a:effectRef idx="0">
+          <a:scrgbClr r="0" g="0" b="0"/>
+        </a:effectRef>
+        <a:fontRef idx="minor">
+          <a:schemeClr val="lt1"/>
+        </a:fontRef>
+      </dsp:style>
+      <dsp:txBody>
+        <a:bodyPr spcFirstLastPara="0" vert="vert270" wrap="square" lIns="64770" tIns="64770" rIns="64770" bIns="64770" numCol="1" spcCol="1270" anchor="ctr" anchorCtr="0">
+          <a:noAutofit/>
+        </a:bodyPr>
+        <a:lstStyle/>
+        <a:p>
+          <a:pPr lvl="0" algn="ctr" defTabSz="755650">
+            <a:lnSpc>
+              <a:spcPct val="90000"/>
+            </a:lnSpc>
+            <a:spcBef>
+              <a:spcPct val="0"/>
+            </a:spcBef>
+            <a:spcAft>
+              <a:spcPct val="35000"/>
+            </a:spcAft>
+          </a:pPr>
+          <a:r>
+            <a:rPr lang="en-US" sz="1700" b="1" kern="1200" dirty="0" err="1" smtClean="0"/>
+            <a:t>AccessReferenceMap</a:t>
+          </a:r>
+          <a:endParaRPr lang="en-US" sz="1700" b="1" kern="1200" dirty="0"/>
+        </a:p>
+      </dsp:txBody>
+      <dsp:txXfrm>
+        <a:off x="1755435" y="2078070"/>
+        <a:ext cx="558603" cy="2562070"/>
+      </dsp:txXfrm>
+    </dsp:sp>
+    <dsp:sp modelId="{EAEDB256-52C4-4E72-98E0-BF8BEF9CBF16}">
+      <dsp:nvSpPr>
+        <dsp:cNvPr id="0" name=""/>
+        <dsp:cNvSpPr/>
+      </dsp:nvSpPr>
+      <dsp:spPr>
+        <a:xfrm>
+          <a:off x="2337500" y="2078070"/>
+          <a:ext cx="558603" cy="2562070"/>
+        </a:xfrm>
+        <a:prstGeom prst="roundRect">
+          <a:avLst>
+            <a:gd name="adj" fmla="val 10000"/>
+          </a:avLst>
+        </a:prstGeom>
+        <a:solidFill>
+          <a:schemeClr val="accent2"/>
+        </a:solidFill>
+        <a:ln>
+          <a:noFill/>
+        </a:ln>
+        <a:effectLst/>
+        <a:scene3d>
+          <a:camera prst="orthographicFront"/>
+          <a:lightRig rig="chilly" dir="t"/>
+        </a:scene3d>
+        <a:sp3d prstMaterial="translucentPowder">
+          <a:bevelT w="127000" h="25400" prst="softRound"/>
+        </a:sp3d>
+      </dsp:spPr>
+      <dsp:style>
+        <a:lnRef idx="0">
+          <a:scrgbClr r="0" g="0" b="0"/>
+        </a:lnRef>
+        <a:fillRef idx="1">
+          <a:scrgbClr r="0" g="0" b="0"/>
+        </a:fillRef>
+        <a:effectRef idx="0">
+          <a:scrgbClr r="0" g="0" b="0"/>
+        </a:effectRef>
+        <a:fontRef idx="minor">
+          <a:schemeClr val="lt1"/>
+        </a:fontRef>
+      </dsp:style>
+      <dsp:txBody>
+        <a:bodyPr spcFirstLastPara="0" vert="vert270" wrap="square" lIns="64770" tIns="64770" rIns="64770" bIns="64770" numCol="1" spcCol="1270" anchor="ctr" anchorCtr="0">
+          <a:noAutofit/>
+        </a:bodyPr>
+        <a:lstStyle/>
+        <a:p>
+          <a:pPr lvl="0" algn="ctr" defTabSz="755650">
+            <a:lnSpc>
+              <a:spcPct val="90000"/>
+            </a:lnSpc>
+            <a:spcBef>
+              <a:spcPct val="0"/>
+            </a:spcBef>
+            <a:spcAft>
+              <a:spcPct val="35000"/>
+            </a:spcAft>
+          </a:pPr>
+          <a:r>
+            <a:rPr lang="en-US" sz="1700" b="1" kern="1200" dirty="0" err="1" smtClean="0"/>
+            <a:t>Validator</a:t>
+          </a:r>
+          <a:endParaRPr lang="en-US" sz="1700" b="1" kern="1200" dirty="0"/>
+        </a:p>
+      </dsp:txBody>
+      <dsp:txXfrm>
+        <a:off x="2337500" y="2078070"/>
+        <a:ext cx="558603" cy="2562070"/>
+      </dsp:txXfrm>
+    </dsp:sp>
+    <dsp:sp modelId="{897B20DD-66A0-4F0F-A77B-FBF79348313E}">
+      <dsp:nvSpPr>
+        <dsp:cNvPr id="0" name=""/>
+        <dsp:cNvSpPr/>
+      </dsp:nvSpPr>
+      <dsp:spPr>
+        <a:xfrm>
+          <a:off x="2919566" y="2078070"/>
+          <a:ext cx="558603" cy="2562070"/>
+        </a:xfrm>
+        <a:prstGeom prst="roundRect">
+          <a:avLst>
+            <a:gd name="adj" fmla="val 10000"/>
+          </a:avLst>
+        </a:prstGeom>
+        <a:solidFill>
+          <a:schemeClr val="accent2"/>
+        </a:solidFill>
+        <a:ln>
+          <a:noFill/>
+        </a:ln>
+        <a:effectLst/>
+        <a:scene3d>
+          <a:camera prst="orthographicFront"/>
+          <a:lightRig rig="chilly" dir="t"/>
+        </a:scene3d>
+        <a:sp3d prstMaterial="translucentPowder">
+          <a:bevelT w="127000" h="25400" prst="softRound"/>
+        </a:sp3d>
+      </dsp:spPr>
+      <dsp:style>
+        <a:lnRef idx="0">
+          <a:scrgbClr r="0" g="0" b="0"/>
+        </a:lnRef>
+        <a:fillRef idx="1">
+          <a:scrgbClr r="0" g="0" b="0"/>
+        </a:fillRef>
+        <a:effectRef idx="0">
+          <a:scrgbClr r="0" g="0" b="0"/>
+        </a:effectRef>
+        <a:fontRef idx="minor">
+          <a:schemeClr val="lt1"/>
+        </a:fontRef>
+      </dsp:style>
+      <dsp:txBody>
+        <a:bodyPr spcFirstLastPara="0" vert="vert270" wrap="square" lIns="64770" tIns="64770" rIns="64770" bIns="64770" numCol="1" spcCol="1270" anchor="ctr" anchorCtr="0">
+          <a:noAutofit/>
+        </a:bodyPr>
+        <a:lstStyle/>
+        <a:p>
+          <a:pPr lvl="0" algn="ctr" defTabSz="755650">
+            <a:lnSpc>
+              <a:spcPct val="90000"/>
+            </a:lnSpc>
+            <a:spcBef>
+              <a:spcPct val="0"/>
+            </a:spcBef>
+            <a:spcAft>
+              <a:spcPct val="35000"/>
+            </a:spcAft>
+          </a:pPr>
+          <a:r>
+            <a:rPr lang="en-US" sz="1700" b="1" kern="1200" dirty="0" smtClean="0"/>
+            <a:t>Encoder</a:t>
+          </a:r>
+          <a:endParaRPr lang="en-US" sz="1700" b="1" kern="1200" dirty="0"/>
+        </a:p>
+      </dsp:txBody>
+      <dsp:txXfrm>
+        <a:off x="2919566" y="2078070"/>
+        <a:ext cx="558603" cy="2562070"/>
+      </dsp:txXfrm>
+    </dsp:sp>
+    <dsp:sp modelId="{C5167C67-47E1-40A4-BEBE-FE2E97251587}">
+      <dsp:nvSpPr>
+        <dsp:cNvPr id="0" name=""/>
+        <dsp:cNvSpPr/>
+      </dsp:nvSpPr>
+      <dsp:spPr>
+        <a:xfrm>
+          <a:off x="3501631" y="2078070"/>
+          <a:ext cx="558603" cy="2562070"/>
+        </a:xfrm>
+        <a:prstGeom prst="roundRect">
+          <a:avLst>
+            <a:gd name="adj" fmla="val 10000"/>
+          </a:avLst>
+        </a:prstGeom>
+        <a:solidFill>
+          <a:schemeClr val="accent2"/>
+        </a:solidFill>
+        <a:ln>
+          <a:noFill/>
+        </a:ln>
+        <a:effectLst/>
+        <a:scene3d>
+          <a:camera prst="orthographicFront"/>
+          <a:lightRig rig="chilly" dir="t"/>
+        </a:scene3d>
+        <a:sp3d prstMaterial="translucentPowder">
+          <a:bevelT w="127000" h="25400" prst="softRound"/>
+        </a:sp3d>
+      </dsp:spPr>
+      <dsp:style>
+        <a:lnRef idx="0">
+          <a:scrgbClr r="0" g="0" b="0"/>
+        </a:lnRef>
+        <a:fillRef idx="1">
+          <a:scrgbClr r="0" g="0" b="0"/>
+        </a:fillRef>
+        <a:effectRef idx="0">
+          <a:scrgbClr r="0" g="0" b="0"/>
+        </a:effectRef>
+        <a:fontRef idx="minor">
+          <a:schemeClr val="lt1"/>
+        </a:fontRef>
+      </dsp:style>
+      <dsp:txBody>
+        <a:bodyPr spcFirstLastPara="0" vert="vert270" wrap="square" lIns="64770" tIns="64770" rIns="64770" bIns="64770" numCol="1" spcCol="1270" anchor="ctr" anchorCtr="0">
+          <a:noAutofit/>
+        </a:bodyPr>
+        <a:lstStyle/>
+        <a:p>
+          <a:pPr lvl="0" algn="ctr" defTabSz="755650">
+            <a:lnSpc>
+              <a:spcPct val="90000"/>
+            </a:lnSpc>
+            <a:spcBef>
+              <a:spcPct val="0"/>
+            </a:spcBef>
+            <a:spcAft>
+              <a:spcPct val="35000"/>
+            </a:spcAft>
+          </a:pPr>
+          <a:r>
+            <a:rPr lang="en-US" sz="1700" b="1" kern="1200" dirty="0" err="1" smtClean="0"/>
+            <a:t>HTTPUtilities</a:t>
+          </a:r>
+          <a:endParaRPr lang="en-US" sz="1700" b="1" kern="1200" dirty="0"/>
+        </a:p>
+      </dsp:txBody>
+      <dsp:txXfrm>
+        <a:off x="3501631" y="2078070"/>
+        <a:ext cx="558603" cy="2562070"/>
+      </dsp:txXfrm>
+    </dsp:sp>
+    <dsp:sp modelId="{B16DC942-FBD3-493D-8BB5-1546DB4F6A46}">
+      <dsp:nvSpPr>
+        <dsp:cNvPr id="0" name=""/>
+        <dsp:cNvSpPr/>
+      </dsp:nvSpPr>
+      <dsp:spPr>
+        <a:xfrm>
+          <a:off x="4083696" y="2078070"/>
+          <a:ext cx="558603" cy="2562070"/>
+        </a:xfrm>
+        <a:prstGeom prst="roundRect">
+          <a:avLst>
+            <a:gd name="adj" fmla="val 10000"/>
+          </a:avLst>
+        </a:prstGeom>
+        <a:solidFill>
+          <a:schemeClr val="accent2"/>
+        </a:solidFill>
+        <a:ln>
+          <a:noFill/>
+        </a:ln>
+        <a:effectLst/>
+        <a:scene3d>
+          <a:camera prst="orthographicFront"/>
+          <a:lightRig rig="chilly" dir="t"/>
+        </a:scene3d>
+        <a:sp3d prstMaterial="translucentPowder">
+          <a:bevelT w="127000" h="25400" prst="softRound"/>
+        </a:sp3d>
+      </dsp:spPr>
+      <dsp:style>
+        <a:lnRef idx="0">
+          <a:scrgbClr r="0" g="0" b="0"/>
+        </a:lnRef>
+        <a:fillRef idx="1">
+          <a:scrgbClr r="0" g="0" b="0"/>
+        </a:fillRef>
+        <a:effectRef idx="0">
+          <a:scrgbClr r="0" g="0" b="0"/>
+        </a:effectRef>
+        <a:fontRef idx="minor">
+          <a:schemeClr val="lt1"/>
+        </a:fontRef>
+      </dsp:style>
+      <dsp:txBody>
+        <a:bodyPr spcFirstLastPara="0" vert="vert270" wrap="square" lIns="64770" tIns="64770" rIns="64770" bIns="64770" numCol="1" spcCol="1270" anchor="ctr" anchorCtr="0">
+          <a:noAutofit/>
+        </a:bodyPr>
+        <a:lstStyle/>
+        <a:p>
+          <a:pPr lvl="0" algn="ctr" defTabSz="755650">
+            <a:lnSpc>
+              <a:spcPct val="90000"/>
+            </a:lnSpc>
+            <a:spcBef>
+              <a:spcPct val="0"/>
+            </a:spcBef>
+            <a:spcAft>
+              <a:spcPct val="35000"/>
+            </a:spcAft>
+          </a:pPr>
+          <a:r>
+            <a:rPr lang="en-US" sz="1700" b="1" kern="1200" dirty="0" err="1" smtClean="0"/>
+            <a:t>Encryptor</a:t>
+          </a:r>
+          <a:endParaRPr lang="en-US" sz="1700" b="1" kern="1200" dirty="0"/>
+        </a:p>
+      </dsp:txBody>
+      <dsp:txXfrm>
+        <a:off x="4083696" y="2078070"/>
+        <a:ext cx="558603" cy="2562070"/>
+      </dsp:txXfrm>
+    </dsp:sp>
+    <dsp:sp modelId="{1E59F0C6-1250-4508-985F-398145FC6B04}">
+      <dsp:nvSpPr>
+        <dsp:cNvPr id="0" name=""/>
+        <dsp:cNvSpPr/>
+      </dsp:nvSpPr>
+      <dsp:spPr>
+        <a:xfrm>
+          <a:off x="4665761" y="2078070"/>
+          <a:ext cx="558603" cy="2562070"/>
+        </a:xfrm>
+        <a:prstGeom prst="roundRect">
+          <a:avLst>
+            <a:gd name="adj" fmla="val 10000"/>
+          </a:avLst>
+        </a:prstGeom>
+        <a:solidFill>
+          <a:schemeClr val="accent2"/>
+        </a:solidFill>
+        <a:ln>
+          <a:noFill/>
+        </a:ln>
+        <a:effectLst/>
+        <a:scene3d>
+          <a:camera prst="orthographicFront"/>
+          <a:lightRig rig="chilly" dir="t"/>
+        </a:scene3d>
+        <a:sp3d prstMaterial="translucentPowder">
+          <a:bevelT w="127000" h="25400" prst="softRound"/>
+        </a:sp3d>
+      </dsp:spPr>
+      <dsp:style>
+        <a:lnRef idx="0">
+          <a:scrgbClr r="0" g="0" b="0"/>
+        </a:lnRef>
+        <a:fillRef idx="1">
+          <a:scrgbClr r="0" g="0" b="0"/>
+        </a:fillRef>
+        <a:effectRef idx="0">
+          <a:scrgbClr r="0" g="0" b="0"/>
+        </a:effectRef>
+        <a:fontRef idx="minor">
+          <a:schemeClr val="lt1"/>
+        </a:fontRef>
+      </dsp:style>
+      <dsp:txBody>
+        <a:bodyPr spcFirstLastPara="0" vert="vert270" wrap="square" lIns="64770" tIns="64770" rIns="64770" bIns="64770" numCol="1" spcCol="1270" anchor="ctr" anchorCtr="0">
+          <a:noAutofit/>
+        </a:bodyPr>
+        <a:lstStyle/>
+        <a:p>
+          <a:pPr lvl="0" algn="ctr" defTabSz="755650">
+            <a:lnSpc>
+              <a:spcPct val="90000"/>
+            </a:lnSpc>
+            <a:spcBef>
+              <a:spcPct val="0"/>
+            </a:spcBef>
+            <a:spcAft>
+              <a:spcPct val="35000"/>
+            </a:spcAft>
+          </a:pPr>
+          <a:r>
+            <a:rPr lang="en-US" sz="1700" b="1" kern="1200" dirty="0" err="1" smtClean="0"/>
+            <a:t>EncryptedProperties</a:t>
+          </a:r>
+          <a:endParaRPr lang="en-US" sz="1700" b="1" kern="1200" dirty="0"/>
+        </a:p>
+      </dsp:txBody>
+      <dsp:txXfrm>
+        <a:off x="4665761" y="2078070"/>
+        <a:ext cx="558603" cy="2562070"/>
+      </dsp:txXfrm>
+    </dsp:sp>
+    <dsp:sp modelId="{DF50857C-7BAD-4B02-A4D8-124ED847A302}">
+      <dsp:nvSpPr>
+        <dsp:cNvPr id="0" name=""/>
+        <dsp:cNvSpPr/>
+      </dsp:nvSpPr>
+      <dsp:spPr>
+        <a:xfrm>
+          <a:off x="5247827" y="2078070"/>
+          <a:ext cx="558603" cy="2562070"/>
+        </a:xfrm>
+        <a:prstGeom prst="roundRect">
+          <a:avLst>
+            <a:gd name="adj" fmla="val 10000"/>
+          </a:avLst>
+        </a:prstGeom>
+        <a:solidFill>
+          <a:schemeClr val="accent2"/>
+        </a:solidFill>
+        <a:ln>
+          <a:noFill/>
+        </a:ln>
+        <a:effectLst/>
+        <a:scene3d>
+          <a:camera prst="orthographicFront"/>
+          <a:lightRig rig="chilly" dir="t"/>
+        </a:scene3d>
+        <a:sp3d prstMaterial="translucentPowder">
+          <a:bevelT w="127000" h="25400" prst="softRound"/>
+        </a:sp3d>
+      </dsp:spPr>
+      <dsp:style>
+        <a:lnRef idx="0">
+          <a:scrgbClr r="0" g="0" b="0"/>
+        </a:lnRef>
+        <a:fillRef idx="1">
+          <a:scrgbClr r="0" g="0" b="0"/>
+        </a:fillRef>
+        <a:effectRef idx="0">
+          <a:scrgbClr r="0" g="0" b="0"/>
+        </a:effectRef>
+        <a:fontRef idx="minor">
+          <a:schemeClr val="lt1"/>
+        </a:fontRef>
+      </dsp:style>
+      <dsp:txBody>
+        <a:bodyPr spcFirstLastPara="0" vert="vert270" wrap="square" lIns="64770" tIns="64770" rIns="64770" bIns="64770" numCol="1" spcCol="1270" anchor="ctr" anchorCtr="0">
+          <a:noAutofit/>
+        </a:bodyPr>
+        <a:lstStyle/>
+        <a:p>
+          <a:pPr lvl="0" algn="ctr" defTabSz="755650">
+            <a:lnSpc>
+              <a:spcPct val="90000"/>
+            </a:lnSpc>
+            <a:spcBef>
+              <a:spcPct val="0"/>
+            </a:spcBef>
+            <a:spcAft>
+              <a:spcPct val="35000"/>
+            </a:spcAft>
+          </a:pPr>
+          <a:r>
+            <a:rPr lang="en-US" sz="1700" b="1" kern="1200" dirty="0" smtClean="0"/>
+            <a:t>Randomizer</a:t>
+          </a:r>
+          <a:endParaRPr lang="en-US" sz="1700" b="1" kern="1200" dirty="0"/>
+        </a:p>
+      </dsp:txBody>
+      <dsp:txXfrm>
+        <a:off x="5247827" y="2078070"/>
+        <a:ext cx="558603" cy="2562070"/>
+      </dsp:txXfrm>
+    </dsp:sp>
+    <dsp:sp modelId="{AC7CE723-C373-48E7-9DB5-D9191F379A86}">
+      <dsp:nvSpPr>
+        <dsp:cNvPr id="0" name=""/>
+        <dsp:cNvSpPr/>
+      </dsp:nvSpPr>
+      <dsp:spPr>
+        <a:xfrm>
+          <a:off x="5829892" y="2078070"/>
+          <a:ext cx="558603" cy="2562070"/>
+        </a:xfrm>
+        <a:prstGeom prst="roundRect">
+          <a:avLst>
+            <a:gd name="adj" fmla="val 10000"/>
+          </a:avLst>
+        </a:prstGeom>
+        <a:solidFill>
+          <a:schemeClr val="accent2"/>
+        </a:solidFill>
+        <a:ln>
+          <a:noFill/>
+        </a:ln>
+        <a:effectLst/>
+        <a:scene3d>
+          <a:camera prst="orthographicFront"/>
+          <a:lightRig rig="chilly" dir="t"/>
+        </a:scene3d>
+        <a:sp3d prstMaterial="translucentPowder">
+          <a:bevelT w="127000" h="25400" prst="softRound"/>
+        </a:sp3d>
+      </dsp:spPr>
+      <dsp:style>
+        <a:lnRef idx="0">
+          <a:scrgbClr r="0" g="0" b="0"/>
+        </a:lnRef>
+        <a:fillRef idx="1">
+          <a:scrgbClr r="0" g="0" b="0"/>
+        </a:fillRef>
+        <a:effectRef idx="0">
+          <a:scrgbClr r="0" g="0" b="0"/>
+        </a:effectRef>
+        <a:fontRef idx="minor">
+          <a:schemeClr val="lt1"/>
+        </a:fontRef>
+      </dsp:style>
+      <dsp:txBody>
+        <a:bodyPr spcFirstLastPara="0" vert="vert270" wrap="square" lIns="64770" tIns="64770" rIns="64770" bIns="64770" numCol="1" spcCol="1270" anchor="ctr" anchorCtr="0">
+          <a:noAutofit/>
+        </a:bodyPr>
+        <a:lstStyle/>
+        <a:p>
+          <a:pPr lvl="0" algn="ctr" defTabSz="755650">
+            <a:lnSpc>
+              <a:spcPct val="90000"/>
+            </a:lnSpc>
+            <a:spcBef>
+              <a:spcPct val="0"/>
+            </a:spcBef>
+            <a:spcAft>
+              <a:spcPct val="35000"/>
+            </a:spcAft>
+          </a:pPr>
+          <a:r>
+            <a:rPr lang="en-US" sz="1700" b="1" kern="1200" dirty="0" smtClean="0"/>
+            <a:t>Exception Handling</a:t>
+          </a:r>
+          <a:endParaRPr lang="en-US" sz="1700" b="1" kern="1200" dirty="0"/>
+        </a:p>
+      </dsp:txBody>
+      <dsp:txXfrm>
+        <a:off x="5829892" y="2078070"/>
+        <a:ext cx="558603" cy="2562070"/>
+      </dsp:txXfrm>
+    </dsp:sp>
+    <dsp:sp modelId="{46E4D9A1-3176-43A4-85E6-FC1242530567}">
+      <dsp:nvSpPr>
+        <dsp:cNvPr id="0" name=""/>
+        <dsp:cNvSpPr/>
+      </dsp:nvSpPr>
+      <dsp:spPr>
+        <a:xfrm>
+          <a:off x="6411957" y="2078070"/>
+          <a:ext cx="558603" cy="2562070"/>
+        </a:xfrm>
+        <a:prstGeom prst="roundRect">
+          <a:avLst>
+            <a:gd name="adj" fmla="val 10000"/>
+          </a:avLst>
+        </a:prstGeom>
+        <a:solidFill>
+          <a:schemeClr val="accent2"/>
+        </a:solidFill>
+        <a:ln>
+          <a:noFill/>
+        </a:ln>
+        <a:effectLst/>
+        <a:scene3d>
+          <a:camera prst="orthographicFront"/>
+          <a:lightRig rig="chilly" dir="t"/>
+        </a:scene3d>
+        <a:sp3d prstMaterial="translucentPowder">
+          <a:bevelT w="127000" h="25400" prst="softRound"/>
+        </a:sp3d>
+      </dsp:spPr>
+      <dsp:style>
+        <a:lnRef idx="0">
+          <a:scrgbClr r="0" g="0" b="0"/>
+        </a:lnRef>
+        <a:fillRef idx="1">
+          <a:scrgbClr r="0" g="0" b="0"/>
+        </a:fillRef>
+        <a:effectRef idx="0">
+          <a:scrgbClr r="0" g="0" b="0"/>
+        </a:effectRef>
+        <a:fontRef idx="minor">
+          <a:schemeClr val="lt1"/>
+        </a:fontRef>
+      </dsp:style>
+      <dsp:txBody>
+        <a:bodyPr spcFirstLastPara="0" vert="vert270" wrap="square" lIns="64770" tIns="64770" rIns="64770" bIns="64770" numCol="1" spcCol="1270" anchor="ctr" anchorCtr="0">
+          <a:noAutofit/>
+        </a:bodyPr>
+        <a:lstStyle/>
+        <a:p>
+          <a:pPr lvl="0" algn="ctr" defTabSz="755650">
+            <a:lnSpc>
+              <a:spcPct val="90000"/>
+            </a:lnSpc>
+            <a:spcBef>
+              <a:spcPct val="0"/>
+            </a:spcBef>
+            <a:spcAft>
+              <a:spcPct val="35000"/>
+            </a:spcAft>
+          </a:pPr>
+          <a:r>
+            <a:rPr lang="en-US" sz="1700" b="1" kern="1200" dirty="0" smtClean="0"/>
+            <a:t>Logger</a:t>
+          </a:r>
+          <a:endParaRPr lang="en-US" sz="1700" b="1" kern="1200" dirty="0"/>
+        </a:p>
+      </dsp:txBody>
+      <dsp:txXfrm>
+        <a:off x="6411957" y="2078070"/>
+        <a:ext cx="558603" cy="2562070"/>
+      </dsp:txXfrm>
+    </dsp:sp>
+    <dsp:sp modelId="{641D1ABE-D6AD-4DF0-B338-9F9A3F75D0CE}">
+      <dsp:nvSpPr>
+        <dsp:cNvPr id="0" name=""/>
+        <dsp:cNvSpPr/>
+      </dsp:nvSpPr>
+      <dsp:spPr>
+        <a:xfrm>
+          <a:off x="6994022" y="2078070"/>
+          <a:ext cx="558603" cy="2562070"/>
+        </a:xfrm>
+        <a:prstGeom prst="roundRect">
+          <a:avLst>
+            <a:gd name="adj" fmla="val 10000"/>
+          </a:avLst>
+        </a:prstGeom>
+        <a:solidFill>
+          <a:schemeClr val="accent2"/>
+        </a:solidFill>
+        <a:ln>
+          <a:noFill/>
+        </a:ln>
+        <a:effectLst/>
+        <a:scene3d>
+          <a:camera prst="orthographicFront"/>
+          <a:lightRig rig="chilly" dir="t"/>
+        </a:scene3d>
+        <a:sp3d prstMaterial="translucentPowder">
+          <a:bevelT w="127000" h="25400" prst="softRound"/>
+        </a:sp3d>
+      </dsp:spPr>
+      <dsp:style>
+        <a:lnRef idx="0">
+          <a:scrgbClr r="0" g="0" b="0"/>
+        </a:lnRef>
+        <a:fillRef idx="1">
+          <a:scrgbClr r="0" g="0" b="0"/>
+        </a:fillRef>
+        <a:effectRef idx="0">
+          <a:scrgbClr r="0" g="0" b="0"/>
+        </a:effectRef>
+        <a:fontRef idx="minor">
+          <a:schemeClr val="lt1"/>
+        </a:fontRef>
+      </dsp:style>
+      <dsp:txBody>
+        <a:bodyPr spcFirstLastPara="0" vert="vert270" wrap="square" lIns="64770" tIns="64770" rIns="64770" bIns="64770" numCol="1" spcCol="1270" anchor="ctr" anchorCtr="0">
+          <a:noAutofit/>
+        </a:bodyPr>
+        <a:lstStyle/>
+        <a:p>
+          <a:pPr lvl="0" algn="ctr" defTabSz="755650">
+            <a:lnSpc>
+              <a:spcPct val="90000"/>
+            </a:lnSpc>
+            <a:spcBef>
+              <a:spcPct val="0"/>
+            </a:spcBef>
+            <a:spcAft>
+              <a:spcPct val="35000"/>
+            </a:spcAft>
+          </a:pPr>
+          <a:r>
+            <a:rPr lang="en-US" sz="1700" b="1" kern="1200" dirty="0" err="1" smtClean="0"/>
+            <a:t>IntrusionDetector</a:t>
+          </a:r>
+          <a:endParaRPr lang="en-US" sz="1700" b="1" kern="1200" dirty="0"/>
+        </a:p>
+      </dsp:txBody>
+      <dsp:txXfrm>
+        <a:off x="6994022" y="2078070"/>
+        <a:ext cx="558603" cy="2562070"/>
+      </dsp:txXfrm>
+    </dsp:sp>
+    <dsp:sp modelId="{8A6F70EB-27B4-498A-8E23-E74FEB0DE387}">
+      <dsp:nvSpPr>
+        <dsp:cNvPr id="0" name=""/>
+        <dsp:cNvSpPr/>
+      </dsp:nvSpPr>
+      <dsp:spPr>
+        <a:xfrm>
+          <a:off x="7576088" y="2078070"/>
+          <a:ext cx="558603" cy="2562070"/>
+        </a:xfrm>
+        <a:prstGeom prst="roundRect">
+          <a:avLst>
+            <a:gd name="adj" fmla="val 10000"/>
+          </a:avLst>
+        </a:prstGeom>
+        <a:solidFill>
+          <a:schemeClr val="accent2"/>
+        </a:solidFill>
+        <a:ln>
+          <a:noFill/>
+        </a:ln>
+        <a:effectLst/>
+        <a:scene3d>
+          <a:camera prst="orthographicFront"/>
+          <a:lightRig rig="chilly" dir="t"/>
+        </a:scene3d>
+        <a:sp3d prstMaterial="translucentPowder">
+          <a:bevelT w="127000" h="25400" prst="softRound"/>
+        </a:sp3d>
+      </dsp:spPr>
+      <dsp:style>
+        <a:lnRef idx="0">
+          <a:scrgbClr r="0" g="0" b="0"/>
+        </a:lnRef>
+        <a:fillRef idx="1">
+          <a:scrgbClr r="0" g="0" b="0"/>
+        </a:fillRef>
+        <a:effectRef idx="0">
+          <a:scrgbClr r="0" g="0" b="0"/>
+        </a:effectRef>
+        <a:fontRef idx="minor">
+          <a:schemeClr val="lt1"/>
+        </a:fontRef>
+      </dsp:style>
+      <dsp:txBody>
+        <a:bodyPr spcFirstLastPara="0" vert="vert270" wrap="square" lIns="64770" tIns="64770" rIns="64770" bIns="64770" numCol="1" spcCol="1270" anchor="ctr" anchorCtr="0">
+          <a:noAutofit/>
+        </a:bodyPr>
+        <a:lstStyle/>
+        <a:p>
+          <a:pPr lvl="0" algn="ctr" defTabSz="755650">
+            <a:lnSpc>
+              <a:spcPct val="90000"/>
+            </a:lnSpc>
+            <a:spcBef>
+              <a:spcPct val="0"/>
+            </a:spcBef>
+            <a:spcAft>
+              <a:spcPct val="35000"/>
+            </a:spcAft>
+          </a:pPr>
+          <a:r>
+            <a:rPr lang="en-US" sz="1700" b="1" kern="1200" dirty="0" err="1" smtClean="0"/>
+            <a:t>SecurityConfiguration</a:t>
+          </a:r>
+          <a:endParaRPr lang="en-US" sz="1700" b="1" kern="1200" dirty="0"/>
+        </a:p>
+      </dsp:txBody>
+      <dsp:txXfrm>
+        <a:off x="7576088" y="2078070"/>
+        <a:ext cx="558603" cy="2562070"/>
+      </dsp:txXfrm>
+    </dsp:sp>
+  </dsp:spTree>
+</dsp:drawing>
+</file>
+
+<file path=ppt/diagrams/drawing2.xml><?xml version="1.0" encoding="utf-8"?>
+<dsp:drawing xmlns:dgm="http://schemas.openxmlformats.org/drawingml/2006/diagram" xmlns:a="http://schemas.openxmlformats.org/drawingml/2006/main" xmlns:dsp="http://schemas.microsoft.com/office/drawing/2008/diagram">
+  <dsp:spTree>
+    <dsp:nvGrpSpPr>
+      <dsp:cNvPr id="0" name=""/>
+      <dsp:cNvGrpSpPr/>
+    </dsp:nvGrpSpPr>
+    <dsp:grpSpPr/>
+    <dsp:sp modelId="{CDCC3EAC-5810-4835-845F-26248C307455}">
+      <dsp:nvSpPr>
+        <dsp:cNvPr id="0" name=""/>
+        <dsp:cNvSpPr/>
+      </dsp:nvSpPr>
+      <dsp:spPr>
+        <a:xfrm rot="21196613">
+          <a:off x="998452" y="0"/>
+          <a:ext cx="6502400" cy="4064000"/>
+        </a:xfrm>
+        <a:prstGeom prst="swooshArrow">
+          <a:avLst>
+            <a:gd name="adj1" fmla="val 25000"/>
+            <a:gd name="adj2" fmla="val 25000"/>
+          </a:avLst>
+        </a:prstGeom>
+        <a:gradFill rotWithShape="0">
+          <a:gsLst>
+            <a:gs pos="0">
+              <a:schemeClr val="accent6">
+                <a:tint val="40000"/>
+                <a:hueOff val="0"/>
+                <a:satOff val="0"/>
+                <a:lumOff val="0"/>
+                <a:alphaOff val="0"/>
+                <a:shade val="51000"/>
+                <a:satMod val="130000"/>
+              </a:schemeClr>
+            </a:gs>
+            <a:gs pos="80000">
+              <a:schemeClr val="accent6">
+                <a:tint val="40000"/>
+                <a:hueOff val="0"/>
+                <a:satOff val="0"/>
+                <a:lumOff val="0"/>
+                <a:alphaOff val="0"/>
+                <a:shade val="93000"/>
+                <a:satMod val="130000"/>
+              </a:schemeClr>
+            </a:gs>
+            <a:gs pos="100000">
+              <a:schemeClr val="accent6">
+                <a:tint val="40000"/>
+                <a:hueOff val="0"/>
+                <a:satOff val="0"/>
+                <a:lumOff val="0"/>
+                <a:alphaOff val="0"/>
+                <a:shade val="94000"/>
+                <a:satMod val="135000"/>
+              </a:schemeClr>
+            </a:gs>
+          </a:gsLst>
+          <a:lin ang="16200000" scaled="0"/>
+        </a:gradFill>
+        <a:ln>
+          <a:noFill/>
+        </a:ln>
+        <a:effectLst/>
+        <a:scene3d>
+          <a:camera prst="orthographicFront"/>
+          <a:lightRig rig="threePt" dir="t">
+            <a:rot lat="0" lon="0" rev="7500000"/>
+          </a:lightRig>
+        </a:scene3d>
+        <a:sp3d z="-152400" extrusionH="63500" prstMaterial="matte">
+          <a:bevelT w="144450" h="6350" prst="relaxedInset"/>
+          <a:contourClr>
+            <a:schemeClr val="bg1"/>
+          </a:contourClr>
+        </a:sp3d>
+      </dsp:spPr>
+      <dsp:style>
+        <a:lnRef idx="0">
+          <a:scrgbClr r="0" g="0" b="0"/>
+        </a:lnRef>
+        <a:fillRef idx="3">
+          <a:scrgbClr r="0" g="0" b="0"/>
+        </a:fillRef>
+        <a:effectRef idx="0">
+          <a:scrgbClr r="0" g="0" b="0"/>
+        </a:effectRef>
+        <a:fontRef idx="minor"/>
+      </dsp:style>
+    </dsp:sp>
+    <dsp:sp modelId="{7DBDFDE2-D200-482E-934D-DF26B20C192E}">
+      <dsp:nvSpPr>
+        <dsp:cNvPr id="0" name=""/>
+        <dsp:cNvSpPr/>
+      </dsp:nvSpPr>
+      <dsp:spPr>
+        <a:xfrm>
+          <a:off x="1915277" y="3103569"/>
+          <a:ext cx="149555" cy="149555"/>
+        </a:xfrm>
+        <a:prstGeom prst="ellipse">
+          <a:avLst/>
+        </a:prstGeom>
+        <a:gradFill rotWithShape="0">
+          <a:gsLst>
+            <a:gs pos="0">
+              <a:schemeClr val="accent6">
+                <a:alpha val="90000"/>
+                <a:hueOff val="0"/>
+                <a:satOff val="0"/>
+                <a:lumOff val="0"/>
+                <a:alphaOff val="0"/>
+                <a:shade val="51000"/>
+                <a:satMod val="130000"/>
+              </a:schemeClr>
+            </a:gs>
+            <a:gs pos="80000">
+              <a:schemeClr val="accent6">
+                <a:alpha val="90000"/>
+                <a:hueOff val="0"/>
+                <a:satOff val="0"/>
+                <a:lumOff val="0"/>
+                <a:alphaOff val="0"/>
+                <a:shade val="93000"/>
+                <a:satMod val="130000"/>
+              </a:schemeClr>
+            </a:gs>
+            <a:gs pos="100000">
+              <a:schemeClr val="accent6">
+                <a:alpha val="90000"/>
+                <a:hueOff val="0"/>
+                <a:satOff val="0"/>
+                <a:lumOff val="0"/>
+                <a:alphaOff val="0"/>
+                <a:shade val="94000"/>
+                <a:satMod val="135000"/>
+              </a:schemeClr>
+            </a:gs>
+          </a:gsLst>
+          <a:lin ang="16200000" scaled="0"/>
+        </a:gradFill>
+        <a:ln>
+          <a:noFill/>
+        </a:ln>
+        <a:effectLst>
+          <a:outerShdw blurRad="40000" dist="23000" dir="5400000" rotWithShape="0">
+            <a:srgbClr val="000000">
+              <a:alpha val="35000"/>
+            </a:srgbClr>
+          </a:outerShdw>
+        </a:effectLst>
+        <a:scene3d>
+          <a:camera prst="orthographicFront"/>
+          <a:lightRig rig="threePt" dir="t">
+            <a:rot lat="0" lon="0" rev="7500000"/>
+          </a:lightRig>
+        </a:scene3d>
+        <a:sp3d prstMaterial="plastic">
+          <a:bevelT w="127000" h="25400" prst="relaxedInset"/>
+        </a:sp3d>
+      </dsp:spPr>
+      <dsp:style>
+        <a:lnRef idx="0">
+          <a:scrgbClr r="0" g="0" b="0"/>
+        </a:lnRef>
+        <a:fillRef idx="3">
+          <a:scrgbClr r="0" g="0" b="0"/>
+        </a:fillRef>
+        <a:effectRef idx="2">
+          <a:scrgbClr r="0" g="0" b="0"/>
+        </a:effectRef>
+        <a:fontRef idx="minor">
+          <a:schemeClr val="lt1"/>
+        </a:fontRef>
+      </dsp:style>
+    </dsp:sp>
+    <dsp:sp modelId="{BDB37CF2-D0CF-4809-83F0-AC22008A5009}">
+      <dsp:nvSpPr>
+        <dsp:cNvPr id="0" name=""/>
+        <dsp:cNvSpPr/>
+      </dsp:nvSpPr>
+      <dsp:spPr>
+        <a:xfrm>
+          <a:off x="2071699" y="3078642"/>
+          <a:ext cx="2934210" cy="667873"/>
+        </a:xfrm>
+        <a:prstGeom prst="rect">
+          <a:avLst/>
+        </a:prstGeom>
+        <a:noFill/>
+        <a:ln>
+          <a:noFill/>
+        </a:ln>
+        <a:effectLst/>
+      </dsp:spPr>
+      <dsp:style>
+        <a:lnRef idx="0">
+          <a:scrgbClr r="0" g="0" b="0"/>
+        </a:lnRef>
+        <a:fillRef idx="0">
+          <a:scrgbClr r="0" g="0" b="0"/>
+        </a:fillRef>
+        <a:effectRef idx="0">
+          <a:scrgbClr r="0" g="0" b="0"/>
+        </a:effectRef>
+        <a:fontRef idx="minor"/>
+      </dsp:style>
+      <dsp:txBody>
+        <a:bodyPr spcFirstLastPara="0" vert="horz" wrap="square" lIns="79246" tIns="0" rIns="0" bIns="0" numCol="1" spcCol="1270" anchor="t" anchorCtr="0">
+          <a:noAutofit/>
+        </a:bodyPr>
+        <a:lstStyle/>
+        <a:p>
+          <a:pPr lvl="0" algn="l" defTabSz="711200" rtl="0">
+            <a:lnSpc>
+              <a:spcPct val="90000"/>
+            </a:lnSpc>
+            <a:spcBef>
+              <a:spcPct val="0"/>
+            </a:spcBef>
+            <a:spcAft>
+              <a:spcPct val="35000"/>
+            </a:spcAft>
+          </a:pPr>
+          <a:r>
+            <a:rPr lang="en-US" sz="1600" kern="1200" dirty="0" smtClean="0"/>
+            <a:t>6/06 – Sketch Informal API</a:t>
+          </a:r>
+          <a:endParaRPr lang="en-US" sz="1600" kern="1200" dirty="0"/>
+        </a:p>
+      </dsp:txBody>
+      <dsp:txXfrm>
+        <a:off x="2071699" y="3078642"/>
+        <a:ext cx="2934210" cy="667873"/>
+      </dsp:txXfrm>
+    </dsp:sp>
+    <dsp:sp modelId="{EBDE92F4-61F0-4BA6-8F21-F8249F808A48}">
+      <dsp:nvSpPr>
+        <dsp:cNvPr id="0" name=""/>
+        <dsp:cNvSpPr/>
+      </dsp:nvSpPr>
+      <dsp:spPr>
+        <a:xfrm>
+          <a:off x="2629658" y="2317753"/>
+          <a:ext cx="234086" cy="234086"/>
+        </a:xfrm>
+        <a:prstGeom prst="ellipse">
+          <a:avLst/>
+        </a:prstGeom>
+        <a:gradFill rotWithShape="0">
+          <a:gsLst>
+            <a:gs pos="0">
+              <a:schemeClr val="accent6">
+                <a:alpha val="90000"/>
+                <a:hueOff val="0"/>
+                <a:satOff val="0"/>
+                <a:lumOff val="0"/>
+                <a:alphaOff val="-10000"/>
+                <a:shade val="51000"/>
+                <a:satMod val="130000"/>
+              </a:schemeClr>
+            </a:gs>
+            <a:gs pos="80000">
+              <a:schemeClr val="accent6">
+                <a:alpha val="90000"/>
+                <a:hueOff val="0"/>
+                <a:satOff val="0"/>
+                <a:lumOff val="0"/>
+                <a:alphaOff val="-10000"/>
+                <a:shade val="93000"/>
+                <a:satMod val="130000"/>
+              </a:schemeClr>
+            </a:gs>
+            <a:gs pos="100000">
+              <a:schemeClr val="accent6">
+                <a:alpha val="90000"/>
+                <a:hueOff val="0"/>
+                <a:satOff val="0"/>
+                <a:lumOff val="0"/>
+                <a:alphaOff val="-10000"/>
+                <a:shade val="94000"/>
+                <a:satMod val="135000"/>
+              </a:schemeClr>
+            </a:gs>
+          </a:gsLst>
+          <a:lin ang="16200000" scaled="0"/>
+        </a:gradFill>
+        <a:ln>
+          <a:noFill/>
+        </a:ln>
+        <a:effectLst>
+          <a:outerShdw blurRad="40000" dist="23000" dir="5400000" rotWithShape="0">
+            <a:srgbClr val="000000">
+              <a:alpha val="35000"/>
+            </a:srgbClr>
+          </a:outerShdw>
+        </a:effectLst>
+        <a:scene3d>
+          <a:camera prst="orthographicFront"/>
+          <a:lightRig rig="threePt" dir="t">
+            <a:rot lat="0" lon="0" rev="7500000"/>
+          </a:lightRig>
+        </a:scene3d>
+        <a:sp3d prstMaterial="plastic">
+          <a:bevelT w="127000" h="25400" prst="relaxedInset"/>
+        </a:sp3d>
+      </dsp:spPr>
+      <dsp:style>
+        <a:lnRef idx="0">
+          <a:scrgbClr r="0" g="0" b="0"/>
+        </a:lnRef>
+        <a:fillRef idx="3">
+          <a:scrgbClr r="0" g="0" b="0"/>
+        </a:fillRef>
+        <a:effectRef idx="2">
+          <a:scrgbClr r="0" g="0" b="0"/>
+        </a:effectRef>
+        <a:fontRef idx="minor">
+          <a:schemeClr val="lt1"/>
+        </a:fontRef>
+      </dsp:style>
+    </dsp:sp>
+    <dsp:sp modelId="{EAB2B9DB-D7DF-49D9-8DA4-8586192A3B71}">
+      <dsp:nvSpPr>
+        <dsp:cNvPr id="0" name=""/>
+        <dsp:cNvSpPr/>
+      </dsp:nvSpPr>
+      <dsp:spPr>
+        <a:xfrm>
+          <a:off x="2789684" y="2346054"/>
+          <a:ext cx="4621023" cy="353453"/>
+        </a:xfrm>
+        <a:prstGeom prst="rect">
+          <a:avLst/>
+        </a:prstGeom>
+        <a:noFill/>
+        <a:ln>
+          <a:noFill/>
+        </a:ln>
+        <a:effectLst/>
+      </dsp:spPr>
+      <dsp:style>
+        <a:lnRef idx="0">
+          <a:scrgbClr r="0" g="0" b="0"/>
+        </a:lnRef>
+        <a:fillRef idx="0">
+          <a:scrgbClr r="0" g="0" b="0"/>
+        </a:fillRef>
+        <a:effectRef idx="0">
+          <a:scrgbClr r="0" g="0" b="0"/>
+        </a:effectRef>
+        <a:fontRef idx="minor"/>
+      </dsp:style>
+      <dsp:txBody>
+        <a:bodyPr spcFirstLastPara="0" vert="horz" wrap="square" lIns="124038" tIns="0" rIns="0" bIns="0" numCol="1" spcCol="1270" anchor="t" anchorCtr="0">
+          <a:noAutofit/>
+        </a:bodyPr>
+        <a:lstStyle/>
+        <a:p>
+          <a:pPr lvl="0" algn="l" defTabSz="711200" rtl="0">
+            <a:lnSpc>
+              <a:spcPct val="90000"/>
+            </a:lnSpc>
+            <a:spcBef>
+              <a:spcPct val="0"/>
+            </a:spcBef>
+            <a:spcAft>
+              <a:spcPct val="35000"/>
+            </a:spcAft>
+          </a:pPr>
+          <a:r>
+            <a:rPr lang="en-US" sz="1600" kern="1200" dirty="0" smtClean="0"/>
+            <a:t>4/07 - Formalize </a:t>
+          </a:r>
+          <a:r>
+            <a:rPr lang="en-US" sz="1600" kern="1200" dirty="0" err="1" smtClean="0"/>
+            <a:t>Strawman</a:t>
+          </a:r>
+          <a:r>
+            <a:rPr lang="en-US" sz="1600" kern="1200" dirty="0" smtClean="0"/>
+            <a:t> API</a:t>
+          </a:r>
+          <a:endParaRPr lang="en-US" sz="1600" kern="1200" dirty="0"/>
+        </a:p>
+      </dsp:txBody>
+      <dsp:txXfrm>
+        <a:off x="2789684" y="2346054"/>
+        <a:ext cx="4621023" cy="353453"/>
+      </dsp:txXfrm>
+    </dsp:sp>
+    <dsp:sp modelId="{8B9E4042-1ADC-4973-9436-7D49E96AF592}">
+      <dsp:nvSpPr>
+        <dsp:cNvPr id="0" name=""/>
+        <dsp:cNvSpPr/>
+      </dsp:nvSpPr>
+      <dsp:spPr>
+        <a:xfrm>
+          <a:off x="3474099" y="1674811"/>
+          <a:ext cx="312115" cy="312115"/>
+        </a:xfrm>
+        <a:prstGeom prst="ellipse">
+          <a:avLst/>
+        </a:prstGeom>
+        <a:gradFill rotWithShape="0">
+          <a:gsLst>
+            <a:gs pos="0">
+              <a:schemeClr val="accent6">
+                <a:alpha val="90000"/>
+                <a:hueOff val="0"/>
+                <a:satOff val="0"/>
+                <a:lumOff val="0"/>
+                <a:alphaOff val="-20000"/>
+                <a:shade val="51000"/>
+                <a:satMod val="130000"/>
+              </a:schemeClr>
+            </a:gs>
+            <a:gs pos="80000">
+              <a:schemeClr val="accent6">
+                <a:alpha val="90000"/>
+                <a:hueOff val="0"/>
+                <a:satOff val="0"/>
+                <a:lumOff val="0"/>
+                <a:alphaOff val="-20000"/>
+                <a:shade val="93000"/>
+                <a:satMod val="130000"/>
+              </a:schemeClr>
+            </a:gs>
+            <a:gs pos="100000">
+              <a:schemeClr val="accent6">
+                <a:alpha val="90000"/>
+                <a:hueOff val="0"/>
+                <a:satOff val="0"/>
+                <a:lumOff val="0"/>
+                <a:alphaOff val="-20000"/>
+                <a:shade val="94000"/>
+                <a:satMod val="135000"/>
+              </a:schemeClr>
+            </a:gs>
+          </a:gsLst>
+          <a:lin ang="16200000" scaled="0"/>
+        </a:gradFill>
+        <a:ln>
+          <a:noFill/>
+        </a:ln>
+        <a:effectLst>
+          <a:outerShdw blurRad="40000" dist="23000" dir="5400000" rotWithShape="0">
+            <a:srgbClr val="000000">
+              <a:alpha val="35000"/>
+            </a:srgbClr>
+          </a:outerShdw>
+        </a:effectLst>
+        <a:scene3d>
+          <a:camera prst="orthographicFront"/>
+          <a:lightRig rig="threePt" dir="t">
+            <a:rot lat="0" lon="0" rev="7500000"/>
+          </a:lightRig>
+        </a:scene3d>
+        <a:sp3d prstMaterial="plastic">
+          <a:bevelT w="127000" h="25400" prst="relaxedInset"/>
+        </a:sp3d>
+      </dsp:spPr>
+      <dsp:style>
+        <a:lnRef idx="0">
+          <a:scrgbClr r="0" g="0" b="0"/>
+        </a:lnRef>
+        <a:fillRef idx="3">
+          <a:scrgbClr r="0" g="0" b="0"/>
+        </a:fillRef>
+        <a:effectRef idx="2">
+          <a:scrgbClr r="0" g="0" b="0"/>
+        </a:effectRef>
+        <a:fontRef idx="minor">
+          <a:schemeClr val="lt1"/>
+        </a:fontRef>
+      </dsp:style>
+    </dsp:sp>
+    <dsp:sp modelId="{36C95398-61B4-44F1-80B8-B7EABA0F6D36}">
+      <dsp:nvSpPr>
+        <dsp:cNvPr id="0" name=""/>
+        <dsp:cNvSpPr/>
+      </dsp:nvSpPr>
+      <dsp:spPr>
+        <a:xfrm>
+          <a:off x="3673121" y="1761097"/>
+          <a:ext cx="4598549" cy="689895"/>
+        </a:xfrm>
+        <a:prstGeom prst="rect">
+          <a:avLst/>
+        </a:prstGeom>
+        <a:noFill/>
+        <a:ln>
+          <a:noFill/>
+        </a:ln>
+        <a:effectLst/>
+      </dsp:spPr>
+      <dsp:style>
+        <a:lnRef idx="0">
+          <a:scrgbClr r="0" g="0" b="0"/>
+        </a:lnRef>
+        <a:fillRef idx="0">
+          <a:scrgbClr r="0" g="0" b="0"/>
+        </a:fillRef>
+        <a:effectRef idx="0">
+          <a:scrgbClr r="0" g="0" b="0"/>
+        </a:effectRef>
+        <a:fontRef idx="minor"/>
+      </dsp:style>
+      <dsp:txBody>
+        <a:bodyPr spcFirstLastPara="0" vert="horz" wrap="square" lIns="165383" tIns="0" rIns="0" bIns="0" numCol="1" spcCol="1270" anchor="t" anchorCtr="0">
+          <a:noAutofit/>
+        </a:bodyPr>
+        <a:lstStyle/>
+        <a:p>
+          <a:pPr lvl="0" algn="l" defTabSz="711200" rtl="0">
+            <a:lnSpc>
+              <a:spcPct val="90000"/>
+            </a:lnSpc>
+            <a:spcBef>
+              <a:spcPct val="0"/>
+            </a:spcBef>
+            <a:spcAft>
+              <a:spcPct val="35000"/>
+            </a:spcAft>
+          </a:pPr>
+          <a:r>
+            <a:rPr lang="en-US" sz="1600" kern="1200" dirty="0" smtClean="0"/>
+            <a:t>5/07 – Start Java EE Reference Implementation</a:t>
+          </a:r>
+          <a:endParaRPr lang="en-US" sz="1600" kern="1200" dirty="0"/>
+        </a:p>
+      </dsp:txBody>
+      <dsp:txXfrm>
+        <a:off x="3673121" y="1761097"/>
+        <a:ext cx="4598549" cy="689895"/>
+      </dsp:txXfrm>
+    </dsp:sp>
+    <dsp:sp modelId="{8FB8A130-0C01-4E51-95FC-6BE6E6ECAF47}">
+      <dsp:nvSpPr>
+        <dsp:cNvPr id="0" name=""/>
+        <dsp:cNvSpPr/>
+      </dsp:nvSpPr>
+      <dsp:spPr>
+        <a:xfrm>
+          <a:off x="4629923" y="1031868"/>
+          <a:ext cx="403148" cy="403148"/>
+        </a:xfrm>
+        <a:prstGeom prst="ellipse">
+          <a:avLst/>
+        </a:prstGeom>
+        <a:gradFill rotWithShape="0">
+          <a:gsLst>
+            <a:gs pos="0">
+              <a:schemeClr val="accent6">
+                <a:alpha val="90000"/>
+                <a:hueOff val="0"/>
+                <a:satOff val="0"/>
+                <a:lumOff val="0"/>
+                <a:alphaOff val="-30000"/>
+                <a:shade val="51000"/>
+                <a:satMod val="130000"/>
+              </a:schemeClr>
+            </a:gs>
+            <a:gs pos="80000">
+              <a:schemeClr val="accent6">
+                <a:alpha val="90000"/>
+                <a:hueOff val="0"/>
+                <a:satOff val="0"/>
+                <a:lumOff val="0"/>
+                <a:alphaOff val="-30000"/>
+                <a:shade val="93000"/>
+                <a:satMod val="130000"/>
+              </a:schemeClr>
+            </a:gs>
+            <a:gs pos="100000">
+              <a:schemeClr val="accent6">
+                <a:alpha val="90000"/>
+                <a:hueOff val="0"/>
+                <a:satOff val="0"/>
+                <a:lumOff val="0"/>
+                <a:alphaOff val="-30000"/>
+                <a:shade val="94000"/>
+                <a:satMod val="135000"/>
+              </a:schemeClr>
+            </a:gs>
+          </a:gsLst>
+          <a:lin ang="16200000" scaled="0"/>
+        </a:gradFill>
+        <a:ln>
+          <a:noFill/>
+        </a:ln>
+        <a:effectLst>
+          <a:outerShdw blurRad="40000" dist="23000" dir="5400000" rotWithShape="0">
+            <a:srgbClr val="000000">
+              <a:alpha val="35000"/>
+            </a:srgbClr>
+          </a:outerShdw>
+        </a:effectLst>
+        <a:scene3d>
+          <a:camera prst="orthographicFront"/>
+          <a:lightRig rig="threePt" dir="t">
+            <a:rot lat="0" lon="0" rev="7500000"/>
+          </a:lightRig>
+        </a:scene3d>
+        <a:sp3d prstMaterial="plastic">
+          <a:bevelT w="127000" h="25400" prst="relaxedInset"/>
+        </a:sp3d>
+      </dsp:spPr>
+      <dsp:style>
+        <a:lnRef idx="0">
+          <a:scrgbClr r="0" g="0" b="0"/>
+        </a:lnRef>
+        <a:fillRef idx="3">
+          <a:scrgbClr r="0" g="0" b="0"/>
+        </a:fillRef>
+        <a:effectRef idx="2">
+          <a:scrgbClr r="0" g="0" b="0"/>
+        </a:effectRef>
+        <a:fontRef idx="minor">
+          <a:schemeClr val="lt1"/>
+        </a:fontRef>
+      </dsp:style>
+    </dsp:sp>
+    <dsp:sp modelId="{D266151C-76DB-4132-955A-38F95608F42A}">
+      <dsp:nvSpPr>
+        <dsp:cNvPr id="0" name=""/>
+        <dsp:cNvSpPr/>
+      </dsp:nvSpPr>
+      <dsp:spPr>
+        <a:xfrm>
+          <a:off x="4857789" y="1174044"/>
+          <a:ext cx="3406256" cy="700161"/>
+        </a:xfrm>
+        <a:prstGeom prst="rect">
+          <a:avLst/>
+        </a:prstGeom>
+        <a:noFill/>
+        <a:ln>
+          <a:noFill/>
+        </a:ln>
+        <a:effectLst/>
+      </dsp:spPr>
+      <dsp:style>
+        <a:lnRef idx="0">
+          <a:scrgbClr r="0" g="0" b="0"/>
+        </a:lnRef>
+        <a:fillRef idx="0">
+          <a:scrgbClr r="0" g="0" b="0"/>
+        </a:fillRef>
+        <a:effectRef idx="0">
+          <a:scrgbClr r="0" g="0" b="0"/>
+        </a:effectRef>
+        <a:fontRef idx="minor"/>
+      </dsp:style>
+      <dsp:txBody>
+        <a:bodyPr spcFirstLastPara="0" vert="horz" wrap="square" lIns="213620" tIns="0" rIns="0" bIns="0" numCol="1" spcCol="1270" anchor="t" anchorCtr="0">
+          <a:noAutofit/>
+        </a:bodyPr>
+        <a:lstStyle/>
+        <a:p>
+          <a:pPr lvl="0" algn="l" defTabSz="711200" rtl="0">
+            <a:lnSpc>
+              <a:spcPct val="90000"/>
+            </a:lnSpc>
+            <a:spcBef>
+              <a:spcPct val="0"/>
+            </a:spcBef>
+            <a:spcAft>
+              <a:spcPct val="35000"/>
+            </a:spcAft>
+          </a:pPr>
+          <a:r>
+            <a:rPr lang="en-US" sz="1600" kern="1200" dirty="0" smtClean="0"/>
+            <a:t>7/07 - Form Expert Panel</a:t>
+          </a:r>
+          <a:endParaRPr lang="en-US" sz="1600" kern="1200" dirty="0"/>
+        </a:p>
+      </dsp:txBody>
+      <dsp:txXfrm>
+        <a:off x="4857789" y="1174044"/>
+        <a:ext cx="3406256" cy="700161"/>
+      </dsp:txXfrm>
+    </dsp:sp>
+    <dsp:sp modelId="{DC9B66A2-8BE1-4BB9-9FB3-7A1A7E163E1B}">
+      <dsp:nvSpPr>
+        <dsp:cNvPr id="0" name=""/>
+        <dsp:cNvSpPr/>
+      </dsp:nvSpPr>
+      <dsp:spPr>
+        <a:xfrm>
+          <a:off x="5844370" y="531801"/>
+          <a:ext cx="513689" cy="513689"/>
+        </a:xfrm>
+        <a:prstGeom prst="ellipse">
+          <a:avLst/>
+        </a:prstGeom>
+        <a:solidFill>
+          <a:srgbClr val="FF0000"/>
+        </a:solidFill>
+        <a:ln>
+          <a:noFill/>
+        </a:ln>
+        <a:effectLst>
+          <a:outerShdw blurRad="40000" dist="23000" dir="5400000" rotWithShape="0">
+            <a:srgbClr val="000000">
+              <a:alpha val="35000"/>
+            </a:srgbClr>
+          </a:outerShdw>
+        </a:effectLst>
+        <a:scene3d>
+          <a:camera prst="orthographicFront"/>
+          <a:lightRig rig="threePt" dir="t">
+            <a:rot lat="0" lon="0" rev="7500000"/>
+          </a:lightRig>
+        </a:scene3d>
+        <a:sp3d prstMaterial="plastic">
+          <a:bevelT w="127000" h="25400" prst="relaxedInset"/>
+        </a:sp3d>
+      </dsp:spPr>
+      <dsp:style>
+        <a:lnRef idx="0">
+          <a:scrgbClr r="0" g="0" b="0"/>
+        </a:lnRef>
+        <a:fillRef idx="3">
+          <a:scrgbClr r="0" g="0" b="0"/>
+        </a:fillRef>
+        <a:effectRef idx="2">
+          <a:scrgbClr r="0" g="0" b="0"/>
+        </a:effectRef>
+        <a:fontRef idx="minor">
+          <a:schemeClr val="lt1"/>
+        </a:fontRef>
+      </dsp:style>
+    </dsp:sp>
+    <dsp:sp modelId="{1712FEE8-004C-4453-A4B1-888EF398F068}">
+      <dsp:nvSpPr>
+        <dsp:cNvPr id="0" name=""/>
+        <dsp:cNvSpPr/>
+      </dsp:nvSpPr>
+      <dsp:spPr>
+        <a:xfrm>
+          <a:off x="6142286" y="720244"/>
+          <a:ext cx="2384547" cy="2603516"/>
+        </a:xfrm>
+        <a:prstGeom prst="rect">
+          <a:avLst/>
+        </a:prstGeom>
+        <a:noFill/>
+        <a:ln>
+          <a:noFill/>
+        </a:ln>
+        <a:effectLst/>
+      </dsp:spPr>
+      <dsp:style>
+        <a:lnRef idx="0">
+          <a:scrgbClr r="0" g="0" b="0"/>
+        </a:lnRef>
+        <a:fillRef idx="0">
+          <a:scrgbClr r="0" g="0" b="0"/>
+        </a:fillRef>
+        <a:effectRef idx="0">
+          <a:scrgbClr r="0" g="0" b="0"/>
+        </a:effectRef>
+        <a:fontRef idx="minor"/>
+      </dsp:style>
+      <dsp:txBody>
+        <a:bodyPr spcFirstLastPara="0" vert="horz" wrap="square" lIns="272193" tIns="0" rIns="0" bIns="0" numCol="1" spcCol="1270" anchor="t" anchorCtr="0">
+          <a:noAutofit/>
+        </a:bodyPr>
+        <a:lstStyle/>
+        <a:p>
+          <a:pPr lvl="0" algn="l" defTabSz="711200" rtl="0">
+            <a:lnSpc>
+              <a:spcPct val="90000"/>
+            </a:lnSpc>
+            <a:spcBef>
+              <a:spcPct val="0"/>
+            </a:spcBef>
+            <a:spcAft>
+              <a:spcPct val="35000"/>
+            </a:spcAft>
+          </a:pPr>
+          <a:r>
+            <a:rPr lang="en-US" sz="1600" kern="1200" dirty="0" smtClean="0"/>
+            <a:t>7/09 – ESAPI 2.0 rc1</a:t>
+          </a:r>
+          <a:endParaRPr lang="en-US" sz="1600" kern="1200" dirty="0"/>
+        </a:p>
+      </dsp:txBody>
+      <dsp:txXfrm>
+        <a:off x="6142286" y="720244"/>
+        <a:ext cx="2384547" cy="2603516"/>
+      </dsp:txXfrm>
+    </dsp:sp>
+  </dsp:spTree>
+</dsp:drawing>
+</file>
+
+<file path=ppt/diagrams/drawing3.xml><?xml version="1.0" encoding="utf-8"?>
+<dsp:drawing xmlns:dgm="http://schemas.openxmlformats.org/drawingml/2006/diagram" xmlns:a="http://schemas.openxmlformats.org/drawingml/2006/main" xmlns:dsp="http://schemas.microsoft.com/office/drawing/2008/diagram">
+  <dsp:spTree>
+    <dsp:nvGrpSpPr>
+      <dsp:cNvPr id="0" name=""/>
+      <dsp:cNvGrpSpPr/>
+    </dsp:nvGrpSpPr>
+    <dsp:grpSpPr/>
+    <dsp:sp modelId="{189665C0-EEDD-459E-8D4A-8E338650848B}">
+      <dsp:nvSpPr>
+        <dsp:cNvPr id="0" name=""/>
+        <dsp:cNvSpPr/>
+      </dsp:nvSpPr>
+      <dsp:spPr>
+        <a:xfrm>
+          <a:off x="656813" y="1645"/>
+          <a:ext cx="3824168" cy="670933"/>
+        </a:xfrm>
+        <a:prstGeom prst="roundRect">
+          <a:avLst>
+            <a:gd name="adj" fmla="val 10000"/>
+          </a:avLst>
+        </a:prstGeom>
+        <a:gradFill rotWithShape="1">
+          <a:gsLst>
+            <a:gs pos="0">
+              <a:schemeClr val="accent6">
+                <a:tint val="50000"/>
+                <a:satMod val="300000"/>
+              </a:schemeClr>
+            </a:gs>
+            <a:gs pos="35000">
+              <a:schemeClr val="accent6">
+                <a:tint val="37000"/>
+                <a:satMod val="300000"/>
+              </a:schemeClr>
+            </a:gs>
+            <a:gs pos="100000">
+              <a:schemeClr val="accent6">
+                <a:tint val="15000"/>
+                <a:satMod val="350000"/>
+              </a:schemeClr>
+            </a:gs>
+          </a:gsLst>
+          <a:lin ang="16200000" scaled="1"/>
+        </a:gradFill>
+        <a:ln w="9525" cap="flat" cmpd="sng" algn="ctr">
+          <a:noFill/>
+          <a:prstDash val="solid"/>
+        </a:ln>
+        <a:effectLst/>
+        <a:scene3d>
+          <a:camera prst="orthographicFront">
+            <a:rot lat="0" lon="0" rev="0"/>
+          </a:camera>
+          <a:lightRig rig="contrasting" dir="t">
+            <a:rot lat="0" lon="0" rev="7800000"/>
+          </a:lightRig>
+        </a:scene3d>
+        <a:sp3d>
+          <a:bevelT w="139700" h="139700"/>
+        </a:sp3d>
+      </dsp:spPr>
+      <dsp:style>
+        <a:lnRef idx="1">
+          <a:schemeClr val="accent6"/>
+        </a:lnRef>
+        <a:fillRef idx="2">
+          <a:schemeClr val="accent6"/>
+        </a:fillRef>
+        <a:effectRef idx="1">
+          <a:schemeClr val="accent6"/>
+        </a:effectRef>
+        <a:fontRef idx="minor">
+          <a:schemeClr val="dk1"/>
+        </a:fontRef>
+      </dsp:style>
+      <dsp:txBody>
+        <a:bodyPr spcFirstLastPara="0" vert="horz" wrap="square" lIns="30480" tIns="30480" rIns="30480" bIns="30480" numCol="1" spcCol="1270" anchor="ctr" anchorCtr="0">
+          <a:noAutofit/>
+        </a:bodyPr>
+        <a:lstStyle/>
+        <a:p>
+          <a:pPr lvl="0" algn="ctr" defTabSz="1066800" rtl="0">
+            <a:lnSpc>
+              <a:spcPct val="90000"/>
+            </a:lnSpc>
+            <a:spcBef>
+              <a:spcPct val="0"/>
+            </a:spcBef>
+            <a:spcAft>
+              <a:spcPct val="35000"/>
+            </a:spcAft>
+          </a:pPr>
+          <a:r>
+            <a:rPr lang="en-US" sz="2400" b="1" kern="1200" dirty="0" smtClean="0"/>
+            <a:t>OWASP Top Ten</a:t>
+          </a:r>
+          <a:endParaRPr lang="en-US" sz="2400" b="1" kern="1200" dirty="0"/>
+        </a:p>
+      </dsp:txBody>
+      <dsp:txXfrm>
+        <a:off x="656813" y="1645"/>
+        <a:ext cx="3824168" cy="670933"/>
+      </dsp:txXfrm>
+    </dsp:sp>
+    <dsp:sp modelId="{2B631270-A20E-48C9-8196-9D41D4D19ACE}">
+      <dsp:nvSpPr>
+        <dsp:cNvPr id="0" name=""/>
+        <dsp:cNvSpPr/>
+      </dsp:nvSpPr>
+      <dsp:spPr>
+        <a:xfrm rot="5400000">
+          <a:off x="2485244" y="701022"/>
+          <a:ext cx="167306" cy="56885"/>
+        </a:xfrm>
+        <a:prstGeom prst="rightArrow">
+          <a:avLst>
+            <a:gd name="adj1" fmla="val 66700"/>
+            <a:gd name="adj2" fmla="val 50000"/>
+          </a:avLst>
+        </a:prstGeom>
+        <a:gradFill rotWithShape="0">
+          <a:gsLst>
+            <a:gs pos="0">
+              <a:schemeClr val="accent1">
+                <a:tint val="60000"/>
+                <a:hueOff val="0"/>
+                <a:satOff val="0"/>
+                <a:lumOff val="0"/>
+                <a:alphaOff val="0"/>
+                <a:shade val="51000"/>
+                <a:satMod val="130000"/>
+              </a:schemeClr>
+            </a:gs>
+            <a:gs pos="80000">
+              <a:schemeClr val="accent1">
+                <a:tint val="60000"/>
+                <a:hueOff val="0"/>
+                <a:satOff val="0"/>
+                <a:lumOff val="0"/>
+                <a:alphaOff val="0"/>
+                <a:shade val="93000"/>
+                <a:satMod val="130000"/>
+              </a:schemeClr>
+            </a:gs>
+            <a:gs pos="100000">
+              <a:schemeClr val="accent1">
+                <a:tint val="60000"/>
+                <a:hueOff val="0"/>
+                <a:satOff val="0"/>
+                <a:lumOff val="0"/>
+                <a:alphaOff val="0"/>
+                <a:shade val="94000"/>
+                <a:satMod val="135000"/>
+              </a:schemeClr>
+            </a:gs>
+          </a:gsLst>
+          <a:lin ang="16200000" scaled="0"/>
+        </a:gradFill>
+        <a:ln>
+          <a:noFill/>
+        </a:ln>
+        <a:effectLst>
+          <a:outerShdw blurRad="40000" dist="23000" dir="5400000" rotWithShape="0">
+            <a:srgbClr val="000000">
+              <a:alpha val="35000"/>
+            </a:srgbClr>
+          </a:outerShdw>
+        </a:effectLst>
+        <a:scene3d>
+          <a:camera prst="orthographicFront">
+            <a:rot lat="0" lon="0" rev="0"/>
+          </a:camera>
+          <a:lightRig rig="threePt" dir="t">
+            <a:rot lat="0" lon="0" rev="1200000"/>
+          </a:lightRig>
+        </a:scene3d>
+        <a:sp3d>
+          <a:bevelT w="63500" h="25400"/>
+        </a:sp3d>
+      </dsp:spPr>
+      <dsp:style>
+        <a:lnRef idx="0">
+          <a:scrgbClr r="0" g="0" b="0"/>
+        </a:lnRef>
+        <a:fillRef idx="3">
+          <a:scrgbClr r="0" g="0" b="0"/>
+        </a:fillRef>
+        <a:effectRef idx="3">
+          <a:scrgbClr r="0" g="0" b="0"/>
+        </a:effectRef>
+        <a:fontRef idx="minor">
+          <a:schemeClr val="lt1"/>
+        </a:fontRef>
+      </dsp:style>
+    </dsp:sp>
+    <dsp:sp modelId="{321DC9E4-1828-4EE3-ABDE-6EF207FFA05A}">
+      <dsp:nvSpPr>
+        <dsp:cNvPr id="0" name=""/>
+        <dsp:cNvSpPr/>
+      </dsp:nvSpPr>
+      <dsp:spPr>
+        <a:xfrm>
+          <a:off x="656813" y="786351"/>
+          <a:ext cx="3824168" cy="325061"/>
+        </a:xfrm>
+        <a:prstGeom prst="roundRect">
+          <a:avLst>
+            <a:gd name="adj" fmla="val 10000"/>
+          </a:avLst>
+        </a:prstGeom>
+        <a:solidFill>
+          <a:schemeClr val="accent1">
+            <a:alpha val="90000"/>
+            <a:tint val="40000"/>
+            <a:hueOff val="0"/>
+            <a:satOff val="0"/>
+            <a:lumOff val="0"/>
+            <a:alphaOff val="0"/>
+          </a:schemeClr>
+        </a:solidFill>
+        <a:ln w="9525" cap="flat" cmpd="sng" algn="ctr">
+          <a:solidFill>
+            <a:schemeClr val="accent1">
+              <a:alpha val="90000"/>
+              <a:tint val="40000"/>
+              <a:hueOff val="0"/>
+              <a:satOff val="0"/>
+              <a:lumOff val="0"/>
+              <a:alphaOff val="0"/>
+            </a:schemeClr>
+          </a:solidFill>
+          <a:prstDash val="solid"/>
+        </a:ln>
+        <a:effectLst>
+          <a:outerShdw blurRad="40000" dist="23000" dir="5400000" rotWithShape="0">
+            <a:srgbClr val="000000">
+              <a:alpha val="35000"/>
+            </a:srgbClr>
+          </a:outerShdw>
+        </a:effectLst>
+      </dsp:spPr>
+      <dsp:style>
+        <a:lnRef idx="1">
+          <a:scrgbClr r="0" g="0" b="0"/>
+        </a:lnRef>
+        <a:fillRef idx="1">
+          <a:scrgbClr r="0" g="0" b="0"/>
+        </a:fillRef>
+        <a:effectRef idx="2">
+          <a:scrgbClr r="0" g="0" b="0"/>
+        </a:effectRef>
+        <a:fontRef idx="minor"/>
+      </dsp:style>
+      <dsp:txBody>
+        <a:bodyPr spcFirstLastPara="0" vert="horz" wrap="square" lIns="17780" tIns="17780" rIns="17780" bIns="17780" numCol="1" spcCol="1270" anchor="ctr" anchorCtr="0">
+          <a:noAutofit/>
+        </a:bodyPr>
+        <a:lstStyle/>
+        <a:p>
+          <a:pPr lvl="0" algn="l" defTabSz="622300" rtl="0">
+            <a:lnSpc>
+              <a:spcPct val="90000"/>
+            </a:lnSpc>
+            <a:spcBef>
+              <a:spcPct val="0"/>
+            </a:spcBef>
+            <a:spcAft>
+              <a:spcPct val="35000"/>
+            </a:spcAft>
+          </a:pPr>
+          <a:r>
+            <a:rPr lang="en-US" sz="1400" b="1" i="0" u="none" kern="1200" baseline="0" dirty="0" smtClean="0"/>
+            <a:t>A1. Cross Site Scripting (XSS) </a:t>
+          </a:r>
+          <a:endParaRPr lang="en-US" sz="1400" b="1" kern="1200" dirty="0"/>
+        </a:p>
+      </dsp:txBody>
+      <dsp:txXfrm>
+        <a:off x="656813" y="786351"/>
+        <a:ext cx="3824168" cy="325061"/>
+      </dsp:txXfrm>
+    </dsp:sp>
+    <dsp:sp modelId="{F749CD68-74B8-49A9-81E4-07F3CE1FCE0A}">
+      <dsp:nvSpPr>
+        <dsp:cNvPr id="0" name=""/>
+        <dsp:cNvSpPr/>
+      </dsp:nvSpPr>
+      <dsp:spPr>
+        <a:xfrm rot="5400000">
+          <a:off x="2485244" y="1139855"/>
+          <a:ext cx="167306" cy="56885"/>
+        </a:xfrm>
+        <a:prstGeom prst="rightArrow">
+          <a:avLst>
+            <a:gd name="adj1" fmla="val 66700"/>
+            <a:gd name="adj2" fmla="val 50000"/>
+          </a:avLst>
+        </a:prstGeom>
+        <a:gradFill rotWithShape="0">
+          <a:gsLst>
+            <a:gs pos="0">
+              <a:schemeClr val="accent1">
+                <a:tint val="60000"/>
+                <a:hueOff val="0"/>
+                <a:satOff val="0"/>
+                <a:lumOff val="0"/>
+                <a:alphaOff val="0"/>
+                <a:shade val="51000"/>
+                <a:satMod val="130000"/>
+              </a:schemeClr>
+            </a:gs>
+            <a:gs pos="80000">
+              <a:schemeClr val="accent1">
+                <a:tint val="60000"/>
+                <a:hueOff val="0"/>
+                <a:satOff val="0"/>
+                <a:lumOff val="0"/>
+                <a:alphaOff val="0"/>
+                <a:shade val="93000"/>
+                <a:satMod val="130000"/>
+              </a:schemeClr>
+            </a:gs>
+            <a:gs pos="100000">
+              <a:schemeClr val="accent1">
+                <a:tint val="60000"/>
+                <a:hueOff val="0"/>
+                <a:satOff val="0"/>
+                <a:lumOff val="0"/>
+                <a:alphaOff val="0"/>
+                <a:shade val="94000"/>
+                <a:satMod val="135000"/>
+              </a:schemeClr>
+            </a:gs>
+          </a:gsLst>
+          <a:lin ang="16200000" scaled="0"/>
+        </a:gradFill>
+        <a:ln>
+          <a:noFill/>
+        </a:ln>
+        <a:effectLst>
+          <a:outerShdw blurRad="40000" dist="23000" dir="5400000" rotWithShape="0">
+            <a:srgbClr val="000000">
+              <a:alpha val="35000"/>
+            </a:srgbClr>
+          </a:outerShdw>
+        </a:effectLst>
+        <a:scene3d>
+          <a:camera prst="orthographicFront">
+            <a:rot lat="0" lon="0" rev="0"/>
+          </a:camera>
+          <a:lightRig rig="threePt" dir="t">
+            <a:rot lat="0" lon="0" rev="1200000"/>
+          </a:lightRig>
+        </a:scene3d>
+        <a:sp3d>
+          <a:bevelT w="63500" h="25400"/>
+        </a:sp3d>
+      </dsp:spPr>
+      <dsp:style>
+        <a:lnRef idx="0">
+          <a:scrgbClr r="0" g="0" b="0"/>
+        </a:lnRef>
+        <a:fillRef idx="3">
+          <a:scrgbClr r="0" g="0" b="0"/>
+        </a:fillRef>
+        <a:effectRef idx="3">
+          <a:scrgbClr r="0" g="0" b="0"/>
+        </a:effectRef>
+        <a:fontRef idx="minor">
+          <a:schemeClr val="lt1"/>
+        </a:fontRef>
+      </dsp:style>
+    </dsp:sp>
+    <dsp:sp modelId="{4E44D5A5-63B1-41D5-9FDF-F41902F20B19}">
+      <dsp:nvSpPr>
+        <dsp:cNvPr id="0" name=""/>
+        <dsp:cNvSpPr/>
+      </dsp:nvSpPr>
+      <dsp:spPr>
+        <a:xfrm>
+          <a:off x="656813" y="1225184"/>
+          <a:ext cx="3824168" cy="325061"/>
+        </a:xfrm>
+        <a:prstGeom prst="roundRect">
+          <a:avLst>
+            <a:gd name="adj" fmla="val 10000"/>
+          </a:avLst>
+        </a:prstGeom>
+        <a:solidFill>
+          <a:schemeClr val="accent1">
+            <a:alpha val="90000"/>
+            <a:tint val="40000"/>
+            <a:hueOff val="0"/>
+            <a:satOff val="0"/>
+            <a:lumOff val="0"/>
+            <a:alphaOff val="0"/>
+          </a:schemeClr>
+        </a:solidFill>
+        <a:ln w="9525" cap="flat" cmpd="sng" algn="ctr">
+          <a:solidFill>
+            <a:schemeClr val="accent1">
+              <a:alpha val="90000"/>
+              <a:tint val="40000"/>
+              <a:hueOff val="0"/>
+              <a:satOff val="0"/>
+              <a:lumOff val="0"/>
+              <a:alphaOff val="0"/>
+            </a:schemeClr>
+          </a:solidFill>
+          <a:prstDash val="solid"/>
+        </a:ln>
+        <a:effectLst>
+          <a:outerShdw blurRad="40000" dist="23000" dir="5400000" rotWithShape="0">
+            <a:srgbClr val="000000">
+              <a:alpha val="35000"/>
+            </a:srgbClr>
+          </a:outerShdw>
+        </a:effectLst>
+      </dsp:spPr>
+      <dsp:style>
+        <a:lnRef idx="1">
+          <a:scrgbClr r="0" g="0" b="0"/>
+        </a:lnRef>
+        <a:fillRef idx="1">
+          <a:scrgbClr r="0" g="0" b="0"/>
+        </a:fillRef>
+        <a:effectRef idx="2">
+          <a:scrgbClr r="0" g="0" b="0"/>
+        </a:effectRef>
+        <a:fontRef idx="minor"/>
+      </dsp:style>
+      <dsp:txBody>
+        <a:bodyPr spcFirstLastPara="0" vert="horz" wrap="square" lIns="17780" tIns="17780" rIns="17780" bIns="17780" numCol="1" spcCol="1270" anchor="ctr" anchorCtr="0">
+          <a:noAutofit/>
+        </a:bodyPr>
+        <a:lstStyle/>
+        <a:p>
+          <a:pPr lvl="0" algn="l" defTabSz="622300">
+            <a:lnSpc>
+              <a:spcPct val="90000"/>
+            </a:lnSpc>
+            <a:spcBef>
+              <a:spcPct val="0"/>
+            </a:spcBef>
+            <a:spcAft>
+              <a:spcPct val="35000"/>
+            </a:spcAft>
+          </a:pPr>
+          <a:r>
+            <a:rPr lang="en-US" sz="1400" b="1" i="0" u="none" kern="1200" baseline="0" dirty="0" smtClean="0"/>
+            <a:t>A2. Injection Flaws </a:t>
+          </a:r>
+          <a:endParaRPr lang="en-US" sz="1400" b="1" kern="1200" dirty="0"/>
+        </a:p>
+      </dsp:txBody>
+      <dsp:txXfrm>
+        <a:off x="656813" y="1225184"/>
+        <a:ext cx="3824168" cy="325061"/>
+      </dsp:txXfrm>
+    </dsp:sp>
+    <dsp:sp modelId="{76F52F46-BAC2-4306-9498-EFC0E2E5EF03}">
+      <dsp:nvSpPr>
+        <dsp:cNvPr id="0" name=""/>
+        <dsp:cNvSpPr/>
+      </dsp:nvSpPr>
+      <dsp:spPr>
+        <a:xfrm rot="5400000">
+          <a:off x="2485244" y="1578688"/>
+          <a:ext cx="167306" cy="56885"/>
+        </a:xfrm>
+        <a:prstGeom prst="rightArrow">
+          <a:avLst>
+            <a:gd name="adj1" fmla="val 66700"/>
+            <a:gd name="adj2" fmla="val 50000"/>
+          </a:avLst>
+        </a:prstGeom>
+        <a:gradFill rotWithShape="0">
+          <a:gsLst>
+            <a:gs pos="0">
+              <a:schemeClr val="accent1">
+                <a:tint val="60000"/>
+                <a:hueOff val="0"/>
+                <a:satOff val="0"/>
+                <a:lumOff val="0"/>
+                <a:alphaOff val="0"/>
+                <a:shade val="51000"/>
+                <a:satMod val="130000"/>
+              </a:schemeClr>
+            </a:gs>
+            <a:gs pos="80000">
+              <a:schemeClr val="accent1">
+                <a:tint val="60000"/>
+                <a:hueOff val="0"/>
+                <a:satOff val="0"/>
+                <a:lumOff val="0"/>
+                <a:alphaOff val="0"/>
+                <a:shade val="93000"/>
+                <a:satMod val="130000"/>
+              </a:schemeClr>
+            </a:gs>
+            <a:gs pos="100000">
+              <a:schemeClr val="accent1">
+                <a:tint val="60000"/>
+                <a:hueOff val="0"/>
+                <a:satOff val="0"/>
+                <a:lumOff val="0"/>
+                <a:alphaOff val="0"/>
+                <a:shade val="94000"/>
+                <a:satMod val="135000"/>
+              </a:schemeClr>
+            </a:gs>
+          </a:gsLst>
+          <a:lin ang="16200000" scaled="0"/>
+        </a:gradFill>
+        <a:ln>
+          <a:noFill/>
+        </a:ln>
+        <a:effectLst>
+          <a:outerShdw blurRad="40000" dist="23000" dir="5400000" rotWithShape="0">
+            <a:srgbClr val="000000">
+              <a:alpha val="35000"/>
+            </a:srgbClr>
+          </a:outerShdw>
+        </a:effectLst>
+        <a:scene3d>
+          <a:camera prst="orthographicFront">
+            <a:rot lat="0" lon="0" rev="0"/>
+          </a:camera>
+          <a:lightRig rig="threePt" dir="t">
+            <a:rot lat="0" lon="0" rev="1200000"/>
+          </a:lightRig>
+        </a:scene3d>
+        <a:sp3d>
+          <a:bevelT w="63500" h="25400"/>
+        </a:sp3d>
+      </dsp:spPr>
+      <dsp:style>
+        <a:lnRef idx="0">
+          <a:scrgbClr r="0" g="0" b="0"/>
+        </a:lnRef>
+        <a:fillRef idx="3">
+          <a:scrgbClr r="0" g="0" b="0"/>
+        </a:fillRef>
+        <a:effectRef idx="3">
+          <a:scrgbClr r="0" g="0" b="0"/>
+        </a:effectRef>
+        <a:fontRef idx="minor">
+          <a:schemeClr val="lt1"/>
+        </a:fontRef>
+      </dsp:style>
+    </dsp:sp>
+    <dsp:sp modelId="{623710D2-52C9-4B5D-B717-A4B262FC757F}">
+      <dsp:nvSpPr>
+        <dsp:cNvPr id="0" name=""/>
+        <dsp:cNvSpPr/>
+      </dsp:nvSpPr>
+      <dsp:spPr>
+        <a:xfrm>
+          <a:off x="656813" y="1664017"/>
+          <a:ext cx="3824168" cy="325061"/>
+        </a:xfrm>
+        <a:prstGeom prst="roundRect">
+          <a:avLst>
+            <a:gd name="adj" fmla="val 10000"/>
+          </a:avLst>
+        </a:prstGeom>
+        <a:solidFill>
+          <a:schemeClr val="accent1">
+            <a:alpha val="90000"/>
+            <a:tint val="40000"/>
+            <a:hueOff val="0"/>
+            <a:satOff val="0"/>
+            <a:lumOff val="0"/>
+            <a:alphaOff val="0"/>
+          </a:schemeClr>
+        </a:solidFill>
+        <a:ln w="9525" cap="flat" cmpd="sng" algn="ctr">
+          <a:solidFill>
+            <a:schemeClr val="accent1">
+              <a:alpha val="90000"/>
+              <a:tint val="40000"/>
+              <a:hueOff val="0"/>
+              <a:satOff val="0"/>
+              <a:lumOff val="0"/>
+              <a:alphaOff val="0"/>
+            </a:schemeClr>
+          </a:solidFill>
+          <a:prstDash val="solid"/>
+        </a:ln>
+        <a:effectLst>
+          <a:outerShdw blurRad="40000" dist="23000" dir="5400000" rotWithShape="0">
+            <a:srgbClr val="000000">
+              <a:alpha val="35000"/>
+            </a:srgbClr>
+          </a:outerShdw>
+        </a:effectLst>
+      </dsp:spPr>
+      <dsp:style>
+        <a:lnRef idx="1">
+          <a:scrgbClr r="0" g="0" b="0"/>
+        </a:lnRef>
+        <a:fillRef idx="1">
+          <a:scrgbClr r="0" g="0" b="0"/>
+        </a:fillRef>
+        <a:effectRef idx="2">
+          <a:scrgbClr r="0" g="0" b="0"/>
+        </a:effectRef>
+        <a:fontRef idx="minor"/>
+      </dsp:style>
+      <dsp:txBody>
+        <a:bodyPr spcFirstLastPara="0" vert="horz" wrap="square" lIns="17780" tIns="17780" rIns="17780" bIns="17780" numCol="1" spcCol="1270" anchor="ctr" anchorCtr="0">
+          <a:noAutofit/>
+        </a:bodyPr>
+        <a:lstStyle/>
+        <a:p>
+          <a:pPr lvl="0" algn="l" defTabSz="622300">
+            <a:lnSpc>
+              <a:spcPct val="90000"/>
+            </a:lnSpc>
+            <a:spcBef>
+              <a:spcPct val="0"/>
+            </a:spcBef>
+            <a:spcAft>
+              <a:spcPct val="35000"/>
+            </a:spcAft>
+          </a:pPr>
+          <a:r>
+            <a:rPr lang="en-US" sz="1400" b="1" i="0" u="none" kern="1200" baseline="0" dirty="0" smtClean="0"/>
+            <a:t>A3. Malicious File Execution </a:t>
+          </a:r>
+          <a:endParaRPr lang="en-US" sz="1400" b="1" kern="1200" dirty="0"/>
+        </a:p>
+      </dsp:txBody>
+      <dsp:txXfrm>
+        <a:off x="656813" y="1664017"/>
+        <a:ext cx="3824168" cy="325061"/>
+      </dsp:txXfrm>
+    </dsp:sp>
+    <dsp:sp modelId="{8E5E8A04-D28D-4036-AF63-E37181D6F72F}">
+      <dsp:nvSpPr>
+        <dsp:cNvPr id="0" name=""/>
+        <dsp:cNvSpPr/>
+      </dsp:nvSpPr>
+      <dsp:spPr>
+        <a:xfrm rot="5400000">
+          <a:off x="2485244" y="2017522"/>
+          <a:ext cx="167306" cy="56885"/>
+        </a:xfrm>
+        <a:prstGeom prst="rightArrow">
+          <a:avLst>
+            <a:gd name="adj1" fmla="val 66700"/>
+            <a:gd name="adj2" fmla="val 50000"/>
+          </a:avLst>
+        </a:prstGeom>
+        <a:gradFill rotWithShape="0">
+          <a:gsLst>
+            <a:gs pos="0">
+              <a:schemeClr val="accent1">
+                <a:tint val="60000"/>
+                <a:hueOff val="0"/>
+                <a:satOff val="0"/>
+                <a:lumOff val="0"/>
+                <a:alphaOff val="0"/>
+                <a:shade val="51000"/>
+                <a:satMod val="130000"/>
+              </a:schemeClr>
+            </a:gs>
+            <a:gs pos="80000">
+              <a:schemeClr val="accent1">
+                <a:tint val="60000"/>
+                <a:hueOff val="0"/>
+                <a:satOff val="0"/>
+                <a:lumOff val="0"/>
+                <a:alphaOff val="0"/>
+                <a:shade val="93000"/>
+                <a:satMod val="130000"/>
+              </a:schemeClr>
+            </a:gs>
+            <a:gs pos="100000">
+              <a:schemeClr val="accent1">
+                <a:tint val="60000"/>
+                <a:hueOff val="0"/>
+                <a:satOff val="0"/>
+                <a:lumOff val="0"/>
+                <a:alphaOff val="0"/>
+                <a:shade val="94000"/>
+                <a:satMod val="135000"/>
+              </a:schemeClr>
+            </a:gs>
+          </a:gsLst>
+          <a:lin ang="16200000" scaled="0"/>
+        </a:gradFill>
+        <a:ln>
+          <a:noFill/>
+        </a:ln>
+        <a:effectLst>
+          <a:outerShdw blurRad="40000" dist="23000" dir="5400000" rotWithShape="0">
+            <a:srgbClr val="000000">
+              <a:alpha val="35000"/>
+            </a:srgbClr>
+          </a:outerShdw>
+        </a:effectLst>
+        <a:scene3d>
+          <a:camera prst="orthographicFront">
+            <a:rot lat="0" lon="0" rev="0"/>
+          </a:camera>
+          <a:lightRig rig="threePt" dir="t">
+            <a:rot lat="0" lon="0" rev="1200000"/>
+          </a:lightRig>
+        </a:scene3d>
+        <a:sp3d>
+          <a:bevelT w="63500" h="25400"/>
+        </a:sp3d>
+      </dsp:spPr>
+      <dsp:style>
+        <a:lnRef idx="0">
+          <a:scrgbClr r="0" g="0" b="0"/>
+        </a:lnRef>
+        <a:fillRef idx="3">
+          <a:scrgbClr r="0" g="0" b="0"/>
+        </a:fillRef>
+        <a:effectRef idx="3">
+          <a:scrgbClr r="0" g="0" b="0"/>
+        </a:effectRef>
+        <a:fontRef idx="minor">
+          <a:schemeClr val="lt1"/>
+        </a:fontRef>
+      </dsp:style>
+    </dsp:sp>
+    <dsp:sp modelId="{AF0DE083-F133-40B8-9946-2424AE07A5D2}">
+      <dsp:nvSpPr>
+        <dsp:cNvPr id="0" name=""/>
+        <dsp:cNvSpPr/>
+      </dsp:nvSpPr>
+      <dsp:spPr>
+        <a:xfrm>
+          <a:off x="656813" y="2102850"/>
+          <a:ext cx="3824168" cy="325061"/>
+        </a:xfrm>
+        <a:prstGeom prst="roundRect">
+          <a:avLst>
+            <a:gd name="adj" fmla="val 10000"/>
+          </a:avLst>
+        </a:prstGeom>
+        <a:solidFill>
+          <a:schemeClr val="accent1">
+            <a:alpha val="90000"/>
+            <a:tint val="40000"/>
+            <a:hueOff val="0"/>
+            <a:satOff val="0"/>
+            <a:lumOff val="0"/>
+            <a:alphaOff val="0"/>
+          </a:schemeClr>
+        </a:solidFill>
+        <a:ln w="9525" cap="flat" cmpd="sng" algn="ctr">
+          <a:solidFill>
+            <a:schemeClr val="accent1">
+              <a:alpha val="90000"/>
+              <a:tint val="40000"/>
+              <a:hueOff val="0"/>
+              <a:satOff val="0"/>
+              <a:lumOff val="0"/>
+              <a:alphaOff val="0"/>
+            </a:schemeClr>
+          </a:solidFill>
+          <a:prstDash val="solid"/>
+        </a:ln>
+        <a:effectLst>
+          <a:outerShdw blurRad="40000" dist="23000" dir="5400000" rotWithShape="0">
+            <a:srgbClr val="000000">
+              <a:alpha val="35000"/>
+            </a:srgbClr>
+          </a:outerShdw>
+        </a:effectLst>
+      </dsp:spPr>
+      <dsp:style>
+        <a:lnRef idx="1">
+          <a:scrgbClr r="0" g="0" b="0"/>
+        </a:lnRef>
+        <a:fillRef idx="1">
+          <a:scrgbClr r="0" g="0" b="0"/>
+        </a:fillRef>
+        <a:effectRef idx="2">
+          <a:scrgbClr r="0" g="0" b="0"/>
+        </a:effectRef>
+        <a:fontRef idx="minor"/>
+      </dsp:style>
+      <dsp:txBody>
+        <a:bodyPr spcFirstLastPara="0" vert="horz" wrap="square" lIns="17780" tIns="17780" rIns="17780" bIns="17780" numCol="1" spcCol="1270" anchor="ctr" anchorCtr="0">
+          <a:noAutofit/>
+        </a:bodyPr>
+        <a:lstStyle/>
+        <a:p>
+          <a:pPr lvl="0" algn="l" defTabSz="622300">
+            <a:lnSpc>
+              <a:spcPct val="90000"/>
+            </a:lnSpc>
+            <a:spcBef>
+              <a:spcPct val="0"/>
+            </a:spcBef>
+            <a:spcAft>
+              <a:spcPct val="35000"/>
+            </a:spcAft>
+          </a:pPr>
+          <a:r>
+            <a:rPr lang="en-US" sz="1400" b="1" i="0" u="none" kern="1200" baseline="0" dirty="0" smtClean="0"/>
+            <a:t>A4. Insecure Direct Object Reference </a:t>
+          </a:r>
+          <a:endParaRPr lang="en-US" sz="1400" b="1" kern="1200" dirty="0"/>
+        </a:p>
+      </dsp:txBody>
+      <dsp:txXfrm>
+        <a:off x="656813" y="2102850"/>
+        <a:ext cx="3824168" cy="325061"/>
+      </dsp:txXfrm>
+    </dsp:sp>
+    <dsp:sp modelId="{64097DF6-3CF6-4242-9C53-075F4AAB23F3}">
+      <dsp:nvSpPr>
+        <dsp:cNvPr id="0" name=""/>
+        <dsp:cNvSpPr/>
+      </dsp:nvSpPr>
+      <dsp:spPr>
+        <a:xfrm rot="5400000">
+          <a:off x="2485244" y="2456355"/>
+          <a:ext cx="167306" cy="56885"/>
+        </a:xfrm>
+        <a:prstGeom prst="rightArrow">
+          <a:avLst>
+            <a:gd name="adj1" fmla="val 66700"/>
+            <a:gd name="adj2" fmla="val 50000"/>
+          </a:avLst>
+        </a:prstGeom>
+        <a:gradFill rotWithShape="0">
+          <a:gsLst>
+            <a:gs pos="0">
+              <a:schemeClr val="accent1">
+                <a:tint val="60000"/>
+                <a:hueOff val="0"/>
+                <a:satOff val="0"/>
+                <a:lumOff val="0"/>
+                <a:alphaOff val="0"/>
+                <a:shade val="51000"/>
+                <a:satMod val="130000"/>
+              </a:schemeClr>
+            </a:gs>
+            <a:gs pos="80000">
+              <a:schemeClr val="accent1">
+                <a:tint val="60000"/>
+                <a:hueOff val="0"/>
+                <a:satOff val="0"/>
+                <a:lumOff val="0"/>
+                <a:alphaOff val="0"/>
+                <a:shade val="93000"/>
+                <a:satMod val="130000"/>
+              </a:schemeClr>
+            </a:gs>
+            <a:gs pos="100000">
+              <a:schemeClr val="accent1">
+                <a:tint val="60000"/>
+                <a:hueOff val="0"/>
+                <a:satOff val="0"/>
+                <a:lumOff val="0"/>
+                <a:alphaOff val="0"/>
+                <a:shade val="94000"/>
+                <a:satMod val="135000"/>
+              </a:schemeClr>
+            </a:gs>
+          </a:gsLst>
+          <a:lin ang="16200000" scaled="0"/>
+        </a:gradFill>
+        <a:ln>
+          <a:noFill/>
+        </a:ln>
+        <a:effectLst>
+          <a:outerShdw blurRad="40000" dist="23000" dir="5400000" rotWithShape="0">
+            <a:srgbClr val="000000">
+              <a:alpha val="35000"/>
+            </a:srgbClr>
+          </a:outerShdw>
+        </a:effectLst>
+        <a:scene3d>
+          <a:camera prst="orthographicFront">
+            <a:rot lat="0" lon="0" rev="0"/>
+          </a:camera>
+          <a:lightRig rig="threePt" dir="t">
+            <a:rot lat="0" lon="0" rev="1200000"/>
+          </a:lightRig>
+        </a:scene3d>
+        <a:sp3d>
+          <a:bevelT w="63500" h="25400"/>
+        </a:sp3d>
+      </dsp:spPr>
+      <dsp:style>
+        <a:lnRef idx="0">
+          <a:scrgbClr r="0" g="0" b="0"/>
+        </a:lnRef>
+        <a:fillRef idx="3">
+          <a:scrgbClr r="0" g="0" b="0"/>
+        </a:fillRef>
+        <a:effectRef idx="3">
+          <a:scrgbClr r="0" g="0" b="0"/>
+        </a:effectRef>
+        <a:fontRef idx="minor">
+          <a:schemeClr val="lt1"/>
+        </a:fontRef>
+      </dsp:style>
+    </dsp:sp>
+    <dsp:sp modelId="{C64FB877-5306-40BE-9CA9-5764B3AFBE36}">
+      <dsp:nvSpPr>
+        <dsp:cNvPr id="0" name=""/>
+        <dsp:cNvSpPr/>
+      </dsp:nvSpPr>
+      <dsp:spPr>
+        <a:xfrm>
+          <a:off x="656813" y="2541684"/>
+          <a:ext cx="3824168" cy="325061"/>
+        </a:xfrm>
+        <a:prstGeom prst="roundRect">
+          <a:avLst>
+            <a:gd name="adj" fmla="val 10000"/>
+          </a:avLst>
+        </a:prstGeom>
+        <a:solidFill>
+          <a:schemeClr val="accent1">
+            <a:alpha val="90000"/>
+            <a:tint val="40000"/>
+            <a:hueOff val="0"/>
+            <a:satOff val="0"/>
+            <a:lumOff val="0"/>
+            <a:alphaOff val="0"/>
+          </a:schemeClr>
+        </a:solidFill>
+        <a:ln w="9525" cap="flat" cmpd="sng" algn="ctr">
+          <a:solidFill>
+            <a:schemeClr val="accent1">
+              <a:alpha val="90000"/>
+              <a:tint val="40000"/>
+              <a:hueOff val="0"/>
+              <a:satOff val="0"/>
+              <a:lumOff val="0"/>
+              <a:alphaOff val="0"/>
+            </a:schemeClr>
+          </a:solidFill>
+          <a:prstDash val="solid"/>
+        </a:ln>
+        <a:effectLst>
+          <a:outerShdw blurRad="40000" dist="23000" dir="5400000" rotWithShape="0">
+            <a:srgbClr val="000000">
+              <a:alpha val="35000"/>
+            </a:srgbClr>
+          </a:outerShdw>
+        </a:effectLst>
+      </dsp:spPr>
+      <dsp:style>
+        <a:lnRef idx="1">
+          <a:scrgbClr r="0" g="0" b="0"/>
+        </a:lnRef>
+        <a:fillRef idx="1">
+          <a:scrgbClr r="0" g="0" b="0"/>
+        </a:fillRef>
+        <a:effectRef idx="2">
+          <a:scrgbClr r="0" g="0" b="0"/>
+        </a:effectRef>
+        <a:fontRef idx="minor"/>
+      </dsp:style>
+      <dsp:txBody>
+        <a:bodyPr spcFirstLastPara="0" vert="horz" wrap="square" lIns="17780" tIns="17780" rIns="17780" bIns="17780" numCol="1" spcCol="1270" anchor="ctr" anchorCtr="0">
+          <a:noAutofit/>
+        </a:bodyPr>
+        <a:lstStyle/>
+        <a:p>
+          <a:pPr lvl="0" algn="l" defTabSz="622300">
+            <a:lnSpc>
+              <a:spcPct val="90000"/>
+            </a:lnSpc>
+            <a:spcBef>
+              <a:spcPct val="0"/>
+            </a:spcBef>
+            <a:spcAft>
+              <a:spcPct val="35000"/>
+            </a:spcAft>
+          </a:pPr>
+          <a:r>
+            <a:rPr lang="en-US" sz="1400" b="1" i="0" u="none" kern="1200" baseline="0" dirty="0" smtClean="0"/>
+            <a:t>A5. Cross Site Request Forgery (CSRF)</a:t>
+          </a:r>
+          <a:endParaRPr lang="en-US" sz="1400" b="1" kern="1200" dirty="0"/>
+        </a:p>
+      </dsp:txBody>
+      <dsp:txXfrm>
+        <a:off x="656813" y="2541684"/>
+        <a:ext cx="3824168" cy="325061"/>
+      </dsp:txXfrm>
+    </dsp:sp>
+    <dsp:sp modelId="{056A8768-C0C8-4387-8D87-25CB5E4C3677}">
+      <dsp:nvSpPr>
+        <dsp:cNvPr id="0" name=""/>
+        <dsp:cNvSpPr/>
+      </dsp:nvSpPr>
+      <dsp:spPr>
+        <a:xfrm rot="5400000">
+          <a:off x="2485244" y="2895188"/>
+          <a:ext cx="167306" cy="56885"/>
+        </a:xfrm>
+        <a:prstGeom prst="rightArrow">
+          <a:avLst>
+            <a:gd name="adj1" fmla="val 66700"/>
+            <a:gd name="adj2" fmla="val 50000"/>
+          </a:avLst>
+        </a:prstGeom>
+        <a:gradFill rotWithShape="0">
+          <a:gsLst>
+            <a:gs pos="0">
+              <a:schemeClr val="accent1">
+                <a:tint val="60000"/>
+                <a:hueOff val="0"/>
+                <a:satOff val="0"/>
+                <a:lumOff val="0"/>
+                <a:alphaOff val="0"/>
+                <a:shade val="51000"/>
+                <a:satMod val="130000"/>
+              </a:schemeClr>
+            </a:gs>
+            <a:gs pos="80000">
+              <a:schemeClr val="accent1">
+                <a:tint val="60000"/>
+                <a:hueOff val="0"/>
+                <a:satOff val="0"/>
+                <a:lumOff val="0"/>
+                <a:alphaOff val="0"/>
+                <a:shade val="93000"/>
+                <a:satMod val="130000"/>
+              </a:schemeClr>
+            </a:gs>
+            <a:gs pos="100000">
+              <a:schemeClr val="accent1">
+                <a:tint val="60000"/>
+                <a:hueOff val="0"/>
+                <a:satOff val="0"/>
+                <a:lumOff val="0"/>
+                <a:alphaOff val="0"/>
+                <a:shade val="94000"/>
+                <a:satMod val="135000"/>
+              </a:schemeClr>
+            </a:gs>
+          </a:gsLst>
+          <a:lin ang="16200000" scaled="0"/>
+        </a:gradFill>
+        <a:ln>
+          <a:noFill/>
+        </a:ln>
+        <a:effectLst>
+          <a:outerShdw blurRad="40000" dist="23000" dir="5400000" rotWithShape="0">
+            <a:srgbClr val="000000">
+              <a:alpha val="35000"/>
+            </a:srgbClr>
+          </a:outerShdw>
+        </a:effectLst>
+        <a:scene3d>
+          <a:camera prst="orthographicFront">
+            <a:rot lat="0" lon="0" rev="0"/>
+          </a:camera>
+          <a:lightRig rig="threePt" dir="t">
+            <a:rot lat="0" lon="0" rev="1200000"/>
+          </a:lightRig>
+        </a:scene3d>
+        <a:sp3d>
+          <a:bevelT w="63500" h="25400"/>
+        </a:sp3d>
+      </dsp:spPr>
+      <dsp:style>
+        <a:lnRef idx="0">
+          <a:scrgbClr r="0" g="0" b="0"/>
+        </a:lnRef>
+        <a:fillRef idx="3">
+          <a:scrgbClr r="0" g="0" b="0"/>
+        </a:fillRef>
+        <a:effectRef idx="3">
+          <a:scrgbClr r="0" g="0" b="0"/>
+        </a:effectRef>
+        <a:fontRef idx="minor">
+          <a:schemeClr val="lt1"/>
+        </a:fontRef>
+      </dsp:style>
+    </dsp:sp>
+    <dsp:sp modelId="{7BEB1777-A344-438B-BF3C-16D3BF0B94C8}">
+      <dsp:nvSpPr>
+        <dsp:cNvPr id="0" name=""/>
+        <dsp:cNvSpPr/>
+      </dsp:nvSpPr>
+      <dsp:spPr>
+        <a:xfrm>
+          <a:off x="656813" y="2980517"/>
+          <a:ext cx="3824168" cy="325061"/>
+        </a:xfrm>
+        <a:prstGeom prst="roundRect">
+          <a:avLst>
+            <a:gd name="adj" fmla="val 10000"/>
+          </a:avLst>
+        </a:prstGeom>
+        <a:solidFill>
+          <a:schemeClr val="accent1">
+            <a:alpha val="90000"/>
+            <a:tint val="40000"/>
+            <a:hueOff val="0"/>
+            <a:satOff val="0"/>
+            <a:lumOff val="0"/>
+            <a:alphaOff val="0"/>
+          </a:schemeClr>
+        </a:solidFill>
+        <a:ln w="9525" cap="flat" cmpd="sng" algn="ctr">
+          <a:solidFill>
+            <a:schemeClr val="accent1">
+              <a:alpha val="90000"/>
+              <a:tint val="40000"/>
+              <a:hueOff val="0"/>
+              <a:satOff val="0"/>
+              <a:lumOff val="0"/>
+              <a:alphaOff val="0"/>
+            </a:schemeClr>
+          </a:solidFill>
+          <a:prstDash val="solid"/>
+        </a:ln>
+        <a:effectLst>
+          <a:outerShdw blurRad="40000" dist="23000" dir="5400000" rotWithShape="0">
+            <a:srgbClr val="000000">
+              <a:alpha val="35000"/>
+            </a:srgbClr>
+          </a:outerShdw>
+        </a:effectLst>
+      </dsp:spPr>
+      <dsp:style>
+        <a:lnRef idx="1">
+          <a:scrgbClr r="0" g="0" b="0"/>
+        </a:lnRef>
+        <a:fillRef idx="1">
+          <a:scrgbClr r="0" g="0" b="0"/>
+        </a:fillRef>
+        <a:effectRef idx="2">
+          <a:scrgbClr r="0" g="0" b="0"/>
+        </a:effectRef>
+        <a:fontRef idx="minor"/>
+      </dsp:style>
+      <dsp:txBody>
+        <a:bodyPr spcFirstLastPara="0" vert="horz" wrap="square" lIns="17780" tIns="17780" rIns="17780" bIns="17780" numCol="1" spcCol="1270" anchor="ctr" anchorCtr="0">
+          <a:noAutofit/>
+        </a:bodyPr>
+        <a:lstStyle/>
+        <a:p>
+          <a:pPr lvl="0" algn="l" defTabSz="622300">
+            <a:lnSpc>
+              <a:spcPct val="90000"/>
+            </a:lnSpc>
+            <a:spcBef>
+              <a:spcPct val="0"/>
+            </a:spcBef>
+            <a:spcAft>
+              <a:spcPct val="35000"/>
+            </a:spcAft>
+          </a:pPr>
+          <a:r>
+            <a:rPr lang="en-US" sz="1400" b="1" i="0" u="none" kern="1200" baseline="0" dirty="0" smtClean="0"/>
+            <a:t>A6. Leakage and Improper Error Handling </a:t>
+          </a:r>
+          <a:endParaRPr lang="en-US" sz="1400" b="1" kern="1200" dirty="0"/>
+        </a:p>
+      </dsp:txBody>
+      <dsp:txXfrm>
+        <a:off x="656813" y="2980517"/>
+        <a:ext cx="3824168" cy="325061"/>
+      </dsp:txXfrm>
+    </dsp:sp>
+    <dsp:sp modelId="{79232466-364B-43FE-8E18-AD66380D4267}">
+      <dsp:nvSpPr>
+        <dsp:cNvPr id="0" name=""/>
+        <dsp:cNvSpPr/>
+      </dsp:nvSpPr>
+      <dsp:spPr>
+        <a:xfrm rot="5400000">
+          <a:off x="2485244" y="3334022"/>
+          <a:ext cx="167306" cy="56885"/>
+        </a:xfrm>
+        <a:prstGeom prst="rightArrow">
+          <a:avLst>
+            <a:gd name="adj1" fmla="val 66700"/>
+            <a:gd name="adj2" fmla="val 50000"/>
+          </a:avLst>
+        </a:prstGeom>
+        <a:gradFill rotWithShape="0">
+          <a:gsLst>
+            <a:gs pos="0">
+              <a:schemeClr val="accent1">
+                <a:tint val="60000"/>
+                <a:hueOff val="0"/>
+                <a:satOff val="0"/>
+                <a:lumOff val="0"/>
+                <a:alphaOff val="0"/>
+                <a:shade val="51000"/>
+                <a:satMod val="130000"/>
+              </a:schemeClr>
+            </a:gs>
+            <a:gs pos="80000">
+              <a:schemeClr val="accent1">
+                <a:tint val="60000"/>
+                <a:hueOff val="0"/>
+                <a:satOff val="0"/>
+                <a:lumOff val="0"/>
+                <a:alphaOff val="0"/>
+                <a:shade val="93000"/>
+                <a:satMod val="130000"/>
+              </a:schemeClr>
+            </a:gs>
+            <a:gs pos="100000">
+              <a:schemeClr val="accent1">
+                <a:tint val="60000"/>
+                <a:hueOff val="0"/>
+                <a:satOff val="0"/>
+                <a:lumOff val="0"/>
+                <a:alphaOff val="0"/>
+                <a:shade val="94000"/>
+                <a:satMod val="135000"/>
+              </a:schemeClr>
+            </a:gs>
+          </a:gsLst>
+          <a:lin ang="16200000" scaled="0"/>
+        </a:gradFill>
+        <a:ln>
+          <a:noFill/>
+        </a:ln>
+        <a:effectLst>
+          <a:outerShdw blurRad="40000" dist="23000" dir="5400000" rotWithShape="0">
+            <a:srgbClr val="000000">
+              <a:alpha val="35000"/>
+            </a:srgbClr>
+          </a:outerShdw>
+        </a:effectLst>
+        <a:scene3d>
+          <a:camera prst="orthographicFront">
+            <a:rot lat="0" lon="0" rev="0"/>
+          </a:camera>
+          <a:lightRig rig="threePt" dir="t">
+            <a:rot lat="0" lon="0" rev="1200000"/>
+          </a:lightRig>
+        </a:scene3d>
+        <a:sp3d>
+          <a:bevelT w="63500" h="25400"/>
+        </a:sp3d>
+      </dsp:spPr>
+      <dsp:style>
+        <a:lnRef idx="0">
+          <a:scrgbClr r="0" g="0" b="0"/>
+        </a:lnRef>
+        <a:fillRef idx="3">
+          <a:scrgbClr r="0" g="0" b="0"/>
+        </a:fillRef>
+        <a:effectRef idx="3">
+          <a:scrgbClr r="0" g="0" b="0"/>
+        </a:effectRef>
+        <a:fontRef idx="minor">
+          <a:schemeClr val="lt1"/>
+        </a:fontRef>
+      </dsp:style>
+    </dsp:sp>
+    <dsp:sp modelId="{023BCC6B-9583-44B1-A8C6-CEE801B9A747}">
+      <dsp:nvSpPr>
+        <dsp:cNvPr id="0" name=""/>
+        <dsp:cNvSpPr/>
+      </dsp:nvSpPr>
+      <dsp:spPr>
+        <a:xfrm>
+          <a:off x="656813" y="3419350"/>
+          <a:ext cx="3824168" cy="325061"/>
+        </a:xfrm>
+        <a:prstGeom prst="roundRect">
+          <a:avLst>
+            <a:gd name="adj" fmla="val 10000"/>
+          </a:avLst>
+        </a:prstGeom>
+        <a:solidFill>
+          <a:schemeClr val="accent1">
+            <a:alpha val="90000"/>
+            <a:tint val="40000"/>
+            <a:hueOff val="0"/>
+            <a:satOff val="0"/>
+            <a:lumOff val="0"/>
+            <a:alphaOff val="0"/>
+          </a:schemeClr>
+        </a:solidFill>
+        <a:ln w="9525" cap="flat" cmpd="sng" algn="ctr">
+          <a:solidFill>
+            <a:schemeClr val="accent1">
+              <a:alpha val="90000"/>
+              <a:tint val="40000"/>
+              <a:hueOff val="0"/>
+              <a:satOff val="0"/>
+              <a:lumOff val="0"/>
+              <a:alphaOff val="0"/>
+            </a:schemeClr>
+          </a:solidFill>
+          <a:prstDash val="solid"/>
+        </a:ln>
+        <a:effectLst>
+          <a:outerShdw blurRad="40000" dist="23000" dir="5400000" rotWithShape="0">
+            <a:srgbClr val="000000">
+              <a:alpha val="35000"/>
+            </a:srgbClr>
+          </a:outerShdw>
+        </a:effectLst>
+      </dsp:spPr>
+      <dsp:style>
+        <a:lnRef idx="1">
+          <a:scrgbClr r="0" g="0" b="0"/>
+        </a:lnRef>
+        <a:fillRef idx="1">
+          <a:scrgbClr r="0" g="0" b="0"/>
+        </a:fillRef>
+        <a:effectRef idx="2">
+          <a:scrgbClr r="0" g="0" b="0"/>
+        </a:effectRef>
+        <a:fontRef idx="minor"/>
+      </dsp:style>
+      <dsp:txBody>
+        <a:bodyPr spcFirstLastPara="0" vert="horz" wrap="square" lIns="17780" tIns="17780" rIns="17780" bIns="17780" numCol="1" spcCol="1270" anchor="ctr" anchorCtr="0">
+          <a:noAutofit/>
+        </a:bodyPr>
+        <a:lstStyle/>
+        <a:p>
+          <a:pPr lvl="0" algn="l" defTabSz="622300">
+            <a:lnSpc>
+              <a:spcPct val="90000"/>
+            </a:lnSpc>
+            <a:spcBef>
+              <a:spcPct val="0"/>
+            </a:spcBef>
+            <a:spcAft>
+              <a:spcPct val="35000"/>
+            </a:spcAft>
+          </a:pPr>
+          <a:r>
+            <a:rPr lang="en-US" sz="1400" b="1" i="0" u="none" kern="1200" baseline="0" dirty="0" smtClean="0"/>
+            <a:t>A7. Broken Authentication and Sessions</a:t>
+          </a:r>
+          <a:endParaRPr lang="en-US" sz="1400" b="1" kern="1200" dirty="0"/>
+        </a:p>
+      </dsp:txBody>
+      <dsp:txXfrm>
+        <a:off x="656813" y="3419350"/>
+        <a:ext cx="3824168" cy="325061"/>
+      </dsp:txXfrm>
+    </dsp:sp>
+    <dsp:sp modelId="{2138C29A-0D85-40A5-82F4-9FC397B84FE9}">
+      <dsp:nvSpPr>
+        <dsp:cNvPr id="0" name=""/>
+        <dsp:cNvSpPr/>
+      </dsp:nvSpPr>
+      <dsp:spPr>
+        <a:xfrm rot="5400000">
+          <a:off x="2485244" y="3772855"/>
+          <a:ext cx="167306" cy="56885"/>
+        </a:xfrm>
+        <a:prstGeom prst="rightArrow">
+          <a:avLst>
+            <a:gd name="adj1" fmla="val 66700"/>
+            <a:gd name="adj2" fmla="val 50000"/>
+          </a:avLst>
+        </a:prstGeom>
+        <a:gradFill rotWithShape="0">
+          <a:gsLst>
+            <a:gs pos="0">
+              <a:schemeClr val="accent1">
+                <a:tint val="60000"/>
+                <a:hueOff val="0"/>
+                <a:satOff val="0"/>
+                <a:lumOff val="0"/>
+                <a:alphaOff val="0"/>
+                <a:shade val="51000"/>
+                <a:satMod val="130000"/>
+              </a:schemeClr>
+            </a:gs>
+            <a:gs pos="80000">
+              <a:schemeClr val="accent1">
+                <a:tint val="60000"/>
+                <a:hueOff val="0"/>
+                <a:satOff val="0"/>
+                <a:lumOff val="0"/>
+                <a:alphaOff val="0"/>
+                <a:shade val="93000"/>
+                <a:satMod val="130000"/>
+              </a:schemeClr>
+            </a:gs>
+            <a:gs pos="100000">
+              <a:schemeClr val="accent1">
+                <a:tint val="60000"/>
+                <a:hueOff val="0"/>
+                <a:satOff val="0"/>
+                <a:lumOff val="0"/>
+                <a:alphaOff val="0"/>
+                <a:shade val="94000"/>
+                <a:satMod val="135000"/>
+              </a:schemeClr>
+            </a:gs>
+          </a:gsLst>
+          <a:lin ang="16200000" scaled="0"/>
+        </a:gradFill>
+        <a:ln>
+          <a:noFill/>
+        </a:ln>
+        <a:effectLst>
+          <a:outerShdw blurRad="40000" dist="23000" dir="5400000" rotWithShape="0">
+            <a:srgbClr val="000000">
+              <a:alpha val="35000"/>
+            </a:srgbClr>
+          </a:outerShdw>
+        </a:effectLst>
+        <a:scene3d>
+          <a:camera prst="orthographicFront">
+            <a:rot lat="0" lon="0" rev="0"/>
+          </a:camera>
+          <a:lightRig rig="threePt" dir="t">
+            <a:rot lat="0" lon="0" rev="1200000"/>
+          </a:lightRig>
+        </a:scene3d>
+        <a:sp3d>
+          <a:bevelT w="63500" h="25400"/>
+        </a:sp3d>
+      </dsp:spPr>
+      <dsp:style>
+        <a:lnRef idx="0">
+          <a:scrgbClr r="0" g="0" b="0"/>
+        </a:lnRef>
+        <a:fillRef idx="3">
+          <a:scrgbClr r="0" g="0" b="0"/>
+        </a:fillRef>
+        <a:effectRef idx="3">
+          <a:scrgbClr r="0" g="0" b="0"/>
+        </a:effectRef>
+        <a:fontRef idx="minor">
+          <a:schemeClr val="lt1"/>
+        </a:fontRef>
+      </dsp:style>
+    </dsp:sp>
+    <dsp:sp modelId="{6CC9942D-8CF8-41F8-A27B-72DB207E9C9B}">
+      <dsp:nvSpPr>
+        <dsp:cNvPr id="0" name=""/>
+        <dsp:cNvSpPr/>
+      </dsp:nvSpPr>
+      <dsp:spPr>
+        <a:xfrm>
+          <a:off x="656813" y="3858184"/>
+          <a:ext cx="3824168" cy="325061"/>
+        </a:xfrm>
+        <a:prstGeom prst="roundRect">
+          <a:avLst>
+            <a:gd name="adj" fmla="val 10000"/>
+          </a:avLst>
+        </a:prstGeom>
+        <a:solidFill>
+          <a:schemeClr val="accent1">
+            <a:alpha val="90000"/>
+            <a:tint val="40000"/>
+            <a:hueOff val="0"/>
+            <a:satOff val="0"/>
+            <a:lumOff val="0"/>
+            <a:alphaOff val="0"/>
+          </a:schemeClr>
+        </a:solidFill>
+        <a:ln w="9525" cap="flat" cmpd="sng" algn="ctr">
+          <a:solidFill>
+            <a:schemeClr val="accent1">
+              <a:alpha val="90000"/>
+              <a:tint val="40000"/>
+              <a:hueOff val="0"/>
+              <a:satOff val="0"/>
+              <a:lumOff val="0"/>
+              <a:alphaOff val="0"/>
+            </a:schemeClr>
+          </a:solidFill>
+          <a:prstDash val="solid"/>
+        </a:ln>
+        <a:effectLst>
+          <a:outerShdw blurRad="40000" dist="23000" dir="5400000" rotWithShape="0">
+            <a:srgbClr val="000000">
+              <a:alpha val="35000"/>
+            </a:srgbClr>
+          </a:outerShdw>
+        </a:effectLst>
+      </dsp:spPr>
+      <dsp:style>
+        <a:lnRef idx="1">
+          <a:scrgbClr r="0" g="0" b="0"/>
+        </a:lnRef>
+        <a:fillRef idx="1">
+          <a:scrgbClr r="0" g="0" b="0"/>
+        </a:fillRef>
+        <a:effectRef idx="2">
+          <a:scrgbClr r="0" g="0" b="0"/>
+        </a:effectRef>
+        <a:fontRef idx="minor"/>
+      </dsp:style>
+      <dsp:txBody>
+        <a:bodyPr spcFirstLastPara="0" vert="horz" wrap="square" lIns="17780" tIns="17780" rIns="17780" bIns="17780" numCol="1" spcCol="1270" anchor="ctr" anchorCtr="0">
+          <a:noAutofit/>
+        </a:bodyPr>
+        <a:lstStyle/>
+        <a:p>
+          <a:pPr lvl="0" algn="l" defTabSz="622300" rtl="0">
+            <a:lnSpc>
+              <a:spcPct val="90000"/>
+            </a:lnSpc>
+            <a:spcBef>
+              <a:spcPct val="0"/>
+            </a:spcBef>
+            <a:spcAft>
+              <a:spcPct val="35000"/>
+            </a:spcAft>
+          </a:pPr>
+          <a:r>
+            <a:rPr lang="en-US" sz="1400" b="1" i="0" u="none" kern="1200" baseline="0" dirty="0" smtClean="0"/>
+            <a:t>A8. Insecure Cryptographic Storage </a:t>
+          </a:r>
+          <a:endParaRPr lang="en-US" sz="1400" b="1" i="0" u="none" kern="1200" baseline="0" dirty="0"/>
+        </a:p>
+      </dsp:txBody>
+      <dsp:txXfrm>
+        <a:off x="656813" y="3858184"/>
+        <a:ext cx="3824168" cy="325061"/>
+      </dsp:txXfrm>
+    </dsp:sp>
+    <dsp:sp modelId="{3BEF012E-7C7F-4313-8DD7-20EA4255B2FD}">
+      <dsp:nvSpPr>
+        <dsp:cNvPr id="0" name=""/>
+        <dsp:cNvSpPr/>
+      </dsp:nvSpPr>
+      <dsp:spPr>
+        <a:xfrm rot="5400000">
+          <a:off x="2485244" y="4211688"/>
+          <a:ext cx="167306" cy="56885"/>
+        </a:xfrm>
+        <a:prstGeom prst="rightArrow">
+          <a:avLst>
+            <a:gd name="adj1" fmla="val 66700"/>
+            <a:gd name="adj2" fmla="val 50000"/>
+          </a:avLst>
+        </a:prstGeom>
+        <a:gradFill rotWithShape="0">
+          <a:gsLst>
+            <a:gs pos="0">
+              <a:schemeClr val="accent1">
+                <a:tint val="60000"/>
+                <a:hueOff val="0"/>
+                <a:satOff val="0"/>
+                <a:lumOff val="0"/>
+                <a:alphaOff val="0"/>
+                <a:shade val="51000"/>
+                <a:satMod val="130000"/>
+              </a:schemeClr>
+            </a:gs>
+            <a:gs pos="80000">
+              <a:schemeClr val="accent1">
+                <a:tint val="60000"/>
+                <a:hueOff val="0"/>
+                <a:satOff val="0"/>
+                <a:lumOff val="0"/>
+                <a:alphaOff val="0"/>
+                <a:shade val="93000"/>
+                <a:satMod val="130000"/>
+              </a:schemeClr>
+            </a:gs>
+            <a:gs pos="100000">
+              <a:schemeClr val="accent1">
+                <a:tint val="60000"/>
+                <a:hueOff val="0"/>
+                <a:satOff val="0"/>
+                <a:lumOff val="0"/>
+                <a:alphaOff val="0"/>
+                <a:shade val="94000"/>
+                <a:satMod val="135000"/>
+              </a:schemeClr>
+            </a:gs>
+          </a:gsLst>
+          <a:lin ang="16200000" scaled="0"/>
+        </a:gradFill>
+        <a:ln>
+          <a:noFill/>
+        </a:ln>
+        <a:effectLst>
+          <a:outerShdw blurRad="40000" dist="23000" dir="5400000" rotWithShape="0">
+            <a:srgbClr val="000000">
+              <a:alpha val="35000"/>
+            </a:srgbClr>
+          </a:outerShdw>
+        </a:effectLst>
+        <a:scene3d>
+          <a:camera prst="orthographicFront">
+            <a:rot lat="0" lon="0" rev="0"/>
+          </a:camera>
+          <a:lightRig rig="threePt" dir="t">
+            <a:rot lat="0" lon="0" rev="1200000"/>
+          </a:lightRig>
+        </a:scene3d>
+        <a:sp3d>
+          <a:bevelT w="63500" h="25400"/>
+        </a:sp3d>
+      </dsp:spPr>
+      <dsp:style>
+        <a:lnRef idx="0">
+          <a:scrgbClr r="0" g="0" b="0"/>
+        </a:lnRef>
+        <a:fillRef idx="3">
+          <a:scrgbClr r="0" g="0" b="0"/>
+        </a:fillRef>
+        <a:effectRef idx="3">
+          <a:scrgbClr r="0" g="0" b="0"/>
+        </a:effectRef>
+        <a:fontRef idx="minor">
+          <a:schemeClr val="lt1"/>
+        </a:fontRef>
+      </dsp:style>
+    </dsp:sp>
+    <dsp:sp modelId="{BCA9ED3A-6EA1-4F2C-969F-00240FBE72B9}">
+      <dsp:nvSpPr>
+        <dsp:cNvPr id="0" name=""/>
+        <dsp:cNvSpPr/>
+      </dsp:nvSpPr>
+      <dsp:spPr>
+        <a:xfrm>
+          <a:off x="656813" y="4297017"/>
+          <a:ext cx="3824168" cy="325061"/>
+        </a:xfrm>
+        <a:prstGeom prst="roundRect">
+          <a:avLst>
+            <a:gd name="adj" fmla="val 10000"/>
+          </a:avLst>
+        </a:prstGeom>
+        <a:solidFill>
+          <a:schemeClr val="accent1">
+            <a:alpha val="90000"/>
+            <a:tint val="40000"/>
+            <a:hueOff val="0"/>
+            <a:satOff val="0"/>
+            <a:lumOff val="0"/>
+            <a:alphaOff val="0"/>
+          </a:schemeClr>
+        </a:solidFill>
+        <a:ln w="9525" cap="flat" cmpd="sng" algn="ctr">
+          <a:solidFill>
+            <a:schemeClr val="accent1">
+              <a:alpha val="90000"/>
+              <a:tint val="40000"/>
+              <a:hueOff val="0"/>
+              <a:satOff val="0"/>
+              <a:lumOff val="0"/>
+              <a:alphaOff val="0"/>
+            </a:schemeClr>
+          </a:solidFill>
+          <a:prstDash val="solid"/>
+        </a:ln>
+        <a:effectLst>
+          <a:outerShdw blurRad="40000" dist="23000" dir="5400000" rotWithShape="0">
+            <a:srgbClr val="000000">
+              <a:alpha val="35000"/>
+            </a:srgbClr>
+          </a:outerShdw>
+        </a:effectLst>
+      </dsp:spPr>
+      <dsp:style>
+        <a:lnRef idx="1">
+          <a:scrgbClr r="0" g="0" b="0"/>
+        </a:lnRef>
+        <a:fillRef idx="1">
+          <a:scrgbClr r="0" g="0" b="0"/>
+        </a:fillRef>
+        <a:effectRef idx="2">
+          <a:scrgbClr r="0" g="0" b="0"/>
+        </a:effectRef>
+        <a:fontRef idx="minor"/>
+      </dsp:style>
+      <dsp:txBody>
+        <a:bodyPr spcFirstLastPara="0" vert="horz" wrap="square" lIns="17780" tIns="17780" rIns="17780" bIns="17780" numCol="1" spcCol="1270" anchor="ctr" anchorCtr="0">
+          <a:noAutofit/>
+        </a:bodyPr>
+        <a:lstStyle/>
+        <a:p>
+          <a:pPr lvl="0" algn="l" defTabSz="622300">
+            <a:lnSpc>
+              <a:spcPct val="90000"/>
+            </a:lnSpc>
+            <a:spcBef>
+              <a:spcPct val="0"/>
+            </a:spcBef>
+            <a:spcAft>
+              <a:spcPct val="35000"/>
+            </a:spcAft>
+          </a:pPr>
+          <a:r>
+            <a:rPr lang="en-US" sz="1400" b="1" i="0" u="none" kern="1200" baseline="0" dirty="0" smtClean="0"/>
+            <a:t>A9. Insecure Communications</a:t>
+          </a:r>
+          <a:endParaRPr lang="en-US" sz="1400" b="1" kern="1200" dirty="0"/>
+        </a:p>
+      </dsp:txBody>
+      <dsp:txXfrm>
+        <a:off x="656813" y="4297017"/>
+        <a:ext cx="3824168" cy="325061"/>
+      </dsp:txXfrm>
+    </dsp:sp>
+    <dsp:sp modelId="{FA2DC799-6746-4A73-AA04-A3161797863C}">
+      <dsp:nvSpPr>
+        <dsp:cNvPr id="0" name=""/>
+        <dsp:cNvSpPr/>
+      </dsp:nvSpPr>
+      <dsp:spPr>
+        <a:xfrm rot="5400000">
+          <a:off x="2485244" y="4650522"/>
+          <a:ext cx="167306" cy="56885"/>
+        </a:xfrm>
+        <a:prstGeom prst="rightArrow">
+          <a:avLst>
+            <a:gd name="adj1" fmla="val 66700"/>
+            <a:gd name="adj2" fmla="val 50000"/>
+          </a:avLst>
+        </a:prstGeom>
+        <a:gradFill rotWithShape="0">
+          <a:gsLst>
+            <a:gs pos="0">
+              <a:schemeClr val="accent1">
+                <a:tint val="60000"/>
+                <a:hueOff val="0"/>
+                <a:satOff val="0"/>
+                <a:lumOff val="0"/>
+                <a:alphaOff val="0"/>
+                <a:shade val="51000"/>
+                <a:satMod val="130000"/>
+              </a:schemeClr>
+            </a:gs>
+            <a:gs pos="80000">
+              <a:schemeClr val="accent1">
+                <a:tint val="60000"/>
+                <a:hueOff val="0"/>
+                <a:satOff val="0"/>
+                <a:lumOff val="0"/>
+                <a:alphaOff val="0"/>
+                <a:shade val="93000"/>
+                <a:satMod val="130000"/>
+              </a:schemeClr>
+            </a:gs>
+            <a:gs pos="100000">
+              <a:schemeClr val="accent1">
+                <a:tint val="60000"/>
+                <a:hueOff val="0"/>
+                <a:satOff val="0"/>
+                <a:lumOff val="0"/>
+                <a:alphaOff val="0"/>
+                <a:shade val="94000"/>
+                <a:satMod val="135000"/>
+              </a:schemeClr>
+            </a:gs>
+          </a:gsLst>
+          <a:lin ang="16200000" scaled="0"/>
+        </a:gradFill>
+        <a:ln>
+          <a:noFill/>
+        </a:ln>
+        <a:effectLst>
+          <a:outerShdw blurRad="40000" dist="23000" dir="5400000" rotWithShape="0">
+            <a:srgbClr val="000000">
+              <a:alpha val="35000"/>
+            </a:srgbClr>
+          </a:outerShdw>
+        </a:effectLst>
+        <a:scene3d>
+          <a:camera prst="orthographicFront">
+            <a:rot lat="0" lon="0" rev="0"/>
+          </a:camera>
+          <a:lightRig rig="threePt" dir="t">
+            <a:rot lat="0" lon="0" rev="1200000"/>
+          </a:lightRig>
+        </a:scene3d>
+        <a:sp3d>
+          <a:bevelT w="63500" h="25400"/>
+        </a:sp3d>
+      </dsp:spPr>
+      <dsp:style>
+        <a:lnRef idx="0">
+          <a:scrgbClr r="0" g="0" b="0"/>
+        </a:lnRef>
+        <a:fillRef idx="3">
+          <a:scrgbClr r="0" g="0" b="0"/>
+        </a:fillRef>
+        <a:effectRef idx="3">
+          <a:scrgbClr r="0" g="0" b="0"/>
+        </a:effectRef>
+        <a:fontRef idx="minor">
+          <a:schemeClr val="lt1"/>
+        </a:fontRef>
+      </dsp:style>
+    </dsp:sp>
+    <dsp:sp modelId="{972459B8-80A4-4BFF-AEE8-BFA6A4F5B7BC}">
+      <dsp:nvSpPr>
+        <dsp:cNvPr id="0" name=""/>
+        <dsp:cNvSpPr/>
+      </dsp:nvSpPr>
+      <dsp:spPr>
+        <a:xfrm>
+          <a:off x="656813" y="4735850"/>
+          <a:ext cx="3824168" cy="325061"/>
+        </a:xfrm>
+        <a:prstGeom prst="roundRect">
+          <a:avLst>
+            <a:gd name="adj" fmla="val 10000"/>
+          </a:avLst>
+        </a:prstGeom>
+        <a:solidFill>
+          <a:schemeClr val="accent1">
+            <a:alpha val="90000"/>
+            <a:tint val="40000"/>
+            <a:hueOff val="0"/>
+            <a:satOff val="0"/>
+            <a:lumOff val="0"/>
+            <a:alphaOff val="0"/>
+          </a:schemeClr>
+        </a:solidFill>
+        <a:ln w="9525" cap="flat" cmpd="sng" algn="ctr">
+          <a:solidFill>
+            <a:schemeClr val="accent1">
+              <a:alpha val="90000"/>
+              <a:tint val="40000"/>
+              <a:hueOff val="0"/>
+              <a:satOff val="0"/>
+              <a:lumOff val="0"/>
+              <a:alphaOff val="0"/>
+            </a:schemeClr>
+          </a:solidFill>
+          <a:prstDash val="solid"/>
+        </a:ln>
+        <a:effectLst>
+          <a:outerShdw blurRad="40000" dist="23000" dir="5400000" rotWithShape="0">
+            <a:srgbClr val="000000">
+              <a:alpha val="35000"/>
+            </a:srgbClr>
+          </a:outerShdw>
+        </a:effectLst>
+      </dsp:spPr>
+      <dsp:style>
+        <a:lnRef idx="1">
+          <a:scrgbClr r="0" g="0" b="0"/>
+        </a:lnRef>
+        <a:fillRef idx="1">
+          <a:scrgbClr r="0" g="0" b="0"/>
+        </a:fillRef>
+        <a:effectRef idx="2">
+          <a:scrgbClr r="0" g="0" b="0"/>
+        </a:effectRef>
+        <a:fontRef idx="minor"/>
+      </dsp:style>
+      <dsp:txBody>
+        <a:bodyPr spcFirstLastPara="0" vert="horz" wrap="square" lIns="17780" tIns="17780" rIns="17780" bIns="17780" numCol="1" spcCol="1270" anchor="ctr" anchorCtr="0">
+          <a:noAutofit/>
+        </a:bodyPr>
+        <a:lstStyle/>
+        <a:p>
+          <a:pPr lvl="0" algn="l" defTabSz="622300">
+            <a:lnSpc>
+              <a:spcPct val="90000"/>
+            </a:lnSpc>
+            <a:spcBef>
+              <a:spcPct val="0"/>
+            </a:spcBef>
+            <a:spcAft>
+              <a:spcPct val="35000"/>
+            </a:spcAft>
+          </a:pPr>
+          <a:r>
+            <a:rPr lang="en-US" sz="1400" b="1" i="0" u="none" kern="1200" baseline="0" dirty="0" smtClean="0"/>
+            <a:t>A10.  Failure to Restrict URL Access </a:t>
+          </a:r>
+          <a:endParaRPr lang="en-US" sz="1400" b="1" kern="1200" dirty="0"/>
+        </a:p>
+      </dsp:txBody>
+      <dsp:txXfrm>
+        <a:off x="656813" y="4735850"/>
+        <a:ext cx="3824168" cy="325061"/>
+      </dsp:txXfrm>
+    </dsp:sp>
+    <dsp:sp modelId="{004E8E8C-3337-4815-83A5-9180868CD23D}">
+      <dsp:nvSpPr>
+        <dsp:cNvPr id="0" name=""/>
+        <dsp:cNvSpPr/>
+      </dsp:nvSpPr>
+      <dsp:spPr>
+        <a:xfrm>
+          <a:off x="4663017" y="1645"/>
+          <a:ext cx="3824168" cy="670933"/>
+        </a:xfrm>
+        <a:prstGeom prst="roundRect">
+          <a:avLst>
+            <a:gd name="adj" fmla="val 10000"/>
+          </a:avLst>
+        </a:prstGeom>
+        <a:gradFill rotWithShape="1">
+          <a:gsLst>
+            <a:gs pos="0">
+              <a:schemeClr val="accent6">
+                <a:tint val="50000"/>
+                <a:satMod val="300000"/>
+              </a:schemeClr>
+            </a:gs>
+            <a:gs pos="35000">
+              <a:schemeClr val="accent6">
+                <a:tint val="37000"/>
+                <a:satMod val="300000"/>
+              </a:schemeClr>
+            </a:gs>
+            <a:gs pos="100000">
+              <a:schemeClr val="accent6">
+                <a:tint val="15000"/>
+                <a:satMod val="350000"/>
+              </a:schemeClr>
+            </a:gs>
+          </a:gsLst>
+          <a:lin ang="16200000" scaled="1"/>
+        </a:gradFill>
+        <a:ln w="9525" cap="flat" cmpd="sng" algn="ctr">
+          <a:noFill/>
+          <a:prstDash val="solid"/>
+        </a:ln>
+        <a:effectLst/>
+        <a:scene3d>
+          <a:camera prst="orthographicFront">
+            <a:rot lat="0" lon="0" rev="0"/>
+          </a:camera>
+          <a:lightRig rig="contrasting" dir="t">
+            <a:rot lat="0" lon="0" rev="7800000"/>
+          </a:lightRig>
+        </a:scene3d>
+        <a:sp3d>
+          <a:bevelT w="139700" h="139700"/>
+        </a:sp3d>
+      </dsp:spPr>
+      <dsp:style>
+        <a:lnRef idx="1">
+          <a:schemeClr val="accent6"/>
+        </a:lnRef>
+        <a:fillRef idx="2">
+          <a:schemeClr val="accent6"/>
+        </a:fillRef>
+        <a:effectRef idx="1">
+          <a:schemeClr val="accent6"/>
+        </a:effectRef>
+        <a:fontRef idx="minor">
+          <a:schemeClr val="dk1"/>
+        </a:fontRef>
+      </dsp:style>
+      <dsp:txBody>
+        <a:bodyPr spcFirstLastPara="0" vert="horz" wrap="square" lIns="30480" tIns="30480" rIns="30480" bIns="30480" numCol="1" spcCol="1270" anchor="ctr" anchorCtr="0">
+          <a:noAutofit/>
+        </a:bodyPr>
+        <a:lstStyle/>
+        <a:p>
+          <a:pPr lvl="0" algn="ctr" defTabSz="1066800">
+            <a:lnSpc>
+              <a:spcPct val="90000"/>
+            </a:lnSpc>
+            <a:spcBef>
+              <a:spcPct val="0"/>
+            </a:spcBef>
+            <a:spcAft>
+              <a:spcPct val="35000"/>
+            </a:spcAft>
+          </a:pPr>
+          <a:r>
+            <a:rPr lang="en-US" sz="2400" b="1" kern="1200" dirty="0" smtClean="0"/>
+            <a:t>OWASP ESAPI</a:t>
+          </a:r>
+          <a:endParaRPr lang="en-US" sz="2400" b="1" kern="1200" dirty="0"/>
+        </a:p>
+      </dsp:txBody>
+      <dsp:txXfrm>
+        <a:off x="4663017" y="1645"/>
+        <a:ext cx="3824168" cy="670933"/>
+      </dsp:txXfrm>
+    </dsp:sp>
+    <dsp:sp modelId="{0E8032D3-502B-41BD-845E-EF3C103EC370}">
+      <dsp:nvSpPr>
+        <dsp:cNvPr id="0" name=""/>
+        <dsp:cNvSpPr/>
+      </dsp:nvSpPr>
+      <dsp:spPr>
+        <a:xfrm rot="5400000">
+          <a:off x="6491448" y="701022"/>
+          <a:ext cx="167306" cy="56885"/>
+        </a:xfrm>
+        <a:prstGeom prst="rightArrow">
+          <a:avLst>
+            <a:gd name="adj1" fmla="val 66700"/>
+            <a:gd name="adj2" fmla="val 50000"/>
+          </a:avLst>
+        </a:prstGeom>
+        <a:gradFill rotWithShape="0">
+          <a:gsLst>
+            <a:gs pos="0">
+              <a:schemeClr val="accent1">
+                <a:tint val="60000"/>
+                <a:hueOff val="0"/>
+                <a:satOff val="0"/>
+                <a:lumOff val="0"/>
+                <a:alphaOff val="0"/>
+                <a:shade val="51000"/>
+                <a:satMod val="130000"/>
+              </a:schemeClr>
+            </a:gs>
+            <a:gs pos="80000">
+              <a:schemeClr val="accent1">
+                <a:tint val="60000"/>
+                <a:hueOff val="0"/>
+                <a:satOff val="0"/>
+                <a:lumOff val="0"/>
+                <a:alphaOff val="0"/>
+                <a:shade val="93000"/>
+                <a:satMod val="130000"/>
+              </a:schemeClr>
+            </a:gs>
+            <a:gs pos="100000">
+              <a:schemeClr val="accent1">
+                <a:tint val="60000"/>
+                <a:hueOff val="0"/>
+                <a:satOff val="0"/>
+                <a:lumOff val="0"/>
+                <a:alphaOff val="0"/>
+                <a:shade val="94000"/>
+                <a:satMod val="135000"/>
+              </a:schemeClr>
+            </a:gs>
+          </a:gsLst>
+          <a:lin ang="16200000" scaled="0"/>
+        </a:gradFill>
+        <a:ln>
+          <a:noFill/>
+        </a:ln>
+        <a:effectLst>
+          <a:outerShdw blurRad="40000" dist="23000" dir="5400000" rotWithShape="0">
+            <a:srgbClr val="000000">
+              <a:alpha val="35000"/>
+            </a:srgbClr>
+          </a:outerShdw>
+        </a:effectLst>
+        <a:scene3d>
+          <a:camera prst="orthographicFront">
+            <a:rot lat="0" lon="0" rev="0"/>
+          </a:camera>
+          <a:lightRig rig="threePt" dir="t">
+            <a:rot lat="0" lon="0" rev="1200000"/>
+          </a:lightRig>
+        </a:scene3d>
+        <a:sp3d>
+          <a:bevelT w="63500" h="25400"/>
+        </a:sp3d>
+      </dsp:spPr>
+      <dsp:style>
+        <a:lnRef idx="0">
+          <a:scrgbClr r="0" g="0" b="0"/>
+        </a:lnRef>
+        <a:fillRef idx="3">
+          <a:scrgbClr r="0" g="0" b="0"/>
+        </a:fillRef>
+        <a:effectRef idx="3">
+          <a:scrgbClr r="0" g="0" b="0"/>
+        </a:effectRef>
+        <a:fontRef idx="minor">
+          <a:schemeClr val="lt1"/>
+        </a:fontRef>
+      </dsp:style>
+    </dsp:sp>
+    <dsp:sp modelId="{B9C94445-6ACC-47CD-AE48-DEC7FDC9F535}">
+      <dsp:nvSpPr>
+        <dsp:cNvPr id="0" name=""/>
+        <dsp:cNvSpPr/>
+      </dsp:nvSpPr>
+      <dsp:spPr>
+        <a:xfrm>
+          <a:off x="4663017" y="786351"/>
+          <a:ext cx="3824168" cy="325061"/>
+        </a:xfrm>
+        <a:prstGeom prst="roundRect">
+          <a:avLst>
+            <a:gd name="adj" fmla="val 10000"/>
+          </a:avLst>
+        </a:prstGeom>
+        <a:solidFill>
+          <a:srgbClr val="99FF66">
+            <a:alpha val="89804"/>
+          </a:srgbClr>
+        </a:solidFill>
+        <a:ln w="9525" cap="flat" cmpd="sng" algn="ctr">
+          <a:solidFill>
+            <a:schemeClr val="accent1">
+              <a:alpha val="90000"/>
+              <a:tint val="40000"/>
+              <a:hueOff val="0"/>
+              <a:satOff val="0"/>
+              <a:lumOff val="0"/>
+              <a:alphaOff val="0"/>
+            </a:schemeClr>
+          </a:solidFill>
+          <a:prstDash val="solid"/>
+        </a:ln>
+        <a:effectLst>
+          <a:outerShdw blurRad="40000" dist="23000" dir="5400000" rotWithShape="0">
+            <a:srgbClr val="000000">
+              <a:alpha val="35000"/>
+            </a:srgbClr>
+          </a:outerShdw>
+        </a:effectLst>
+      </dsp:spPr>
+      <dsp:style>
+        <a:lnRef idx="1">
+          <a:scrgbClr r="0" g="0" b="0"/>
+        </a:lnRef>
+        <a:fillRef idx="1">
+          <a:scrgbClr r="0" g="0" b="0"/>
+        </a:fillRef>
+        <a:effectRef idx="2">
+          <a:scrgbClr r="0" g="0" b="0"/>
+        </a:effectRef>
+        <a:fontRef idx="minor"/>
+      </dsp:style>
+      <dsp:txBody>
+        <a:bodyPr spcFirstLastPara="0" vert="horz" wrap="square" lIns="17780" tIns="17780" rIns="17780" bIns="17780" numCol="1" spcCol="1270" anchor="ctr" anchorCtr="0">
+          <a:noAutofit/>
+        </a:bodyPr>
+        <a:lstStyle/>
+        <a:p>
+          <a:pPr lvl="0" algn="l" defTabSz="622300">
+            <a:lnSpc>
+              <a:spcPct val="90000"/>
+            </a:lnSpc>
+            <a:spcBef>
+              <a:spcPct val="0"/>
+            </a:spcBef>
+            <a:spcAft>
+              <a:spcPct val="35000"/>
+            </a:spcAft>
+          </a:pPr>
+          <a:r>
+            <a:rPr lang="en-US" sz="1400" b="1" kern="1200" dirty="0" err="1" smtClean="0"/>
+            <a:t>Validator</a:t>
+          </a:r>
+          <a:r>
+            <a:rPr lang="en-US" sz="1400" b="1" kern="1200" dirty="0" smtClean="0"/>
+            <a:t>, Encoder</a:t>
+          </a:r>
+          <a:endParaRPr lang="en-US" sz="1400" b="1" kern="1200" dirty="0"/>
+        </a:p>
+      </dsp:txBody>
+      <dsp:txXfrm>
+        <a:off x="4663017" y="786351"/>
+        <a:ext cx="3824168" cy="325061"/>
+      </dsp:txXfrm>
+    </dsp:sp>
+    <dsp:sp modelId="{CD7112E3-6104-4EEA-9F8B-B7415942E8FE}">
+      <dsp:nvSpPr>
+        <dsp:cNvPr id="0" name=""/>
+        <dsp:cNvSpPr/>
+      </dsp:nvSpPr>
+      <dsp:spPr>
+        <a:xfrm rot="5400000">
+          <a:off x="6491448" y="1139855"/>
+          <a:ext cx="167306" cy="56885"/>
+        </a:xfrm>
+        <a:prstGeom prst="rightArrow">
+          <a:avLst>
+            <a:gd name="adj1" fmla="val 66700"/>
+            <a:gd name="adj2" fmla="val 50000"/>
+          </a:avLst>
+        </a:prstGeom>
+        <a:gradFill rotWithShape="0">
+          <a:gsLst>
+            <a:gs pos="0">
+              <a:schemeClr val="accent1">
+                <a:tint val="60000"/>
+                <a:hueOff val="0"/>
+                <a:satOff val="0"/>
+                <a:lumOff val="0"/>
+                <a:alphaOff val="0"/>
+                <a:shade val="51000"/>
+                <a:satMod val="130000"/>
+              </a:schemeClr>
+            </a:gs>
+            <a:gs pos="80000">
+              <a:schemeClr val="accent1">
+                <a:tint val="60000"/>
+                <a:hueOff val="0"/>
+                <a:satOff val="0"/>
+                <a:lumOff val="0"/>
+                <a:alphaOff val="0"/>
+                <a:shade val="93000"/>
+                <a:satMod val="130000"/>
+              </a:schemeClr>
+            </a:gs>
+            <a:gs pos="100000">
+              <a:schemeClr val="accent1">
+                <a:tint val="60000"/>
+                <a:hueOff val="0"/>
+                <a:satOff val="0"/>
+                <a:lumOff val="0"/>
+                <a:alphaOff val="0"/>
+                <a:shade val="94000"/>
+                <a:satMod val="135000"/>
+              </a:schemeClr>
+            </a:gs>
+          </a:gsLst>
+          <a:lin ang="16200000" scaled="0"/>
+        </a:gradFill>
+        <a:ln>
+          <a:noFill/>
+        </a:ln>
+        <a:effectLst>
+          <a:outerShdw blurRad="40000" dist="23000" dir="5400000" rotWithShape="0">
+            <a:srgbClr val="000000">
+              <a:alpha val="35000"/>
+            </a:srgbClr>
+          </a:outerShdw>
+        </a:effectLst>
+        <a:scene3d>
+          <a:camera prst="orthographicFront">
+            <a:rot lat="0" lon="0" rev="0"/>
+          </a:camera>
+          <a:lightRig rig="threePt" dir="t">
+            <a:rot lat="0" lon="0" rev="1200000"/>
+          </a:lightRig>
+        </a:scene3d>
+        <a:sp3d>
+          <a:bevelT w="63500" h="25400"/>
+        </a:sp3d>
+      </dsp:spPr>
+      <dsp:style>
+        <a:lnRef idx="0">
+          <a:scrgbClr r="0" g="0" b="0"/>
+        </a:lnRef>
+        <a:fillRef idx="3">
+          <a:scrgbClr r="0" g="0" b="0"/>
+        </a:fillRef>
+        <a:effectRef idx="3">
+          <a:scrgbClr r="0" g="0" b="0"/>
+        </a:effectRef>
+        <a:fontRef idx="minor">
+          <a:schemeClr val="lt1"/>
+        </a:fontRef>
+      </dsp:style>
+    </dsp:sp>
+    <dsp:sp modelId="{2641CD6C-C367-499D-80CE-1D84D9288DF5}">
+      <dsp:nvSpPr>
+        <dsp:cNvPr id="0" name=""/>
+        <dsp:cNvSpPr/>
+      </dsp:nvSpPr>
+      <dsp:spPr>
+        <a:xfrm>
+          <a:off x="4663017" y="1225184"/>
+          <a:ext cx="3824168" cy="325061"/>
+        </a:xfrm>
+        <a:prstGeom prst="roundRect">
+          <a:avLst>
+            <a:gd name="adj" fmla="val 10000"/>
+          </a:avLst>
+        </a:prstGeom>
+        <a:solidFill>
+          <a:srgbClr val="99FF66">
+            <a:alpha val="89804"/>
+          </a:srgbClr>
+        </a:solidFill>
+        <a:ln w="9525" cap="flat" cmpd="sng" algn="ctr">
+          <a:solidFill>
+            <a:schemeClr val="accent1">
+              <a:alpha val="90000"/>
+              <a:tint val="40000"/>
+              <a:hueOff val="0"/>
+              <a:satOff val="0"/>
+              <a:lumOff val="0"/>
+              <a:alphaOff val="0"/>
+            </a:schemeClr>
+          </a:solidFill>
+          <a:prstDash val="solid"/>
+        </a:ln>
+        <a:effectLst>
+          <a:outerShdw blurRad="40000" dist="23000" dir="5400000" rotWithShape="0">
+            <a:srgbClr val="000000">
+              <a:alpha val="35000"/>
+            </a:srgbClr>
+          </a:outerShdw>
+        </a:effectLst>
+      </dsp:spPr>
+      <dsp:style>
+        <a:lnRef idx="1">
+          <a:scrgbClr r="0" g="0" b="0"/>
+        </a:lnRef>
+        <a:fillRef idx="1">
+          <a:scrgbClr r="0" g="0" b="0"/>
+        </a:fillRef>
+        <a:effectRef idx="2">
+          <a:scrgbClr r="0" g="0" b="0"/>
+        </a:effectRef>
+        <a:fontRef idx="minor"/>
+      </dsp:style>
+      <dsp:txBody>
+        <a:bodyPr spcFirstLastPara="0" vert="horz" wrap="square" lIns="17780" tIns="17780" rIns="17780" bIns="17780" numCol="1" spcCol="1270" anchor="ctr" anchorCtr="0">
+          <a:noAutofit/>
+        </a:bodyPr>
+        <a:lstStyle/>
+        <a:p>
+          <a:pPr lvl="0" algn="l" defTabSz="622300">
+            <a:lnSpc>
+              <a:spcPct val="90000"/>
+            </a:lnSpc>
+            <a:spcBef>
+              <a:spcPct val="0"/>
+            </a:spcBef>
+            <a:spcAft>
+              <a:spcPct val="35000"/>
+            </a:spcAft>
+          </a:pPr>
+          <a:r>
+            <a:rPr lang="en-US" sz="1400" b="1" kern="1200" dirty="0" smtClean="0"/>
+            <a:t>Encoder</a:t>
+          </a:r>
+          <a:endParaRPr lang="en-US" sz="1400" b="1" kern="1200" dirty="0"/>
+        </a:p>
+      </dsp:txBody>
+      <dsp:txXfrm>
+        <a:off x="4663017" y="1225184"/>
+        <a:ext cx="3824168" cy="325061"/>
+      </dsp:txXfrm>
+    </dsp:sp>
+    <dsp:sp modelId="{067AC13A-A371-44AB-9940-004A06B6B4CB}">
+      <dsp:nvSpPr>
+        <dsp:cNvPr id="0" name=""/>
+        <dsp:cNvSpPr/>
+      </dsp:nvSpPr>
+      <dsp:spPr>
+        <a:xfrm rot="5400000">
+          <a:off x="6491448" y="1578688"/>
+          <a:ext cx="167306" cy="56885"/>
+        </a:xfrm>
+        <a:prstGeom prst="rightArrow">
+          <a:avLst>
+            <a:gd name="adj1" fmla="val 66700"/>
+            <a:gd name="adj2" fmla="val 50000"/>
+          </a:avLst>
+        </a:prstGeom>
+        <a:gradFill rotWithShape="0">
+          <a:gsLst>
+            <a:gs pos="0">
+              <a:schemeClr val="accent1">
+                <a:tint val="60000"/>
+                <a:hueOff val="0"/>
+                <a:satOff val="0"/>
+                <a:lumOff val="0"/>
+                <a:alphaOff val="0"/>
+                <a:shade val="51000"/>
+                <a:satMod val="130000"/>
+              </a:schemeClr>
+            </a:gs>
+            <a:gs pos="80000">
+              <a:schemeClr val="accent1">
+                <a:tint val="60000"/>
+                <a:hueOff val="0"/>
+                <a:satOff val="0"/>
+                <a:lumOff val="0"/>
+                <a:alphaOff val="0"/>
+                <a:shade val="93000"/>
+                <a:satMod val="130000"/>
+              </a:schemeClr>
+            </a:gs>
+            <a:gs pos="100000">
+              <a:schemeClr val="accent1">
+                <a:tint val="60000"/>
+                <a:hueOff val="0"/>
+                <a:satOff val="0"/>
+                <a:lumOff val="0"/>
+                <a:alphaOff val="0"/>
+                <a:shade val="94000"/>
+                <a:satMod val="135000"/>
+              </a:schemeClr>
+            </a:gs>
+          </a:gsLst>
+          <a:lin ang="16200000" scaled="0"/>
+        </a:gradFill>
+        <a:ln>
+          <a:noFill/>
+        </a:ln>
+        <a:effectLst>
+          <a:outerShdw blurRad="40000" dist="23000" dir="5400000" rotWithShape="0">
+            <a:srgbClr val="000000">
+              <a:alpha val="35000"/>
+            </a:srgbClr>
+          </a:outerShdw>
+        </a:effectLst>
+        <a:scene3d>
+          <a:camera prst="orthographicFront">
+            <a:rot lat="0" lon="0" rev="0"/>
+          </a:camera>
+          <a:lightRig rig="threePt" dir="t">
+            <a:rot lat="0" lon="0" rev="1200000"/>
+          </a:lightRig>
+        </a:scene3d>
+        <a:sp3d>
+          <a:bevelT w="63500" h="25400"/>
+        </a:sp3d>
+      </dsp:spPr>
+      <dsp:style>
+        <a:lnRef idx="0">
+          <a:scrgbClr r="0" g="0" b="0"/>
+        </a:lnRef>
+        <a:fillRef idx="3">
+          <a:scrgbClr r="0" g="0" b="0"/>
+        </a:fillRef>
+        <a:effectRef idx="3">
+          <a:scrgbClr r="0" g="0" b="0"/>
+        </a:effectRef>
+        <a:fontRef idx="minor">
+          <a:schemeClr val="lt1"/>
+        </a:fontRef>
+      </dsp:style>
+    </dsp:sp>
+    <dsp:sp modelId="{38956430-F19F-400E-A2B5-E2BC078890E0}">
+      <dsp:nvSpPr>
+        <dsp:cNvPr id="0" name=""/>
+        <dsp:cNvSpPr/>
+      </dsp:nvSpPr>
+      <dsp:spPr>
+        <a:xfrm>
+          <a:off x="4663017" y="1664017"/>
+          <a:ext cx="3824168" cy="325061"/>
+        </a:xfrm>
+        <a:prstGeom prst="roundRect">
+          <a:avLst>
+            <a:gd name="adj" fmla="val 10000"/>
+          </a:avLst>
+        </a:prstGeom>
+        <a:solidFill>
+          <a:srgbClr val="99FF66">
+            <a:alpha val="89804"/>
+          </a:srgbClr>
+        </a:solidFill>
+        <a:ln w="9525" cap="flat" cmpd="sng" algn="ctr">
+          <a:solidFill>
+            <a:schemeClr val="accent1">
+              <a:alpha val="90000"/>
+              <a:tint val="40000"/>
+              <a:hueOff val="0"/>
+              <a:satOff val="0"/>
+              <a:lumOff val="0"/>
+              <a:alphaOff val="0"/>
+            </a:schemeClr>
+          </a:solidFill>
+          <a:prstDash val="solid"/>
+        </a:ln>
+        <a:effectLst>
+          <a:outerShdw blurRad="40000" dist="23000" dir="5400000" rotWithShape="0">
+            <a:srgbClr val="000000">
+              <a:alpha val="35000"/>
+            </a:srgbClr>
+          </a:outerShdw>
+        </a:effectLst>
+      </dsp:spPr>
+      <dsp:style>
+        <a:lnRef idx="1">
+          <a:scrgbClr r="0" g="0" b="0"/>
+        </a:lnRef>
+        <a:fillRef idx="1">
+          <a:scrgbClr r="0" g="0" b="0"/>
+        </a:fillRef>
+        <a:effectRef idx="2">
+          <a:scrgbClr r="0" g="0" b="0"/>
+        </a:effectRef>
+        <a:fontRef idx="minor"/>
+      </dsp:style>
+      <dsp:txBody>
+        <a:bodyPr spcFirstLastPara="0" vert="horz" wrap="square" lIns="17780" tIns="17780" rIns="17780" bIns="17780" numCol="1" spcCol="1270" anchor="ctr" anchorCtr="0">
+          <a:noAutofit/>
+        </a:bodyPr>
+        <a:lstStyle/>
+        <a:p>
+          <a:pPr lvl="0" algn="l" defTabSz="622300">
+            <a:lnSpc>
+              <a:spcPct val="90000"/>
+            </a:lnSpc>
+            <a:spcBef>
+              <a:spcPct val="0"/>
+            </a:spcBef>
+            <a:spcAft>
+              <a:spcPct val="35000"/>
+            </a:spcAft>
+          </a:pPr>
+          <a:r>
+            <a:rPr lang="en-US" sz="1400" b="1" kern="1200" dirty="0" err="1" smtClean="0"/>
+            <a:t>HTTPUtilities</a:t>
+          </a:r>
+          <a:r>
+            <a:rPr lang="en-US" sz="1400" b="1" kern="1200" dirty="0" smtClean="0"/>
+            <a:t> (upload)</a:t>
+          </a:r>
+          <a:endParaRPr lang="en-US" sz="1400" b="1" kern="1200" dirty="0"/>
+        </a:p>
+      </dsp:txBody>
+      <dsp:txXfrm>
+        <a:off x="4663017" y="1664017"/>
+        <a:ext cx="3824168" cy="325061"/>
+      </dsp:txXfrm>
+    </dsp:sp>
+    <dsp:sp modelId="{6786D247-C386-4209-B9B5-98D8F2E9AF21}">
+      <dsp:nvSpPr>
+        <dsp:cNvPr id="0" name=""/>
+        <dsp:cNvSpPr/>
+      </dsp:nvSpPr>
+      <dsp:spPr>
+        <a:xfrm rot="5400000">
+          <a:off x="6491448" y="2017522"/>
+          <a:ext cx="167306" cy="56885"/>
+        </a:xfrm>
+        <a:prstGeom prst="rightArrow">
+          <a:avLst>
+            <a:gd name="adj1" fmla="val 66700"/>
+            <a:gd name="adj2" fmla="val 50000"/>
+          </a:avLst>
+        </a:prstGeom>
+        <a:gradFill rotWithShape="0">
+          <a:gsLst>
+            <a:gs pos="0">
+              <a:schemeClr val="accent1">
+                <a:tint val="60000"/>
+                <a:hueOff val="0"/>
+                <a:satOff val="0"/>
+                <a:lumOff val="0"/>
+                <a:alphaOff val="0"/>
+                <a:shade val="51000"/>
+                <a:satMod val="130000"/>
+              </a:schemeClr>
+            </a:gs>
+            <a:gs pos="80000">
+              <a:schemeClr val="accent1">
+                <a:tint val="60000"/>
+                <a:hueOff val="0"/>
+                <a:satOff val="0"/>
+                <a:lumOff val="0"/>
+                <a:alphaOff val="0"/>
+                <a:shade val="93000"/>
+                <a:satMod val="130000"/>
+              </a:schemeClr>
+            </a:gs>
+            <a:gs pos="100000">
+              <a:schemeClr val="accent1">
+                <a:tint val="60000"/>
+                <a:hueOff val="0"/>
+                <a:satOff val="0"/>
+                <a:lumOff val="0"/>
+                <a:alphaOff val="0"/>
+                <a:shade val="94000"/>
+                <a:satMod val="135000"/>
+              </a:schemeClr>
+            </a:gs>
+          </a:gsLst>
+          <a:lin ang="16200000" scaled="0"/>
+        </a:gradFill>
+        <a:ln>
+          <a:noFill/>
+        </a:ln>
+        <a:effectLst>
+          <a:outerShdw blurRad="40000" dist="23000" dir="5400000" rotWithShape="0">
+            <a:srgbClr val="000000">
+              <a:alpha val="35000"/>
+            </a:srgbClr>
+          </a:outerShdw>
+        </a:effectLst>
+        <a:scene3d>
+          <a:camera prst="orthographicFront">
+            <a:rot lat="0" lon="0" rev="0"/>
+          </a:camera>
+          <a:lightRig rig="threePt" dir="t">
+            <a:rot lat="0" lon="0" rev="1200000"/>
+          </a:lightRig>
+        </a:scene3d>
+        <a:sp3d>
+          <a:bevelT w="63500" h="25400"/>
+        </a:sp3d>
+      </dsp:spPr>
+      <dsp:style>
+        <a:lnRef idx="0">
+          <a:scrgbClr r="0" g="0" b="0"/>
+        </a:lnRef>
+        <a:fillRef idx="3">
+          <a:scrgbClr r="0" g="0" b="0"/>
+        </a:fillRef>
+        <a:effectRef idx="3">
+          <a:scrgbClr r="0" g="0" b="0"/>
+        </a:effectRef>
+        <a:fontRef idx="minor">
+          <a:schemeClr val="lt1"/>
+        </a:fontRef>
+      </dsp:style>
+    </dsp:sp>
+    <dsp:sp modelId="{661F3C92-AADA-4747-9147-89721BE60AB5}">
+      <dsp:nvSpPr>
+        <dsp:cNvPr id="0" name=""/>
+        <dsp:cNvSpPr/>
+      </dsp:nvSpPr>
+      <dsp:spPr>
+        <a:xfrm>
+          <a:off x="4663017" y="2102850"/>
+          <a:ext cx="3824168" cy="325061"/>
+        </a:xfrm>
+        <a:prstGeom prst="roundRect">
+          <a:avLst>
+            <a:gd name="adj" fmla="val 10000"/>
+          </a:avLst>
+        </a:prstGeom>
+        <a:solidFill>
+          <a:srgbClr val="99FF66">
+            <a:alpha val="89804"/>
+          </a:srgbClr>
+        </a:solidFill>
+        <a:ln w="9525" cap="flat" cmpd="sng" algn="ctr">
+          <a:solidFill>
+            <a:schemeClr val="accent1">
+              <a:alpha val="90000"/>
+              <a:tint val="40000"/>
+              <a:hueOff val="0"/>
+              <a:satOff val="0"/>
+              <a:lumOff val="0"/>
+              <a:alphaOff val="0"/>
+            </a:schemeClr>
+          </a:solidFill>
+          <a:prstDash val="solid"/>
+        </a:ln>
+        <a:effectLst>
+          <a:outerShdw blurRad="40000" dist="23000" dir="5400000" rotWithShape="0">
+            <a:srgbClr val="000000">
+              <a:alpha val="35000"/>
+            </a:srgbClr>
+          </a:outerShdw>
+        </a:effectLst>
+      </dsp:spPr>
+      <dsp:style>
+        <a:lnRef idx="1">
+          <a:scrgbClr r="0" g="0" b="0"/>
+        </a:lnRef>
+        <a:fillRef idx="1">
+          <a:scrgbClr r="0" g="0" b="0"/>
+        </a:fillRef>
+        <a:effectRef idx="2">
+          <a:scrgbClr r="0" g="0" b="0"/>
+        </a:effectRef>
+        <a:fontRef idx="minor"/>
+      </dsp:style>
+      <dsp:txBody>
+        <a:bodyPr spcFirstLastPara="0" vert="horz" wrap="square" lIns="17780" tIns="17780" rIns="17780" bIns="17780" numCol="1" spcCol="1270" anchor="ctr" anchorCtr="0">
+          <a:noAutofit/>
+        </a:bodyPr>
+        <a:lstStyle/>
+        <a:p>
+          <a:pPr lvl="0" algn="l" defTabSz="622300">
+            <a:lnSpc>
+              <a:spcPct val="90000"/>
+            </a:lnSpc>
+            <a:spcBef>
+              <a:spcPct val="0"/>
+            </a:spcBef>
+            <a:spcAft>
+              <a:spcPct val="35000"/>
+            </a:spcAft>
+          </a:pPr>
+          <a:r>
+            <a:rPr lang="en-US" sz="1400" b="1" kern="1200" dirty="0" err="1" smtClean="0"/>
+            <a:t>AccessReferenceMap</a:t>
+          </a:r>
+          <a:endParaRPr lang="en-US" sz="1400" b="1" kern="1200" dirty="0"/>
+        </a:p>
+      </dsp:txBody>
+      <dsp:txXfrm>
+        <a:off x="4663017" y="2102850"/>
+        <a:ext cx="3824168" cy="325061"/>
+      </dsp:txXfrm>
+    </dsp:sp>
+    <dsp:sp modelId="{3D7EA5B8-DFDF-4409-8C6A-F6473BAEF845}">
+      <dsp:nvSpPr>
+        <dsp:cNvPr id="0" name=""/>
+        <dsp:cNvSpPr/>
+      </dsp:nvSpPr>
+      <dsp:spPr>
+        <a:xfrm rot="5400000">
+          <a:off x="6491448" y="2456355"/>
+          <a:ext cx="167306" cy="56885"/>
+        </a:xfrm>
+        <a:prstGeom prst="rightArrow">
+          <a:avLst>
+            <a:gd name="adj1" fmla="val 66700"/>
+            <a:gd name="adj2" fmla="val 50000"/>
+          </a:avLst>
+        </a:prstGeom>
+        <a:gradFill rotWithShape="0">
+          <a:gsLst>
+            <a:gs pos="0">
+              <a:schemeClr val="accent1">
+                <a:tint val="60000"/>
+                <a:hueOff val="0"/>
+                <a:satOff val="0"/>
+                <a:lumOff val="0"/>
+                <a:alphaOff val="0"/>
+                <a:shade val="51000"/>
+                <a:satMod val="130000"/>
+              </a:schemeClr>
+            </a:gs>
+            <a:gs pos="80000">
+              <a:schemeClr val="accent1">
+                <a:tint val="60000"/>
+                <a:hueOff val="0"/>
+                <a:satOff val="0"/>
+                <a:lumOff val="0"/>
+                <a:alphaOff val="0"/>
+                <a:shade val="93000"/>
+                <a:satMod val="130000"/>
+              </a:schemeClr>
+            </a:gs>
+            <a:gs pos="100000">
+              <a:schemeClr val="accent1">
+                <a:tint val="60000"/>
+                <a:hueOff val="0"/>
+                <a:satOff val="0"/>
+                <a:lumOff val="0"/>
+                <a:alphaOff val="0"/>
+                <a:shade val="94000"/>
+                <a:satMod val="135000"/>
+              </a:schemeClr>
+            </a:gs>
+          </a:gsLst>
+          <a:lin ang="16200000" scaled="0"/>
+        </a:gradFill>
+        <a:ln>
+          <a:noFill/>
+        </a:ln>
+        <a:effectLst>
+          <a:outerShdw blurRad="40000" dist="23000" dir="5400000" rotWithShape="0">
+            <a:srgbClr val="000000">
+              <a:alpha val="35000"/>
+            </a:srgbClr>
+          </a:outerShdw>
+        </a:effectLst>
+        <a:scene3d>
+          <a:camera prst="orthographicFront">
+            <a:rot lat="0" lon="0" rev="0"/>
+          </a:camera>
+          <a:lightRig rig="threePt" dir="t">
+            <a:rot lat="0" lon="0" rev="1200000"/>
+          </a:lightRig>
+        </a:scene3d>
+        <a:sp3d>
+          <a:bevelT w="63500" h="25400"/>
+        </a:sp3d>
+      </dsp:spPr>
+      <dsp:style>
+        <a:lnRef idx="0">
+          <a:scrgbClr r="0" g="0" b="0"/>
+        </a:lnRef>
+        <a:fillRef idx="3">
+          <a:scrgbClr r="0" g="0" b="0"/>
+        </a:fillRef>
+        <a:effectRef idx="3">
+          <a:scrgbClr r="0" g="0" b="0"/>
+        </a:effectRef>
+        <a:fontRef idx="minor">
+          <a:schemeClr val="lt1"/>
+        </a:fontRef>
+      </dsp:style>
+    </dsp:sp>
+    <dsp:sp modelId="{26F54F58-F169-4CAA-AEB3-26B67A97B3C8}">
+      <dsp:nvSpPr>
+        <dsp:cNvPr id="0" name=""/>
+        <dsp:cNvSpPr/>
+      </dsp:nvSpPr>
+      <dsp:spPr>
+        <a:xfrm>
+          <a:off x="4663017" y="2541684"/>
+          <a:ext cx="3824168" cy="325061"/>
+        </a:xfrm>
+        <a:prstGeom prst="roundRect">
+          <a:avLst>
+            <a:gd name="adj" fmla="val 10000"/>
+          </a:avLst>
+        </a:prstGeom>
+        <a:solidFill>
+          <a:srgbClr val="99FF66">
+            <a:alpha val="89804"/>
+          </a:srgbClr>
+        </a:solidFill>
+        <a:ln w="9525" cap="flat" cmpd="sng" algn="ctr">
+          <a:solidFill>
+            <a:schemeClr val="accent1">
+              <a:alpha val="90000"/>
+              <a:tint val="40000"/>
+              <a:hueOff val="0"/>
+              <a:satOff val="0"/>
+              <a:lumOff val="0"/>
+              <a:alphaOff val="0"/>
+            </a:schemeClr>
+          </a:solidFill>
+          <a:prstDash val="solid"/>
+        </a:ln>
+        <a:effectLst>
+          <a:outerShdw blurRad="40000" dist="23000" dir="5400000" rotWithShape="0">
+            <a:srgbClr val="000000">
+              <a:alpha val="35000"/>
+            </a:srgbClr>
+          </a:outerShdw>
+        </a:effectLst>
+      </dsp:spPr>
+      <dsp:style>
+        <a:lnRef idx="1">
+          <a:scrgbClr r="0" g="0" b="0"/>
+        </a:lnRef>
+        <a:fillRef idx="1">
+          <a:scrgbClr r="0" g="0" b="0"/>
+        </a:fillRef>
+        <a:effectRef idx="2">
+          <a:scrgbClr r="0" g="0" b="0"/>
+        </a:effectRef>
+        <a:fontRef idx="minor"/>
+      </dsp:style>
+      <dsp:txBody>
+        <a:bodyPr spcFirstLastPara="0" vert="horz" wrap="square" lIns="17780" tIns="17780" rIns="17780" bIns="17780" numCol="1" spcCol="1270" anchor="ctr" anchorCtr="0">
+          <a:noAutofit/>
+        </a:bodyPr>
+        <a:lstStyle/>
+        <a:p>
+          <a:pPr lvl="0" algn="l" defTabSz="622300">
+            <a:lnSpc>
+              <a:spcPct val="90000"/>
+            </a:lnSpc>
+            <a:spcBef>
+              <a:spcPct val="0"/>
+            </a:spcBef>
+            <a:spcAft>
+              <a:spcPct val="35000"/>
+            </a:spcAft>
+          </a:pPr>
+          <a:r>
+            <a:rPr lang="en-US" sz="1400" b="1" kern="1200" dirty="0" smtClean="0"/>
+            <a:t>User (</a:t>
+          </a:r>
+          <a:r>
+            <a:rPr lang="en-US" sz="1400" b="1" kern="1200" dirty="0" err="1" smtClean="0"/>
+            <a:t>csrftoken</a:t>
+          </a:r>
+          <a:r>
+            <a:rPr lang="en-US" sz="1400" b="1" kern="1200" dirty="0" smtClean="0"/>
+            <a:t>)</a:t>
+          </a:r>
+          <a:endParaRPr lang="en-US" sz="1400" b="1" kern="1200" dirty="0"/>
+        </a:p>
+      </dsp:txBody>
+      <dsp:txXfrm>
+        <a:off x="4663017" y="2541684"/>
+        <a:ext cx="3824168" cy="325061"/>
+      </dsp:txXfrm>
+    </dsp:sp>
+    <dsp:sp modelId="{A0811A12-5B41-4B45-993D-6867CBD70BE7}">
+      <dsp:nvSpPr>
+        <dsp:cNvPr id="0" name=""/>
+        <dsp:cNvSpPr/>
+      </dsp:nvSpPr>
+      <dsp:spPr>
+        <a:xfrm rot="5400000">
+          <a:off x="6491448" y="2895188"/>
+          <a:ext cx="167306" cy="56885"/>
+        </a:xfrm>
+        <a:prstGeom prst="rightArrow">
+          <a:avLst>
+            <a:gd name="adj1" fmla="val 66700"/>
+            <a:gd name="adj2" fmla="val 50000"/>
+          </a:avLst>
+        </a:prstGeom>
+        <a:gradFill rotWithShape="0">
+          <a:gsLst>
+            <a:gs pos="0">
+              <a:schemeClr val="accent1">
+                <a:tint val="60000"/>
+                <a:hueOff val="0"/>
+                <a:satOff val="0"/>
+                <a:lumOff val="0"/>
+                <a:alphaOff val="0"/>
+                <a:shade val="51000"/>
+                <a:satMod val="130000"/>
+              </a:schemeClr>
+            </a:gs>
+            <a:gs pos="80000">
+              <a:schemeClr val="accent1">
+                <a:tint val="60000"/>
+                <a:hueOff val="0"/>
+                <a:satOff val="0"/>
+                <a:lumOff val="0"/>
+                <a:alphaOff val="0"/>
+                <a:shade val="93000"/>
+                <a:satMod val="130000"/>
+              </a:schemeClr>
+            </a:gs>
+            <a:gs pos="100000">
+              <a:schemeClr val="accent1">
+                <a:tint val="60000"/>
+                <a:hueOff val="0"/>
+                <a:satOff val="0"/>
+                <a:lumOff val="0"/>
+                <a:alphaOff val="0"/>
+                <a:shade val="94000"/>
+                <a:satMod val="135000"/>
+              </a:schemeClr>
+            </a:gs>
+          </a:gsLst>
+          <a:lin ang="16200000" scaled="0"/>
+        </a:gradFill>
+        <a:ln>
+          <a:noFill/>
+        </a:ln>
+        <a:effectLst>
+          <a:outerShdw blurRad="40000" dist="23000" dir="5400000" rotWithShape="0">
+            <a:srgbClr val="000000">
+              <a:alpha val="35000"/>
+            </a:srgbClr>
+          </a:outerShdw>
+        </a:effectLst>
+        <a:scene3d>
+          <a:camera prst="orthographicFront">
+            <a:rot lat="0" lon="0" rev="0"/>
+          </a:camera>
+          <a:lightRig rig="threePt" dir="t">
+            <a:rot lat="0" lon="0" rev="1200000"/>
+          </a:lightRig>
+        </a:scene3d>
+        <a:sp3d>
+          <a:bevelT w="63500" h="25400"/>
+        </a:sp3d>
+      </dsp:spPr>
+      <dsp:style>
+        <a:lnRef idx="0">
+          <a:scrgbClr r="0" g="0" b="0"/>
+        </a:lnRef>
+        <a:fillRef idx="3">
+          <a:scrgbClr r="0" g="0" b="0"/>
+        </a:fillRef>
+        <a:effectRef idx="3">
+          <a:scrgbClr r="0" g="0" b="0"/>
+        </a:effectRef>
+        <a:fontRef idx="minor">
+          <a:schemeClr val="lt1"/>
+        </a:fontRef>
+      </dsp:style>
+    </dsp:sp>
+    <dsp:sp modelId="{3A0C2E89-C69F-470B-AA8E-DA642D15ED52}">
+      <dsp:nvSpPr>
+        <dsp:cNvPr id="0" name=""/>
+        <dsp:cNvSpPr/>
+      </dsp:nvSpPr>
+      <dsp:spPr>
+        <a:xfrm>
+          <a:off x="4663017" y="2980517"/>
+          <a:ext cx="3824168" cy="325061"/>
+        </a:xfrm>
+        <a:prstGeom prst="roundRect">
+          <a:avLst>
+            <a:gd name="adj" fmla="val 10000"/>
+          </a:avLst>
+        </a:prstGeom>
+        <a:solidFill>
+          <a:srgbClr val="99FF66">
+            <a:alpha val="89804"/>
+          </a:srgbClr>
+        </a:solidFill>
+        <a:ln w="9525" cap="flat" cmpd="sng" algn="ctr">
+          <a:solidFill>
+            <a:schemeClr val="accent1">
+              <a:alpha val="90000"/>
+              <a:tint val="40000"/>
+              <a:hueOff val="0"/>
+              <a:satOff val="0"/>
+              <a:lumOff val="0"/>
+              <a:alphaOff val="0"/>
+            </a:schemeClr>
+          </a:solidFill>
+          <a:prstDash val="solid"/>
+        </a:ln>
+        <a:effectLst>
+          <a:outerShdw blurRad="40000" dist="23000" dir="5400000" rotWithShape="0">
+            <a:srgbClr val="000000">
+              <a:alpha val="35000"/>
+            </a:srgbClr>
+          </a:outerShdw>
+        </a:effectLst>
+      </dsp:spPr>
+      <dsp:style>
+        <a:lnRef idx="1">
+          <a:scrgbClr r="0" g="0" b="0"/>
+        </a:lnRef>
+        <a:fillRef idx="1">
+          <a:scrgbClr r="0" g="0" b="0"/>
+        </a:fillRef>
+        <a:effectRef idx="2">
+          <a:scrgbClr r="0" g="0" b="0"/>
+        </a:effectRef>
+        <a:fontRef idx="minor"/>
+      </dsp:style>
+      <dsp:txBody>
+        <a:bodyPr spcFirstLastPara="0" vert="horz" wrap="square" lIns="17780" tIns="17780" rIns="17780" bIns="17780" numCol="1" spcCol="1270" anchor="ctr" anchorCtr="0">
+          <a:noAutofit/>
+        </a:bodyPr>
+        <a:lstStyle/>
+        <a:p>
+          <a:pPr lvl="0" algn="l" defTabSz="622300">
+            <a:lnSpc>
+              <a:spcPct val="90000"/>
+            </a:lnSpc>
+            <a:spcBef>
+              <a:spcPct val="0"/>
+            </a:spcBef>
+            <a:spcAft>
+              <a:spcPct val="35000"/>
+            </a:spcAft>
+          </a:pPr>
+          <a:r>
+            <a:rPr lang="en-US" sz="1400" b="1" kern="1200" dirty="0" err="1" smtClean="0"/>
+            <a:t>EnterpriseSecurityException</a:t>
+          </a:r>
+          <a:r>
+            <a:rPr lang="en-US" sz="1400" b="1" kern="1200" dirty="0" smtClean="0"/>
+            <a:t>, </a:t>
+          </a:r>
+          <a:r>
+            <a:rPr lang="en-US" sz="1400" b="1" kern="1200" dirty="0" err="1" smtClean="0"/>
+            <a:t>HTTPUtils</a:t>
+          </a:r>
+          <a:endParaRPr lang="en-US" sz="1400" b="1" kern="1200" dirty="0"/>
+        </a:p>
+      </dsp:txBody>
+      <dsp:txXfrm>
+        <a:off x="4663017" y="2980517"/>
+        <a:ext cx="3824168" cy="325061"/>
+      </dsp:txXfrm>
+    </dsp:sp>
+    <dsp:sp modelId="{E0C0A71F-9DCE-4CCE-9956-BA215A767540}">
+      <dsp:nvSpPr>
+        <dsp:cNvPr id="0" name=""/>
+        <dsp:cNvSpPr/>
+      </dsp:nvSpPr>
+      <dsp:spPr>
+        <a:xfrm rot="5400000">
+          <a:off x="6491448" y="3334022"/>
+          <a:ext cx="167306" cy="56885"/>
+        </a:xfrm>
+        <a:prstGeom prst="rightArrow">
+          <a:avLst>
+            <a:gd name="adj1" fmla="val 66700"/>
+            <a:gd name="adj2" fmla="val 50000"/>
+          </a:avLst>
+        </a:prstGeom>
+        <a:gradFill rotWithShape="0">
+          <a:gsLst>
+            <a:gs pos="0">
+              <a:schemeClr val="accent1">
+                <a:tint val="60000"/>
+                <a:hueOff val="0"/>
+                <a:satOff val="0"/>
+                <a:lumOff val="0"/>
+                <a:alphaOff val="0"/>
+                <a:shade val="51000"/>
+                <a:satMod val="130000"/>
+              </a:schemeClr>
+            </a:gs>
+            <a:gs pos="80000">
+              <a:schemeClr val="accent1">
+                <a:tint val="60000"/>
+                <a:hueOff val="0"/>
+                <a:satOff val="0"/>
+                <a:lumOff val="0"/>
+                <a:alphaOff val="0"/>
+                <a:shade val="93000"/>
+                <a:satMod val="130000"/>
+              </a:schemeClr>
+            </a:gs>
+            <a:gs pos="100000">
+              <a:schemeClr val="accent1">
+                <a:tint val="60000"/>
+                <a:hueOff val="0"/>
+                <a:satOff val="0"/>
+                <a:lumOff val="0"/>
+                <a:alphaOff val="0"/>
+                <a:shade val="94000"/>
+                <a:satMod val="135000"/>
+              </a:schemeClr>
+            </a:gs>
+          </a:gsLst>
+          <a:lin ang="16200000" scaled="0"/>
+        </a:gradFill>
+        <a:ln>
+          <a:noFill/>
+        </a:ln>
+        <a:effectLst>
+          <a:outerShdw blurRad="40000" dist="23000" dir="5400000" rotWithShape="0">
+            <a:srgbClr val="000000">
+              <a:alpha val="35000"/>
+            </a:srgbClr>
+          </a:outerShdw>
+        </a:effectLst>
+        <a:scene3d>
+          <a:camera prst="orthographicFront">
+            <a:rot lat="0" lon="0" rev="0"/>
+          </a:camera>
+          <a:lightRig rig="threePt" dir="t">
+            <a:rot lat="0" lon="0" rev="1200000"/>
+          </a:lightRig>
+        </a:scene3d>
+        <a:sp3d>
+          <a:bevelT w="63500" h="25400"/>
+        </a:sp3d>
+      </dsp:spPr>
+      <dsp:style>
+        <a:lnRef idx="0">
+          <a:scrgbClr r="0" g="0" b="0"/>
+        </a:lnRef>
+        <a:fillRef idx="3">
+          <a:scrgbClr r="0" g="0" b="0"/>
+        </a:fillRef>
+        <a:effectRef idx="3">
+          <a:scrgbClr r="0" g="0" b="0"/>
+        </a:effectRef>
+        <a:fontRef idx="minor">
+          <a:schemeClr val="lt1"/>
+        </a:fontRef>
+      </dsp:style>
+    </dsp:sp>
+    <dsp:sp modelId="{B37383AF-9B7A-42A6-B08D-32613F242FB7}">
+      <dsp:nvSpPr>
+        <dsp:cNvPr id="0" name=""/>
+        <dsp:cNvSpPr/>
+      </dsp:nvSpPr>
+      <dsp:spPr>
+        <a:xfrm>
+          <a:off x="4663017" y="3419350"/>
+          <a:ext cx="3824168" cy="325061"/>
+        </a:xfrm>
+        <a:prstGeom prst="roundRect">
+          <a:avLst>
+            <a:gd name="adj" fmla="val 10000"/>
+          </a:avLst>
+        </a:prstGeom>
+        <a:solidFill>
+          <a:srgbClr val="99FF66">
+            <a:alpha val="89804"/>
+          </a:srgbClr>
+        </a:solidFill>
+        <a:ln w="9525" cap="flat" cmpd="sng" algn="ctr">
+          <a:solidFill>
+            <a:schemeClr val="accent1">
+              <a:alpha val="90000"/>
+              <a:tint val="40000"/>
+              <a:hueOff val="0"/>
+              <a:satOff val="0"/>
+              <a:lumOff val="0"/>
+              <a:alphaOff val="0"/>
+            </a:schemeClr>
+          </a:solidFill>
+          <a:prstDash val="solid"/>
+        </a:ln>
+        <a:effectLst>
+          <a:outerShdw blurRad="40000" dist="23000" dir="5400000" rotWithShape="0">
+            <a:srgbClr val="000000">
+              <a:alpha val="35000"/>
+            </a:srgbClr>
+          </a:outerShdw>
+        </a:effectLst>
+      </dsp:spPr>
+      <dsp:style>
+        <a:lnRef idx="1">
+          <a:scrgbClr r="0" g="0" b="0"/>
+        </a:lnRef>
+        <a:fillRef idx="1">
+          <a:scrgbClr r="0" g="0" b="0"/>
+        </a:fillRef>
+        <a:effectRef idx="2">
+          <a:scrgbClr r="0" g="0" b="0"/>
+        </a:effectRef>
+        <a:fontRef idx="minor"/>
+      </dsp:style>
+      <dsp:txBody>
+        <a:bodyPr spcFirstLastPara="0" vert="horz" wrap="square" lIns="17780" tIns="17780" rIns="17780" bIns="17780" numCol="1" spcCol="1270" anchor="ctr" anchorCtr="0">
+          <a:noAutofit/>
+        </a:bodyPr>
+        <a:lstStyle/>
+        <a:p>
+          <a:pPr lvl="0" algn="l" defTabSz="622300">
+            <a:lnSpc>
+              <a:spcPct val="90000"/>
+            </a:lnSpc>
+            <a:spcBef>
+              <a:spcPct val="0"/>
+            </a:spcBef>
+            <a:spcAft>
+              <a:spcPct val="35000"/>
+            </a:spcAft>
+          </a:pPr>
+          <a:r>
+            <a:rPr lang="en-US" sz="1400" b="1" kern="1200" dirty="0" smtClean="0"/>
+            <a:t>Authenticator, User, </a:t>
+          </a:r>
+          <a:r>
+            <a:rPr lang="en-US" sz="1400" b="1" kern="1200" dirty="0" err="1" smtClean="0"/>
+            <a:t>HTTPUtils</a:t>
+          </a:r>
+          <a:endParaRPr lang="en-US" sz="1400" b="1" kern="1200" dirty="0"/>
+        </a:p>
+      </dsp:txBody>
+      <dsp:txXfrm>
+        <a:off x="4663017" y="3419350"/>
+        <a:ext cx="3824168" cy="325061"/>
+      </dsp:txXfrm>
+    </dsp:sp>
+    <dsp:sp modelId="{411430FF-FF48-4D0B-9C34-5A7CCD3CC292}">
+      <dsp:nvSpPr>
+        <dsp:cNvPr id="0" name=""/>
+        <dsp:cNvSpPr/>
+      </dsp:nvSpPr>
+      <dsp:spPr>
+        <a:xfrm rot="5400000">
+          <a:off x="6491448" y="3772855"/>
+          <a:ext cx="167306" cy="56885"/>
+        </a:xfrm>
+        <a:prstGeom prst="rightArrow">
+          <a:avLst>
+            <a:gd name="adj1" fmla="val 66700"/>
+            <a:gd name="adj2" fmla="val 50000"/>
+          </a:avLst>
+        </a:prstGeom>
+        <a:gradFill rotWithShape="0">
+          <a:gsLst>
+            <a:gs pos="0">
+              <a:schemeClr val="accent1">
+                <a:tint val="60000"/>
+                <a:hueOff val="0"/>
+                <a:satOff val="0"/>
+                <a:lumOff val="0"/>
+                <a:alphaOff val="0"/>
+                <a:shade val="51000"/>
+                <a:satMod val="130000"/>
+              </a:schemeClr>
+            </a:gs>
+            <a:gs pos="80000">
+              <a:schemeClr val="accent1">
+                <a:tint val="60000"/>
+                <a:hueOff val="0"/>
+                <a:satOff val="0"/>
+                <a:lumOff val="0"/>
+                <a:alphaOff val="0"/>
+                <a:shade val="93000"/>
+                <a:satMod val="130000"/>
+              </a:schemeClr>
+            </a:gs>
+            <a:gs pos="100000">
+              <a:schemeClr val="accent1">
+                <a:tint val="60000"/>
+                <a:hueOff val="0"/>
+                <a:satOff val="0"/>
+                <a:lumOff val="0"/>
+                <a:alphaOff val="0"/>
+                <a:shade val="94000"/>
+                <a:satMod val="135000"/>
+              </a:schemeClr>
+            </a:gs>
+          </a:gsLst>
+          <a:lin ang="16200000" scaled="0"/>
+        </a:gradFill>
+        <a:ln>
+          <a:noFill/>
+        </a:ln>
+        <a:effectLst>
+          <a:outerShdw blurRad="40000" dist="23000" dir="5400000" rotWithShape="0">
+            <a:srgbClr val="000000">
+              <a:alpha val="35000"/>
+            </a:srgbClr>
+          </a:outerShdw>
+        </a:effectLst>
+        <a:scene3d>
+          <a:camera prst="orthographicFront">
+            <a:rot lat="0" lon="0" rev="0"/>
+          </a:camera>
+          <a:lightRig rig="threePt" dir="t">
+            <a:rot lat="0" lon="0" rev="1200000"/>
+          </a:lightRig>
+        </a:scene3d>
+        <a:sp3d>
+          <a:bevelT w="63500" h="25400"/>
+        </a:sp3d>
+      </dsp:spPr>
+      <dsp:style>
+        <a:lnRef idx="0">
+          <a:scrgbClr r="0" g="0" b="0"/>
+        </a:lnRef>
+        <a:fillRef idx="3">
+          <a:scrgbClr r="0" g="0" b="0"/>
+        </a:fillRef>
+        <a:effectRef idx="3">
+          <a:scrgbClr r="0" g="0" b="0"/>
+        </a:effectRef>
+        <a:fontRef idx="minor">
+          <a:schemeClr val="lt1"/>
+        </a:fontRef>
+      </dsp:style>
+    </dsp:sp>
+    <dsp:sp modelId="{85670776-CDB8-4801-A3E5-ABBFCA559329}">
+      <dsp:nvSpPr>
+        <dsp:cNvPr id="0" name=""/>
+        <dsp:cNvSpPr/>
+      </dsp:nvSpPr>
+      <dsp:spPr>
+        <a:xfrm>
+          <a:off x="4663017" y="3858184"/>
+          <a:ext cx="3824168" cy="325061"/>
+        </a:xfrm>
+        <a:prstGeom prst="roundRect">
+          <a:avLst>
+            <a:gd name="adj" fmla="val 10000"/>
+          </a:avLst>
+        </a:prstGeom>
+        <a:solidFill>
+          <a:srgbClr val="99FF66">
+            <a:alpha val="89804"/>
+          </a:srgbClr>
+        </a:solidFill>
+        <a:ln w="9525" cap="flat" cmpd="sng" algn="ctr">
+          <a:solidFill>
+            <a:schemeClr val="accent1">
+              <a:alpha val="90000"/>
+              <a:tint val="40000"/>
+              <a:hueOff val="0"/>
+              <a:satOff val="0"/>
+              <a:lumOff val="0"/>
+              <a:alphaOff val="0"/>
+            </a:schemeClr>
+          </a:solidFill>
+          <a:prstDash val="solid"/>
+        </a:ln>
+        <a:effectLst>
+          <a:outerShdw blurRad="40000" dist="23000" dir="5400000" rotWithShape="0">
+            <a:srgbClr val="000000">
+              <a:alpha val="35000"/>
+            </a:srgbClr>
+          </a:outerShdw>
+        </a:effectLst>
+      </dsp:spPr>
+      <dsp:style>
+        <a:lnRef idx="1">
+          <a:scrgbClr r="0" g="0" b="0"/>
+        </a:lnRef>
+        <a:fillRef idx="1">
+          <a:scrgbClr r="0" g="0" b="0"/>
+        </a:fillRef>
+        <a:effectRef idx="2">
+          <a:scrgbClr r="0" g="0" b="0"/>
+        </a:effectRef>
+        <a:fontRef idx="minor"/>
+      </dsp:style>
+      <dsp:txBody>
+        <a:bodyPr spcFirstLastPara="0" vert="horz" wrap="square" lIns="17780" tIns="17780" rIns="17780" bIns="17780" numCol="1" spcCol="1270" anchor="ctr" anchorCtr="0">
+          <a:noAutofit/>
+        </a:bodyPr>
+        <a:lstStyle/>
+        <a:p>
+          <a:pPr lvl="0" algn="l" defTabSz="622300">
+            <a:lnSpc>
+              <a:spcPct val="90000"/>
+            </a:lnSpc>
+            <a:spcBef>
+              <a:spcPct val="0"/>
+            </a:spcBef>
+            <a:spcAft>
+              <a:spcPct val="35000"/>
+            </a:spcAft>
+          </a:pPr>
+          <a:r>
+            <a:rPr lang="en-US" sz="1400" b="1" kern="1200" dirty="0" err="1" smtClean="0"/>
+            <a:t>Encryptor</a:t>
+          </a:r>
+          <a:endParaRPr lang="en-US" sz="1400" b="1" kern="1200" dirty="0"/>
+        </a:p>
+      </dsp:txBody>
+      <dsp:txXfrm>
+        <a:off x="4663017" y="3858184"/>
+        <a:ext cx="3824168" cy="325061"/>
+      </dsp:txXfrm>
+    </dsp:sp>
+    <dsp:sp modelId="{DE2DB74B-1798-434D-AB5E-70695B3AD95F}">
+      <dsp:nvSpPr>
+        <dsp:cNvPr id="0" name=""/>
+        <dsp:cNvSpPr/>
+      </dsp:nvSpPr>
+      <dsp:spPr>
+        <a:xfrm rot="5400000">
+          <a:off x="6491448" y="4211688"/>
+          <a:ext cx="167306" cy="56885"/>
+        </a:xfrm>
+        <a:prstGeom prst="rightArrow">
+          <a:avLst>
+            <a:gd name="adj1" fmla="val 66700"/>
+            <a:gd name="adj2" fmla="val 50000"/>
+          </a:avLst>
+        </a:prstGeom>
+        <a:gradFill rotWithShape="0">
+          <a:gsLst>
+            <a:gs pos="0">
+              <a:schemeClr val="accent1">
+                <a:tint val="60000"/>
+                <a:hueOff val="0"/>
+                <a:satOff val="0"/>
+                <a:lumOff val="0"/>
+                <a:alphaOff val="0"/>
+                <a:shade val="51000"/>
+                <a:satMod val="130000"/>
+              </a:schemeClr>
+            </a:gs>
+            <a:gs pos="80000">
+              <a:schemeClr val="accent1">
+                <a:tint val="60000"/>
+                <a:hueOff val="0"/>
+                <a:satOff val="0"/>
+                <a:lumOff val="0"/>
+                <a:alphaOff val="0"/>
+                <a:shade val="93000"/>
+                <a:satMod val="130000"/>
+              </a:schemeClr>
+            </a:gs>
+            <a:gs pos="100000">
+              <a:schemeClr val="accent1">
+                <a:tint val="60000"/>
+                <a:hueOff val="0"/>
+                <a:satOff val="0"/>
+                <a:lumOff val="0"/>
+                <a:alphaOff val="0"/>
+                <a:shade val="94000"/>
+                <a:satMod val="135000"/>
+              </a:schemeClr>
+            </a:gs>
+          </a:gsLst>
+          <a:lin ang="16200000" scaled="0"/>
+        </a:gradFill>
+        <a:ln>
+          <a:noFill/>
+        </a:ln>
+        <a:effectLst>
+          <a:outerShdw blurRad="40000" dist="23000" dir="5400000" rotWithShape="0">
+            <a:srgbClr val="000000">
+              <a:alpha val="35000"/>
+            </a:srgbClr>
+          </a:outerShdw>
+        </a:effectLst>
+        <a:scene3d>
+          <a:camera prst="orthographicFront">
+            <a:rot lat="0" lon="0" rev="0"/>
+          </a:camera>
+          <a:lightRig rig="threePt" dir="t">
+            <a:rot lat="0" lon="0" rev="1200000"/>
+          </a:lightRig>
+        </a:scene3d>
+        <a:sp3d>
+          <a:bevelT w="63500" h="25400"/>
+        </a:sp3d>
+      </dsp:spPr>
+      <dsp:style>
+        <a:lnRef idx="0">
+          <a:scrgbClr r="0" g="0" b="0"/>
+        </a:lnRef>
+        <a:fillRef idx="3">
+          <a:scrgbClr r="0" g="0" b="0"/>
+        </a:fillRef>
+        <a:effectRef idx="3">
+          <a:scrgbClr r="0" g="0" b="0"/>
+        </a:effectRef>
+        <a:fontRef idx="minor">
+          <a:schemeClr val="lt1"/>
+        </a:fontRef>
+      </dsp:style>
+    </dsp:sp>
+    <dsp:sp modelId="{FFF16584-33AE-4680-B3AE-09CBA63E204B}">
+      <dsp:nvSpPr>
+        <dsp:cNvPr id="0" name=""/>
+        <dsp:cNvSpPr/>
+      </dsp:nvSpPr>
+      <dsp:spPr>
+        <a:xfrm>
+          <a:off x="4663017" y="4297017"/>
+          <a:ext cx="3824168" cy="325061"/>
+        </a:xfrm>
+        <a:prstGeom prst="roundRect">
+          <a:avLst>
+            <a:gd name="adj" fmla="val 10000"/>
+          </a:avLst>
+        </a:prstGeom>
+        <a:solidFill>
+          <a:srgbClr val="FFFDCB">
+            <a:alpha val="89804"/>
+          </a:srgbClr>
+        </a:solidFill>
+        <a:ln w="9525" cap="flat" cmpd="sng" algn="ctr">
+          <a:solidFill>
+            <a:schemeClr val="accent1">
+              <a:alpha val="90000"/>
+              <a:tint val="40000"/>
+              <a:hueOff val="0"/>
+              <a:satOff val="0"/>
+              <a:lumOff val="0"/>
+              <a:alphaOff val="0"/>
+            </a:schemeClr>
+          </a:solidFill>
+          <a:prstDash val="solid"/>
+        </a:ln>
+        <a:effectLst>
+          <a:outerShdw blurRad="40000" dist="23000" dir="5400000" rotWithShape="0">
+            <a:srgbClr val="000000">
+              <a:alpha val="35000"/>
+            </a:srgbClr>
+          </a:outerShdw>
+        </a:effectLst>
+      </dsp:spPr>
+      <dsp:style>
+        <a:lnRef idx="1">
+          <a:scrgbClr r="0" g="0" b="0"/>
+        </a:lnRef>
+        <a:fillRef idx="1">
+          <a:scrgbClr r="0" g="0" b="0"/>
+        </a:fillRef>
+        <a:effectRef idx="2">
+          <a:scrgbClr r="0" g="0" b="0"/>
+        </a:effectRef>
+        <a:fontRef idx="minor"/>
+      </dsp:style>
+      <dsp:txBody>
+        <a:bodyPr spcFirstLastPara="0" vert="horz" wrap="square" lIns="17780" tIns="17780" rIns="17780" bIns="17780" numCol="1" spcCol="1270" anchor="ctr" anchorCtr="0">
+          <a:noAutofit/>
+        </a:bodyPr>
+        <a:lstStyle/>
+        <a:p>
+          <a:pPr lvl="0" algn="l" defTabSz="622300">
+            <a:lnSpc>
+              <a:spcPct val="90000"/>
+            </a:lnSpc>
+            <a:spcBef>
+              <a:spcPct val="0"/>
+            </a:spcBef>
+            <a:spcAft>
+              <a:spcPct val="35000"/>
+            </a:spcAft>
+          </a:pPr>
+          <a:r>
+            <a:rPr lang="en-US" sz="1400" b="1" kern="1200" dirty="0" err="1" smtClean="0"/>
+            <a:t>HTTPUtilities</a:t>
+          </a:r>
+          <a:r>
+            <a:rPr lang="en-US" sz="1400" b="1" kern="1200" dirty="0" smtClean="0"/>
+            <a:t> (secure cookie, channel)</a:t>
+          </a:r>
+          <a:endParaRPr lang="en-US" sz="1400" b="1" kern="1200" dirty="0"/>
+        </a:p>
+      </dsp:txBody>
+      <dsp:txXfrm>
+        <a:off x="4663017" y="4297017"/>
+        <a:ext cx="3824168" cy="325061"/>
+      </dsp:txXfrm>
+    </dsp:sp>
+    <dsp:sp modelId="{73A46A9C-C56D-49E2-A3F6-0D259BCDB23D}">
+      <dsp:nvSpPr>
+        <dsp:cNvPr id="0" name=""/>
+        <dsp:cNvSpPr/>
+      </dsp:nvSpPr>
+      <dsp:spPr>
+        <a:xfrm rot="5400000">
+          <a:off x="6491448" y="4650522"/>
+          <a:ext cx="167306" cy="56885"/>
+        </a:xfrm>
+        <a:prstGeom prst="rightArrow">
+          <a:avLst>
+            <a:gd name="adj1" fmla="val 66700"/>
+            <a:gd name="adj2" fmla="val 50000"/>
+          </a:avLst>
+        </a:prstGeom>
+        <a:gradFill rotWithShape="0">
+          <a:gsLst>
+            <a:gs pos="0">
+              <a:schemeClr val="accent1">
+                <a:tint val="60000"/>
+                <a:hueOff val="0"/>
+                <a:satOff val="0"/>
+                <a:lumOff val="0"/>
+                <a:alphaOff val="0"/>
+                <a:shade val="51000"/>
+                <a:satMod val="130000"/>
+              </a:schemeClr>
+            </a:gs>
+            <a:gs pos="80000">
+              <a:schemeClr val="accent1">
+                <a:tint val="60000"/>
+                <a:hueOff val="0"/>
+                <a:satOff val="0"/>
+                <a:lumOff val="0"/>
+                <a:alphaOff val="0"/>
+                <a:shade val="93000"/>
+                <a:satMod val="130000"/>
+              </a:schemeClr>
+            </a:gs>
+            <a:gs pos="100000">
+              <a:schemeClr val="accent1">
+                <a:tint val="60000"/>
+                <a:hueOff val="0"/>
+                <a:satOff val="0"/>
+                <a:lumOff val="0"/>
+                <a:alphaOff val="0"/>
+                <a:shade val="94000"/>
+                <a:satMod val="135000"/>
+              </a:schemeClr>
+            </a:gs>
+          </a:gsLst>
+          <a:lin ang="16200000" scaled="0"/>
+        </a:gradFill>
+        <a:ln>
+          <a:noFill/>
+        </a:ln>
+        <a:effectLst>
+          <a:outerShdw blurRad="40000" dist="23000" dir="5400000" rotWithShape="0">
+            <a:srgbClr val="000000">
+              <a:alpha val="35000"/>
+            </a:srgbClr>
+          </a:outerShdw>
+        </a:effectLst>
+        <a:scene3d>
+          <a:camera prst="orthographicFront">
+            <a:rot lat="0" lon="0" rev="0"/>
+          </a:camera>
+          <a:lightRig rig="threePt" dir="t">
+            <a:rot lat="0" lon="0" rev="1200000"/>
+          </a:lightRig>
+        </a:scene3d>
+        <a:sp3d>
+          <a:bevelT w="63500" h="25400"/>
+        </a:sp3d>
+      </dsp:spPr>
+      <dsp:style>
+        <a:lnRef idx="0">
+          <a:scrgbClr r="0" g="0" b="0"/>
+        </a:lnRef>
+        <a:fillRef idx="3">
+          <a:scrgbClr r="0" g="0" b="0"/>
+        </a:fillRef>
+        <a:effectRef idx="3">
+          <a:scrgbClr r="0" g="0" b="0"/>
+        </a:effectRef>
+        <a:fontRef idx="minor">
+          <a:schemeClr val="lt1"/>
+        </a:fontRef>
+      </dsp:style>
+    </dsp:sp>
+    <dsp:sp modelId="{167AC13F-E107-42A1-A60B-7FF28F58AE54}">
+      <dsp:nvSpPr>
+        <dsp:cNvPr id="0" name=""/>
+        <dsp:cNvSpPr/>
+      </dsp:nvSpPr>
+      <dsp:spPr>
+        <a:xfrm>
+          <a:off x="4663017" y="4735850"/>
+          <a:ext cx="3824168" cy="325061"/>
+        </a:xfrm>
+        <a:prstGeom prst="roundRect">
+          <a:avLst>
+            <a:gd name="adj" fmla="val 10000"/>
+          </a:avLst>
+        </a:prstGeom>
+        <a:solidFill>
+          <a:srgbClr val="99FF66">
+            <a:alpha val="89804"/>
+          </a:srgbClr>
+        </a:solidFill>
+        <a:ln w="9525" cap="flat" cmpd="sng" algn="ctr">
+          <a:solidFill>
+            <a:schemeClr val="accent1">
+              <a:alpha val="90000"/>
+              <a:tint val="40000"/>
+              <a:hueOff val="0"/>
+              <a:satOff val="0"/>
+              <a:lumOff val="0"/>
+              <a:alphaOff val="0"/>
+            </a:schemeClr>
+          </a:solidFill>
+          <a:prstDash val="solid"/>
+        </a:ln>
+        <a:effectLst>
+          <a:outerShdw blurRad="40000" dist="23000" dir="5400000" rotWithShape="0">
+            <a:srgbClr val="000000">
+              <a:alpha val="35000"/>
+            </a:srgbClr>
+          </a:outerShdw>
+        </a:effectLst>
+      </dsp:spPr>
+      <dsp:style>
+        <a:lnRef idx="1">
+          <a:scrgbClr r="0" g="0" b="0"/>
+        </a:lnRef>
+        <a:fillRef idx="1">
+          <a:scrgbClr r="0" g="0" b="0"/>
+        </a:fillRef>
+        <a:effectRef idx="2">
+          <a:scrgbClr r="0" g="0" b="0"/>
+        </a:effectRef>
+        <a:fontRef idx="minor"/>
+      </dsp:style>
+      <dsp:txBody>
+        <a:bodyPr spcFirstLastPara="0" vert="horz" wrap="square" lIns="17780" tIns="17780" rIns="17780" bIns="17780" numCol="1" spcCol="1270" anchor="ctr" anchorCtr="0">
+          <a:noAutofit/>
+        </a:bodyPr>
+        <a:lstStyle/>
+        <a:p>
+          <a:pPr lvl="0" algn="l" defTabSz="622300">
+            <a:lnSpc>
+              <a:spcPct val="90000"/>
+            </a:lnSpc>
+            <a:spcBef>
+              <a:spcPct val="0"/>
+            </a:spcBef>
+            <a:spcAft>
+              <a:spcPct val="35000"/>
+            </a:spcAft>
+          </a:pPr>
+          <a:r>
+            <a:rPr lang="en-US" sz="1400" b="1" kern="1200" dirty="0" err="1" smtClean="0"/>
+            <a:t>AccessController</a:t>
+          </a:r>
+          <a:endParaRPr lang="en-US" sz="1400" b="1" kern="1200" dirty="0"/>
+        </a:p>
+      </dsp:txBody>
+      <dsp:txXfrm>
+        <a:off x="4663017" y="4735850"/>
+        <a:ext cx="3824168" cy="325061"/>
+      </dsp:txXfrm>
+    </dsp:sp>
+  </dsp:spTree>
+</dsp:drawing>
 </file>
 
 <file path=ppt/diagrams/layout1.xml><?xml version="1.0" encoding="utf-8"?>
@@ -12167,7 +17917,7 @@
             <a:fld id="{3A7A15F4-3596-48DF-9581-82223F4B0921}" type="datetimeFigureOut">
               <a:rPr lang="en-US" smtClean="0"/>
               <a:pPr/>
-              <a:t>11/15/2007</a:t>
+              <a:t>6/29/2009</a:t>
             </a:fld>
             <a:endParaRPr lang="en-US"/>
           </a:p>
@@ -13007,7 +18757,7 @@
           <p:nvPr/>
         </p:nvPicPr>
         <p:blipFill>
-          <a:blip r:embed="rId2">
+          <a:blip r:embed="rId2" cstate="print">
             <a:clrChange>
               <a:clrFrom>
                 <a:srgbClr val="FEFEFE"/>
@@ -26011,11 +31761,7 @@
             </a:r>
             <a:r>
               <a:rPr lang="en-US" dirty="0" smtClean="0"/>
-              <a:t> field</a:t>
-            </a:r>
-            <a:r>
-              <a:rPr lang="en-US" dirty="0" smtClean="0"/>
-              <a:t>')"&gt;</a:t>
+              <a:t> field')"&gt;</a:t>
             </a:r>
           </a:p>
           <a:p>
@@ -26032,7 +31778,6 @@
               <a:rPr lang="en-US" dirty="0" smtClean="0"/>
               <a:t>%26lt;</a:t>
             </a:r>
-            <a:endParaRPr lang="en-US" dirty="0" smtClean="0"/>
           </a:p>
         </p:txBody>
       </p:sp>
@@ -27347,11 +33092,7 @@
             </a:r>
             <a:r>
               <a:rPr lang="en-US" dirty="0" smtClean="0"/>
-              <a:t>(input</a:t>
-            </a:r>
-            <a:r>
-              <a:rPr lang="en-US" dirty="0" smtClean="0"/>
-              <a:t>) </a:t>
+              <a:t>(input) </a:t>
             </a:r>
           </a:p>
           <a:p>
@@ -30239,7 +35980,7 @@
             </a:r>
             <a:r>
               <a:rPr lang="en-US" dirty="0" err="1" smtClean="0"/>
-              <a:t>applicationName,moduleName</a:t>
+              <a:t>moduleName</a:t>
             </a:r>
             <a:r>
               <a:rPr lang="en-US" dirty="0" smtClean="0"/>
@@ -30250,13 +35991,33 @@
             <a:pPr lvl="1"/>
             <a:r>
               <a:rPr lang="en-US" b="1" dirty="0" err="1" smtClean="0">
-                <a:hlinkClick r:id="rId3" action="ppaction://hlinkfile"/>
+                <a:hlinkClick r:id="rId2" action="ppaction://hlinkfile"/>
               </a:rPr>
-              <a:t>formatHttpRequestForLog</a:t>
+              <a:t>getLogger</a:t>
             </a:r>
             <a:r>
               <a:rPr lang="en-US" dirty="0" smtClean="0"/>
-              <a:t>(request, </a:t>
+              <a:t>(class)</a:t>
+            </a:r>
+            <a:endParaRPr lang="en-US" dirty="0" smtClean="0"/>
+          </a:p>
+          <a:p>
+            <a:pPr lvl="1"/>
+            <a:r>
+              <a:rPr lang="en-US" b="1" dirty="0" err="1" smtClean="0">
+                <a:hlinkClick r:id="rId2" action="ppaction://hlinkfile"/>
+              </a:rPr>
+              <a:t>logHTTPRequest</a:t>
+            </a:r>
+            <a:r>
+              <a:rPr lang="en-US" b="1" dirty="0" smtClean="0">
+                <a:hlinkClick r:id="rId2" action="ppaction://hlinkfile"/>
+              </a:rPr>
+              <a:t> </a:t>
+            </a:r>
+            <a:r>
+              <a:rPr lang="en-US" dirty="0" smtClean="0"/>
+              <a:t>(request, logger, </a:t>
             </a:r>
             <a:r>
               <a:rPr lang="en-US" dirty="0" err="1" smtClean="0"/>
@@ -30266,6 +36027,7 @@
               <a:rPr lang="en-US" dirty="0" smtClean="0"/>
               <a:t>)</a:t>
             </a:r>
+            <a:endParaRPr lang="en-US" dirty="0" smtClean="0"/>
           </a:p>
           <a:p>
             <a:pPr lvl="1"/>
@@ -30277,7 +36039,15 @@
             </a:r>
             <a:r>
               <a:rPr lang="en-US" dirty="0" smtClean="0"/>
-              <a:t>(type, message, </a:t>
+              <a:t>(type, </a:t>
+            </a:r>
+            <a:r>
+              <a:rPr lang="en-US" dirty="0" smtClean="0"/>
+              <a:t>message</a:t>
+            </a:r>
+            <a:r>
+              <a:rPr lang="en-US" dirty="0" smtClean="0"/>
+              <a:t>, </a:t>
             </a:r>
             <a:r>
               <a:rPr lang="en-US" dirty="0" err="1" smtClean="0"/>
@@ -33538,7 +39308,7 @@
           <p:nvPr/>
         </p:nvPicPr>
         <p:blipFill>
-          <a:blip r:embed="rId3"/>
+          <a:blip r:embed="rId3" cstate="print"/>
           <a:srcRect/>
           <a:stretch>
             <a:fillRect/>
@@ -33566,7 +39336,7 @@
           <p:nvPr/>
         </p:nvPicPr>
         <p:blipFill>
-          <a:blip r:embed="rId5"/>
+          <a:blip r:embed="rId5" cstate="print"/>
           <a:srcRect/>
           <a:stretch>
             <a:fillRect/>
@@ -33594,7 +39364,7 @@
           <p:nvPr/>
         </p:nvPicPr>
         <p:blipFill>
-          <a:blip r:embed="rId7"/>
+          <a:blip r:embed="rId7" cstate="print"/>
           <a:srcRect/>
           <a:stretch>
             <a:fillRect/>
@@ -33620,7 +39390,7 @@
           <p:nvPr/>
         </p:nvPicPr>
         <p:blipFill>
-          <a:blip r:embed="rId8"/>
+          <a:blip r:embed="rId8" cstate="print"/>
           <a:srcRect/>
           <a:stretch>
             <a:fillRect/>
@@ -33653,7 +39423,7 @@
           <p:nvPr/>
         </p:nvPicPr>
         <p:blipFill>
-          <a:blip r:embed="rId9"/>
+          <a:blip r:embed="rId9" cstate="print"/>
           <a:srcRect/>
           <a:stretch>
             <a:fillRect/>
